--- a/society_game.pptx
+++ b/society_game.pptx
@@ -1,26 +1,26 @@
 
 <file path=ppt/presentation.xml><?xml version="1.0" encoding="utf-8"?>
-<p:presentation xmlns:a="http://schemas.openxmlformats.org/drawingml/2006/main" xmlns:r="http://schemas.openxmlformats.org/officeDocument/2006/relationships" xmlns:p="http://schemas.openxmlformats.org/presentationml/2006/main" strictFirstAndLastChars="0" saveSubsetFonts="1" autoCompressPictures="0">
+<p:presentation xmlns:a="http://schemas.openxmlformats.org/drawingml/2006/main" xmlns:r="http://schemas.openxmlformats.org/officeDocument/2006/relationships" xmlns:mc="http://schemas.openxmlformats.org/markup-compatibility/2006" xmlns:mv="urn:schemas-microsoft-com:mac:vml" xmlns:p="http://schemas.openxmlformats.org/presentationml/2006/main" xmlns:c="http://schemas.openxmlformats.org/drawingml/2006/chart" xmlns:dgm="http://schemas.openxmlformats.org/drawingml/2006/diagram" xmlns:o="urn:schemas-microsoft-com:office:office" xmlns:v="urn:schemas-microsoft-com:vml" xmlns:pvml="urn:schemas-microsoft-com:office:powerpoint" xmlns:com="http://schemas.openxmlformats.org/drawingml/2006/compatibility" xmlns:p14="http://schemas.microsoft.com/office/powerpoint/2010/main" xmlns:p15="http://schemas.microsoft.com/office/powerpoint/2012/main" xmlns:ahyp="http://schemas.microsoft.com/office/drawing/2018/hyperlinkcolor" autoCompressPictures="0" strictFirstAndLastChars="0" saveSubsetFonts="1">
   <p:sldMasterIdLst>
-    <p:sldMasterId id="2147483659" r:id="rId1"/>
+    <p:sldMasterId id="2147483659" r:id="rId4"/>
   </p:sldMasterIdLst>
   <p:notesMasterIdLst>
-    <p:notesMasterId r:id="rId10"/>
+    <p:notesMasterId r:id="rId5"/>
   </p:notesMasterIdLst>
   <p:sldIdLst>
-    <p:sldId id="256" r:id="rId2"/>
-    <p:sldId id="257" r:id="rId3"/>
-    <p:sldId id="258" r:id="rId4"/>
-    <p:sldId id="259" r:id="rId5"/>
-    <p:sldId id="260" r:id="rId6"/>
-    <p:sldId id="261" r:id="rId7"/>
-    <p:sldId id="262" r:id="rId8"/>
-    <p:sldId id="263" r:id="rId9"/>
+    <p:sldId id="256" r:id="rId6"/>
+    <p:sldId id="257" r:id="rId7"/>
+    <p:sldId id="258" r:id="rId8"/>
+    <p:sldId id="259" r:id="rId9"/>
+    <p:sldId id="260" r:id="rId10"/>
+    <p:sldId id="261" r:id="rId11"/>
+    <p:sldId id="262" r:id="rId12"/>
+    <p:sldId id="263" r:id="rId13"/>
   </p:sldIdLst>
-  <p:sldSz cx="9144000" cy="5143500" type="screen16x9"/>
+  <p:sldSz cy="5143500" cx="9144000"/>
   <p:notesSz cx="6858000" cy="9144000"/>
   <p:defaultTextStyle>
-    <a:defPPr marR="0" lvl="0" algn="l" rtl="0">
+    <a:defPPr lvl="0" marR="0" rtl="0" algn="l">
       <a:lnSpc>
         <a:spcPct val="100000"/>
       </a:lnSpc>
@@ -31,7 +31,7 @@
         <a:spcPts val="0"/>
       </a:spcAft>
     </a:defPPr>
-    <a:lvl1pPr marR="0" lvl="0" algn="l" rtl="0">
+    <a:lvl1pPr lvl="0" marR="0" rtl="0" algn="l">
       <a:lnSpc>
         <a:spcPct val="100000"/>
       </a:lnSpc>
@@ -45,7 +45,7 @@
         <a:srgbClr val="000000"/>
       </a:buClr>
       <a:buFont typeface="Arial"/>
-      <a:defRPr sz="1400" b="0" i="0" u="none" strike="noStrike" cap="none">
+      <a:defRPr b="0" i="0" sz="1400" u="none" cap="none" strike="noStrike">
         <a:solidFill>
           <a:srgbClr val="000000"/>
         </a:solidFill>
@@ -55,7 +55,7 @@
         <a:sym typeface="Arial"/>
       </a:defRPr>
     </a:lvl1pPr>
-    <a:lvl2pPr marR="0" lvl="1" algn="l" rtl="0">
+    <a:lvl2pPr lvl="1" marR="0" rtl="0" algn="l">
       <a:lnSpc>
         <a:spcPct val="100000"/>
       </a:lnSpc>
@@ -69,7 +69,7 @@
         <a:srgbClr val="000000"/>
       </a:buClr>
       <a:buFont typeface="Arial"/>
-      <a:defRPr sz="1400" b="0" i="0" u="none" strike="noStrike" cap="none">
+      <a:defRPr b="0" i="0" sz="1400" u="none" cap="none" strike="noStrike">
         <a:solidFill>
           <a:srgbClr val="000000"/>
         </a:solidFill>
@@ -79,7 +79,7 @@
         <a:sym typeface="Arial"/>
       </a:defRPr>
     </a:lvl2pPr>
-    <a:lvl3pPr marR="0" lvl="2" algn="l" rtl="0">
+    <a:lvl3pPr lvl="2" marR="0" rtl="0" algn="l">
       <a:lnSpc>
         <a:spcPct val="100000"/>
       </a:lnSpc>
@@ -93,7 +93,7 @@
         <a:srgbClr val="000000"/>
       </a:buClr>
       <a:buFont typeface="Arial"/>
-      <a:defRPr sz="1400" b="0" i="0" u="none" strike="noStrike" cap="none">
+      <a:defRPr b="0" i="0" sz="1400" u="none" cap="none" strike="noStrike">
         <a:solidFill>
           <a:srgbClr val="000000"/>
         </a:solidFill>
@@ -103,7 +103,7 @@
         <a:sym typeface="Arial"/>
       </a:defRPr>
     </a:lvl3pPr>
-    <a:lvl4pPr marR="0" lvl="3" algn="l" rtl="0">
+    <a:lvl4pPr lvl="3" marR="0" rtl="0" algn="l">
       <a:lnSpc>
         <a:spcPct val="100000"/>
       </a:lnSpc>
@@ -117,7 +117,7 @@
         <a:srgbClr val="000000"/>
       </a:buClr>
       <a:buFont typeface="Arial"/>
-      <a:defRPr sz="1400" b="0" i="0" u="none" strike="noStrike" cap="none">
+      <a:defRPr b="0" i="0" sz="1400" u="none" cap="none" strike="noStrike">
         <a:solidFill>
           <a:srgbClr val="000000"/>
         </a:solidFill>
@@ -127,7 +127,7 @@
         <a:sym typeface="Arial"/>
       </a:defRPr>
     </a:lvl4pPr>
-    <a:lvl5pPr marR="0" lvl="4" algn="l" rtl="0">
+    <a:lvl5pPr lvl="4" marR="0" rtl="0" algn="l">
       <a:lnSpc>
         <a:spcPct val="100000"/>
       </a:lnSpc>
@@ -141,7 +141,7 @@
         <a:srgbClr val="000000"/>
       </a:buClr>
       <a:buFont typeface="Arial"/>
-      <a:defRPr sz="1400" b="0" i="0" u="none" strike="noStrike" cap="none">
+      <a:defRPr b="0" i="0" sz="1400" u="none" cap="none" strike="noStrike">
         <a:solidFill>
           <a:srgbClr val="000000"/>
         </a:solidFill>
@@ -151,7 +151,7 @@
         <a:sym typeface="Arial"/>
       </a:defRPr>
     </a:lvl5pPr>
-    <a:lvl6pPr marR="0" lvl="5" algn="l" rtl="0">
+    <a:lvl6pPr lvl="5" marR="0" rtl="0" algn="l">
       <a:lnSpc>
         <a:spcPct val="100000"/>
       </a:lnSpc>
@@ -165,7 +165,7 @@
         <a:srgbClr val="000000"/>
       </a:buClr>
       <a:buFont typeface="Arial"/>
-      <a:defRPr sz="1400" b="0" i="0" u="none" strike="noStrike" cap="none">
+      <a:defRPr b="0" i="0" sz="1400" u="none" cap="none" strike="noStrike">
         <a:solidFill>
           <a:srgbClr val="000000"/>
         </a:solidFill>
@@ -175,7 +175,7 @@
         <a:sym typeface="Arial"/>
       </a:defRPr>
     </a:lvl6pPr>
-    <a:lvl7pPr marR="0" lvl="6" algn="l" rtl="0">
+    <a:lvl7pPr lvl="6" marR="0" rtl="0" algn="l">
       <a:lnSpc>
         <a:spcPct val="100000"/>
       </a:lnSpc>
@@ -189,7 +189,7 @@
         <a:srgbClr val="000000"/>
       </a:buClr>
       <a:buFont typeface="Arial"/>
-      <a:defRPr sz="1400" b="0" i="0" u="none" strike="noStrike" cap="none">
+      <a:defRPr b="0" i="0" sz="1400" u="none" cap="none" strike="noStrike">
         <a:solidFill>
           <a:srgbClr val="000000"/>
         </a:solidFill>
@@ -199,7 +199,7 @@
         <a:sym typeface="Arial"/>
       </a:defRPr>
     </a:lvl7pPr>
-    <a:lvl8pPr marR="0" lvl="7" algn="l" rtl="0">
+    <a:lvl8pPr lvl="7" marR="0" rtl="0" algn="l">
       <a:lnSpc>
         <a:spcPct val="100000"/>
       </a:lnSpc>
@@ -213,7 +213,7 @@
         <a:srgbClr val="000000"/>
       </a:buClr>
       <a:buFont typeface="Arial"/>
-      <a:defRPr sz="1400" b="0" i="0" u="none" strike="noStrike" cap="none">
+      <a:defRPr b="0" i="0" sz="1400" u="none" cap="none" strike="noStrike">
         <a:solidFill>
           <a:srgbClr val="000000"/>
         </a:solidFill>
@@ -223,7 +223,7 @@
         <a:sym typeface="Arial"/>
       </a:defRPr>
     </a:lvl8pPr>
-    <a:lvl9pPr marR="0" lvl="8" algn="l" rtl="0">
+    <a:lvl9pPr lvl="8" marR="0" rtl="0" algn="l">
       <a:lnSpc>
         <a:spcPct val="100000"/>
       </a:lnSpc>
@@ -237,7 +237,7 @@
         <a:srgbClr val="000000"/>
       </a:buClr>
       <a:buFont typeface="Arial"/>
-      <a:defRPr sz="1400" b="0" i="0" u="none" strike="noStrike" cap="none">
+      <a:defRPr b="0" i="0" sz="1400" u="none" cap="none" strike="noStrike">
         <a:solidFill>
           <a:srgbClr val="000000"/>
         </a:solidFill>
@@ -250,7 +250,7 @@
   </p:defaultTextStyle>
   <p:extLst>
     <p:ext uri="{EFAFB233-063F-42B5-8137-9DF3F51BA10A}">
-      <p15:sldGuideLst xmlns:p15="http://schemas.microsoft.com/office/powerpoint/2012/main">
+      <p15:sldGuideLst>
         <p15:guide id="1" orient="horz" pos="1620">
           <p15:clr>
             <a:srgbClr val="A4A3A4"/>
@@ -268,16 +268,11 @@
 </file>
 
 <file path=ppt/notesMasters/notesMaster1.xml><?xml version="1.0" encoding="utf-8"?>
-<p:notesMaster xmlns:a="http://schemas.openxmlformats.org/drawingml/2006/main" xmlns:r="http://schemas.openxmlformats.org/officeDocument/2006/relationships" xmlns:p="http://schemas.openxmlformats.org/presentationml/2006/main">
+<p:notesMaster xmlns:a="http://schemas.openxmlformats.org/drawingml/2006/main" xmlns:r="http://schemas.openxmlformats.org/officeDocument/2006/relationships" xmlns:mc="http://schemas.openxmlformats.org/markup-compatibility/2006" xmlns:mv="urn:schemas-microsoft-com:mac:vml" xmlns:p="http://schemas.openxmlformats.org/presentationml/2006/main" xmlns:c="http://schemas.openxmlformats.org/drawingml/2006/chart" xmlns:dgm="http://schemas.openxmlformats.org/drawingml/2006/diagram" xmlns:o="urn:schemas-microsoft-com:office:office" xmlns:v="urn:schemas-microsoft-com:vml" xmlns:pvml="urn:schemas-microsoft-com:office:powerpoint" xmlns:com="http://schemas.openxmlformats.org/drawingml/2006/compatibility" xmlns:p14="http://schemas.microsoft.com/office/powerpoint/2010/main" xmlns:p15="http://schemas.microsoft.com/office/powerpoint/2012/main" xmlns:ahyp="http://schemas.microsoft.com/office/drawing/2018/hyperlinkcolor">
   <p:cSld>
-    <p:bg>
-      <p:bgRef idx="1001">
-        <a:schemeClr val="bg1"/>
-      </p:bgRef>
-    </p:bg>
     <p:spTree>
       <p:nvGrpSpPr>
-        <p:cNvPr id="1" name="Shape 2"/>
+        <p:cNvPr id="2" name="Shape 2"/>
         <p:cNvGrpSpPr/>
         <p:nvPr/>
       </p:nvGrpSpPr>
@@ -292,11 +287,9 @@
       <p:sp>
         <p:nvSpPr>
           <p:cNvPr id="3" name="Google Shape;3;n"/>
-          <p:cNvSpPr>
-            <a:spLocks noGrp="1" noRot="1" noChangeAspect="1"/>
-          </p:cNvSpPr>
+          <p:cNvSpPr/>
           <p:nvPr>
-            <p:ph type="sldImg" idx="2"/>
+            <p:ph idx="2" type="sldImg"/>
           </p:nvPr>
         </p:nvSpPr>
         <p:spPr>
@@ -305,13 +298,9 @@
             <a:ext cx="6096075" cy="3429000"/>
           </a:xfrm>
           <a:custGeom>
-            <a:avLst/>
-            <a:gdLst/>
-            <a:ahLst/>
-            <a:cxnLst/>
-            <a:rect l="l" t="t" r="r" b="b"/>
+            <a:rect b="b" l="l" r="r" t="t"/>
             <a:pathLst>
-              <a:path w="120000" h="120000" extrusionOk="0">
+              <a:path extrusionOk="0" h="120000" w="120000">
                 <a:moveTo>
                   <a:pt x="0" y="0"/>
                 </a:moveTo>
@@ -329,25 +318,23 @@
             </a:pathLst>
           </a:custGeom>
           <a:noFill/>
-          <a:ln w="9525" cap="flat" cmpd="sng">
+          <a:ln cap="flat" cmpd="sng" w="9525">
             <a:solidFill>
               <a:srgbClr val="000000"/>
             </a:solidFill>
             <a:prstDash val="solid"/>
             <a:round/>
-            <a:headEnd type="none" w="sm" len="sm"/>
-            <a:tailEnd type="none" w="sm" len="sm"/>
+            <a:headEnd len="sm" w="sm" type="none"/>
+            <a:tailEnd len="sm" w="sm" type="none"/>
           </a:ln>
         </p:spPr>
       </p:sp>
       <p:sp>
         <p:nvSpPr>
           <p:cNvPr id="4" name="Google Shape;4;n"/>
-          <p:cNvSpPr txBox="1">
-            <a:spLocks noGrp="1"/>
-          </p:cNvSpPr>
+          <p:cNvSpPr txBox="1"/>
           <p:nvPr>
-            <p:ph type="body" idx="1"/>
+            <p:ph idx="1" type="body"/>
           </p:nvPr>
         </p:nvSpPr>
         <p:spPr>
@@ -364,11 +351,11 @@
           </a:ln>
         </p:spPr>
         <p:txBody>
-          <a:bodyPr spcFirstLastPara="1" wrap="square" lIns="91425" tIns="91425" rIns="91425" bIns="91425" anchor="t" anchorCtr="0">
+          <a:bodyPr anchorCtr="0" anchor="t" bIns="91425" lIns="91425" spcFirstLastPara="1" rIns="91425" wrap="square" tIns="91425">
             <a:noAutofit/>
           </a:bodyPr>
           <a:lstStyle>
-            <a:lvl1pPr marL="457200" lvl="0" indent="-298450">
+            <a:lvl1pPr indent="-298450" lvl="0" marL="457200">
               <a:spcBef>
                 <a:spcPts val="0"/>
               </a:spcBef>
@@ -379,7 +366,7 @@
               <a:buChar char="●"/>
               <a:defRPr sz="1100"/>
             </a:lvl1pPr>
-            <a:lvl2pPr marL="914400" lvl="1" indent="-298450">
+            <a:lvl2pPr indent="-298450" lvl="1" marL="914400">
               <a:spcBef>
                 <a:spcPts val="0"/>
               </a:spcBef>
@@ -390,7 +377,7 @@
               <a:buChar char="○"/>
               <a:defRPr sz="1100"/>
             </a:lvl2pPr>
-            <a:lvl3pPr marL="1371600" lvl="2" indent="-298450">
+            <a:lvl3pPr indent="-298450" lvl="2" marL="1371600">
               <a:spcBef>
                 <a:spcPts val="0"/>
               </a:spcBef>
@@ -401,7 +388,7 @@
               <a:buChar char="■"/>
               <a:defRPr sz="1100"/>
             </a:lvl3pPr>
-            <a:lvl4pPr marL="1828800" lvl="3" indent="-298450">
+            <a:lvl4pPr indent="-298450" lvl="3" marL="1828800">
               <a:spcBef>
                 <a:spcPts val="0"/>
               </a:spcBef>
@@ -412,7 +399,7 @@
               <a:buChar char="●"/>
               <a:defRPr sz="1100"/>
             </a:lvl4pPr>
-            <a:lvl5pPr marL="2286000" lvl="4" indent="-298450">
+            <a:lvl5pPr indent="-298450" lvl="4" marL="2286000">
               <a:spcBef>
                 <a:spcPts val="0"/>
               </a:spcBef>
@@ -423,7 +410,7 @@
               <a:buChar char="○"/>
               <a:defRPr sz="1100"/>
             </a:lvl5pPr>
-            <a:lvl6pPr marL="2743200" lvl="5" indent="-298450">
+            <a:lvl6pPr indent="-298450" lvl="5" marL="2743200">
               <a:spcBef>
                 <a:spcPts val="0"/>
               </a:spcBef>
@@ -434,7 +421,7 @@
               <a:buChar char="■"/>
               <a:defRPr sz="1100"/>
             </a:lvl6pPr>
-            <a:lvl7pPr marL="3200400" lvl="6" indent="-298450">
+            <a:lvl7pPr indent="-298450" lvl="6" marL="3200400">
               <a:spcBef>
                 <a:spcPts val="0"/>
               </a:spcBef>
@@ -445,7 +432,7 @@
               <a:buChar char="●"/>
               <a:defRPr sz="1100"/>
             </a:lvl7pPr>
-            <a:lvl8pPr marL="3657600" lvl="7" indent="-298450">
+            <a:lvl8pPr indent="-298450" lvl="7" marL="3657600">
               <a:spcBef>
                 <a:spcPts val="0"/>
               </a:spcBef>
@@ -456,7 +443,7 @@
               <a:buChar char="○"/>
               <a:defRPr sz="1100"/>
             </a:lvl8pPr>
-            <a:lvl9pPr marL="4114800" lvl="8" indent="-298450">
+            <a:lvl9pPr indent="-298450" lvl="8" marL="4114800">
               <a:spcBef>
                 <a:spcPts val="0"/>
               </a:spcBef>
@@ -468,16 +455,14 @@
               <a:defRPr sz="1100"/>
             </a:lvl9pPr>
           </a:lstStyle>
-          <a:p>
-            <a:endParaRPr/>
-          </a:p>
+          <a:p/>
         </p:txBody>
       </p:sp>
     </p:spTree>
   </p:cSld>
-  <p:clrMap bg1="lt1" tx1="dk1" bg2="dk2" tx2="lt2" accent1="accent1" accent2="accent2" accent3="accent3" accent4="accent4" accent5="accent5" accent6="accent6" hlink="hlink" folHlink="folHlink"/>
+  <p:clrMap accent1="accent1" accent2="accent2" accent3="accent3" accent4="accent4" accent5="accent5" accent6="accent6" bg1="lt1" bg2="dk2" tx1="dk1" tx2="lt2" folHlink="folHlink" hlink="hlink"/>
   <p:notesStyle>
-    <a:defPPr marR="0" lvl="0" algn="l" rtl="0">
+    <a:defPPr lvl="0" marR="0" rtl="0" algn="l">
       <a:lnSpc>
         <a:spcPct val="100000"/>
       </a:lnSpc>
@@ -488,7 +473,7 @@
         <a:spcPts val="0"/>
       </a:spcAft>
     </a:defPPr>
-    <a:lvl1pPr marR="0" lvl="0" algn="l" rtl="0">
+    <a:lvl1pPr lvl="0" marR="0" rtl="0" algn="l">
       <a:lnSpc>
         <a:spcPct val="100000"/>
       </a:lnSpc>
@@ -502,7 +487,7 @@
         <a:srgbClr val="000000"/>
       </a:buClr>
       <a:buFont typeface="Arial"/>
-      <a:defRPr sz="1400" b="0" i="0" u="none" strike="noStrike" cap="none">
+      <a:defRPr b="0" i="0" sz="1400" u="none" cap="none" strike="noStrike">
         <a:solidFill>
           <a:srgbClr val="000000"/>
         </a:solidFill>
@@ -512,7 +497,7 @@
         <a:sym typeface="Arial"/>
       </a:defRPr>
     </a:lvl1pPr>
-    <a:lvl2pPr marR="0" lvl="1" algn="l" rtl="0">
+    <a:lvl2pPr lvl="1" marR="0" rtl="0" algn="l">
       <a:lnSpc>
         <a:spcPct val="100000"/>
       </a:lnSpc>
@@ -526,7 +511,7 @@
         <a:srgbClr val="000000"/>
       </a:buClr>
       <a:buFont typeface="Arial"/>
-      <a:defRPr sz="1400" b="0" i="0" u="none" strike="noStrike" cap="none">
+      <a:defRPr b="0" i="0" sz="1400" u="none" cap="none" strike="noStrike">
         <a:solidFill>
           <a:srgbClr val="000000"/>
         </a:solidFill>
@@ -536,7 +521,7 @@
         <a:sym typeface="Arial"/>
       </a:defRPr>
     </a:lvl2pPr>
-    <a:lvl3pPr marR="0" lvl="2" algn="l" rtl="0">
+    <a:lvl3pPr lvl="2" marR="0" rtl="0" algn="l">
       <a:lnSpc>
         <a:spcPct val="100000"/>
       </a:lnSpc>
@@ -550,7 +535,7 @@
         <a:srgbClr val="000000"/>
       </a:buClr>
       <a:buFont typeface="Arial"/>
-      <a:defRPr sz="1400" b="0" i="0" u="none" strike="noStrike" cap="none">
+      <a:defRPr b="0" i="0" sz="1400" u="none" cap="none" strike="noStrike">
         <a:solidFill>
           <a:srgbClr val="000000"/>
         </a:solidFill>
@@ -560,7 +545,7 @@
         <a:sym typeface="Arial"/>
       </a:defRPr>
     </a:lvl3pPr>
-    <a:lvl4pPr marR="0" lvl="3" algn="l" rtl="0">
+    <a:lvl4pPr lvl="3" marR="0" rtl="0" algn="l">
       <a:lnSpc>
         <a:spcPct val="100000"/>
       </a:lnSpc>
@@ -574,7 +559,7 @@
         <a:srgbClr val="000000"/>
       </a:buClr>
       <a:buFont typeface="Arial"/>
-      <a:defRPr sz="1400" b="0" i="0" u="none" strike="noStrike" cap="none">
+      <a:defRPr b="0" i="0" sz="1400" u="none" cap="none" strike="noStrike">
         <a:solidFill>
           <a:srgbClr val="000000"/>
         </a:solidFill>
@@ -584,7 +569,7 @@
         <a:sym typeface="Arial"/>
       </a:defRPr>
     </a:lvl4pPr>
-    <a:lvl5pPr marR="0" lvl="4" algn="l" rtl="0">
+    <a:lvl5pPr lvl="4" marR="0" rtl="0" algn="l">
       <a:lnSpc>
         <a:spcPct val="100000"/>
       </a:lnSpc>
@@ -598,7 +583,7 @@
         <a:srgbClr val="000000"/>
       </a:buClr>
       <a:buFont typeface="Arial"/>
-      <a:defRPr sz="1400" b="0" i="0" u="none" strike="noStrike" cap="none">
+      <a:defRPr b="0" i="0" sz="1400" u="none" cap="none" strike="noStrike">
         <a:solidFill>
           <a:srgbClr val="000000"/>
         </a:solidFill>
@@ -608,7 +593,7 @@
         <a:sym typeface="Arial"/>
       </a:defRPr>
     </a:lvl5pPr>
-    <a:lvl6pPr marR="0" lvl="5" algn="l" rtl="0">
+    <a:lvl6pPr lvl="5" marR="0" rtl="0" algn="l">
       <a:lnSpc>
         <a:spcPct val="100000"/>
       </a:lnSpc>
@@ -622,7 +607,7 @@
         <a:srgbClr val="000000"/>
       </a:buClr>
       <a:buFont typeface="Arial"/>
-      <a:defRPr sz="1400" b="0" i="0" u="none" strike="noStrike" cap="none">
+      <a:defRPr b="0" i="0" sz="1400" u="none" cap="none" strike="noStrike">
         <a:solidFill>
           <a:srgbClr val="000000"/>
         </a:solidFill>
@@ -632,7 +617,7 @@
         <a:sym typeface="Arial"/>
       </a:defRPr>
     </a:lvl6pPr>
-    <a:lvl7pPr marR="0" lvl="6" algn="l" rtl="0">
+    <a:lvl7pPr lvl="6" marR="0" rtl="0" algn="l">
       <a:lnSpc>
         <a:spcPct val="100000"/>
       </a:lnSpc>
@@ -646,7 +631,7 @@
         <a:srgbClr val="000000"/>
       </a:buClr>
       <a:buFont typeface="Arial"/>
-      <a:defRPr sz="1400" b="0" i="0" u="none" strike="noStrike" cap="none">
+      <a:defRPr b="0" i="0" sz="1400" u="none" cap="none" strike="noStrike">
         <a:solidFill>
           <a:srgbClr val="000000"/>
         </a:solidFill>
@@ -656,7 +641,7 @@
         <a:sym typeface="Arial"/>
       </a:defRPr>
     </a:lvl7pPr>
-    <a:lvl8pPr marR="0" lvl="7" algn="l" rtl="0">
+    <a:lvl8pPr lvl="7" marR="0" rtl="0" algn="l">
       <a:lnSpc>
         <a:spcPct val="100000"/>
       </a:lnSpc>
@@ -670,7 +655,7 @@
         <a:srgbClr val="000000"/>
       </a:buClr>
       <a:buFont typeface="Arial"/>
-      <a:defRPr sz="1400" b="0" i="0" u="none" strike="noStrike" cap="none">
+      <a:defRPr b="0" i="0" sz="1400" u="none" cap="none" strike="noStrike">
         <a:solidFill>
           <a:srgbClr val="000000"/>
         </a:solidFill>
@@ -680,7 +665,7 @@
         <a:sym typeface="Arial"/>
       </a:defRPr>
     </a:lvl8pPr>
-    <a:lvl9pPr marR="0" lvl="8" algn="l" rtl="0">
+    <a:lvl9pPr lvl="8" marR="0" rtl="0" algn="l">
       <a:lnSpc>
         <a:spcPct val="100000"/>
       </a:lnSpc>
@@ -694,7 +679,7 @@
         <a:srgbClr val="000000"/>
       </a:buClr>
       <a:buFont typeface="Arial"/>
-      <a:defRPr sz="1400" b="0" i="0" u="none" strike="noStrike" cap="none">
+      <a:defRPr b="0" i="0" sz="1400" u="none" cap="none" strike="noStrike">
         <a:solidFill>
           <a:srgbClr val="000000"/>
         </a:solidFill>
@@ -709,11 +694,11 @@
 </file>
 
 <file path=ppt/notesSlides/notesSlide1.xml><?xml version="1.0" encoding="utf-8"?>
-<p:notes xmlns:a="http://schemas.openxmlformats.org/drawingml/2006/main" xmlns:r="http://schemas.openxmlformats.org/officeDocument/2006/relationships" xmlns:p="http://schemas.openxmlformats.org/presentationml/2006/main" showMasterSp="0" showMasterPhAnim="0">
+<p:notes xmlns:a="http://schemas.openxmlformats.org/drawingml/2006/main" xmlns:r="http://schemas.openxmlformats.org/officeDocument/2006/relationships" xmlns:mc="http://schemas.openxmlformats.org/markup-compatibility/2006" xmlns:mv="urn:schemas-microsoft-com:mac:vml" xmlns:p="http://schemas.openxmlformats.org/presentationml/2006/main" xmlns:c="http://schemas.openxmlformats.org/drawingml/2006/chart" xmlns:dgm="http://schemas.openxmlformats.org/drawingml/2006/diagram" xmlns:o="urn:schemas-microsoft-com:office:office" xmlns:v="urn:schemas-microsoft-com:vml" xmlns:pvml="urn:schemas-microsoft-com:office:powerpoint" xmlns:com="http://schemas.openxmlformats.org/drawingml/2006/compatibility" xmlns:p14="http://schemas.microsoft.com/office/powerpoint/2010/main" xmlns:p15="http://schemas.microsoft.com/office/powerpoint/2012/main" xmlns:ahyp="http://schemas.microsoft.com/office/drawing/2018/hyperlinkcolor" showMasterPhAnim="0" showMasterSp="0">
   <p:cSld>
     <p:spTree>
       <p:nvGrpSpPr>
-        <p:cNvPr id="1" name="Shape 50"/>
+        <p:cNvPr id="50" name="Shape 50"/>
         <p:cNvGrpSpPr/>
         <p:nvPr/>
       </p:nvGrpSpPr>
@@ -728,11 +713,9 @@
       <p:sp>
         <p:nvSpPr>
           <p:cNvPr id="51" name="Google Shape;51;p:notes"/>
-          <p:cNvSpPr>
-            <a:spLocks noGrp="1" noRot="1" noChangeAspect="1"/>
-          </p:cNvSpPr>
+          <p:cNvSpPr/>
           <p:nvPr>
-            <p:ph type="sldImg" idx="2"/>
+            <p:ph idx="2" type="sldImg"/>
           </p:nvPr>
         </p:nvSpPr>
         <p:spPr>
@@ -741,13 +724,9 @@
             <a:ext cx="6096075" cy="3429000"/>
           </a:xfrm>
           <a:custGeom>
-            <a:avLst/>
-            <a:gdLst/>
-            <a:ahLst/>
-            <a:cxnLst/>
-            <a:rect l="l" t="t" r="r" b="b"/>
+            <a:rect b="b" l="l" r="r" t="t"/>
             <a:pathLst>
-              <a:path w="120000" h="120000" extrusionOk="0">
+              <a:path extrusionOk="0" h="120000" w="120000">
                 <a:moveTo>
                   <a:pt x="0" y="0"/>
                 </a:moveTo>
@@ -769,11 +748,9 @@
       <p:sp>
         <p:nvSpPr>
           <p:cNvPr id="52" name="Google Shape;52;p:notes"/>
-          <p:cNvSpPr txBox="1">
-            <a:spLocks noGrp="1"/>
-          </p:cNvSpPr>
+          <p:cNvSpPr txBox="1"/>
           <p:nvPr>
-            <p:ph type="body" idx="1"/>
+            <p:ph idx="1" type="body"/>
           </p:nvPr>
         </p:nvSpPr>
         <p:spPr>
@@ -786,12 +763,12 @@
           </a:prstGeom>
         </p:spPr>
         <p:txBody>
-          <a:bodyPr spcFirstLastPara="1" wrap="square" lIns="91425" tIns="91425" rIns="91425" bIns="91425" anchor="t" anchorCtr="0">
+          <a:bodyPr anchorCtr="0" anchor="t" bIns="91425" lIns="91425" spcFirstLastPara="1" rIns="91425" wrap="square" tIns="91425">
             <a:noAutofit/>
           </a:bodyPr>
           <a:lstStyle/>
           <a:p>
-            <a:pPr marL="0" lvl="0" indent="0" algn="l" rtl="0">
+            <a:pPr indent="0" lvl="0" marL="0" rtl="0" algn="l">
               <a:spcBef>
                 <a:spcPts val="0"/>
               </a:spcBef>
@@ -800,6 +777,9 @@
               </a:spcAft>
               <a:buNone/>
             </a:pPr>
+            <a:r>
+              <a:t/>
+            </a:r>
             <a:endParaRPr/>
           </a:p>
         </p:txBody>
@@ -813,11 +793,11 @@
 </file>
 
 <file path=ppt/notesSlides/notesSlide2.xml><?xml version="1.0" encoding="utf-8"?>
-<p:notes xmlns:a="http://schemas.openxmlformats.org/drawingml/2006/main" xmlns:r="http://schemas.openxmlformats.org/officeDocument/2006/relationships" xmlns:p="http://schemas.openxmlformats.org/presentationml/2006/main" showMasterSp="0" showMasterPhAnim="0">
+<p:notes xmlns:a="http://schemas.openxmlformats.org/drawingml/2006/main" xmlns:r="http://schemas.openxmlformats.org/officeDocument/2006/relationships" xmlns:mc="http://schemas.openxmlformats.org/markup-compatibility/2006" xmlns:mv="urn:schemas-microsoft-com:mac:vml" xmlns:p="http://schemas.openxmlformats.org/presentationml/2006/main" xmlns:c="http://schemas.openxmlformats.org/drawingml/2006/chart" xmlns:dgm="http://schemas.openxmlformats.org/drawingml/2006/diagram" xmlns:o="urn:schemas-microsoft-com:office:office" xmlns:v="urn:schemas-microsoft-com:vml" xmlns:pvml="urn:schemas-microsoft-com:office:powerpoint" xmlns:com="http://schemas.openxmlformats.org/drawingml/2006/compatibility" xmlns:p14="http://schemas.microsoft.com/office/powerpoint/2010/main" xmlns:p15="http://schemas.microsoft.com/office/powerpoint/2012/main" xmlns:ahyp="http://schemas.microsoft.com/office/drawing/2018/hyperlinkcolor" showMasterPhAnim="0" showMasterSp="0">
   <p:cSld>
     <p:spTree>
       <p:nvGrpSpPr>
-        <p:cNvPr id="1" name="Shape 56"/>
+        <p:cNvPr id="56" name="Shape 56"/>
         <p:cNvGrpSpPr/>
         <p:nvPr/>
       </p:nvGrpSpPr>
@@ -832,11 +812,9 @@
       <p:sp>
         <p:nvSpPr>
           <p:cNvPr id="57" name="Google Shape;57;gd822a14590_0_16:notes"/>
-          <p:cNvSpPr>
-            <a:spLocks noGrp="1" noRot="1" noChangeAspect="1"/>
-          </p:cNvSpPr>
+          <p:cNvSpPr/>
           <p:nvPr>
-            <p:ph type="sldImg" idx="2"/>
+            <p:ph idx="2" type="sldImg"/>
           </p:nvPr>
         </p:nvSpPr>
         <p:spPr>
@@ -845,13 +823,9 @@
             <a:ext cx="6096000" cy="3429000"/>
           </a:xfrm>
           <a:custGeom>
-            <a:avLst/>
-            <a:gdLst/>
-            <a:ahLst/>
-            <a:cxnLst/>
-            <a:rect l="l" t="t" r="r" b="b"/>
+            <a:rect b="b" l="l" r="r" t="t"/>
             <a:pathLst>
-              <a:path w="120000" h="120000" extrusionOk="0">
+              <a:path extrusionOk="0" h="120000" w="120000">
                 <a:moveTo>
                   <a:pt x="0" y="0"/>
                 </a:moveTo>
@@ -873,11 +847,9 @@
       <p:sp>
         <p:nvSpPr>
           <p:cNvPr id="58" name="Google Shape;58;gd822a14590_0_16:notes"/>
-          <p:cNvSpPr txBox="1">
-            <a:spLocks noGrp="1"/>
-          </p:cNvSpPr>
+          <p:cNvSpPr txBox="1"/>
           <p:nvPr>
-            <p:ph type="body" idx="1"/>
+            <p:ph idx="1" type="body"/>
           </p:nvPr>
         </p:nvSpPr>
         <p:spPr>
@@ -890,12 +862,12 @@
           </a:prstGeom>
         </p:spPr>
         <p:txBody>
-          <a:bodyPr spcFirstLastPara="1" wrap="square" lIns="91425" tIns="91425" rIns="91425" bIns="91425" anchor="t" anchorCtr="0">
+          <a:bodyPr anchorCtr="0" anchor="t" bIns="91425" lIns="91425" spcFirstLastPara="1" rIns="91425" wrap="square" tIns="91425">
             <a:noAutofit/>
           </a:bodyPr>
           <a:lstStyle/>
           <a:p>
-            <a:pPr marL="0" lvl="0" indent="0" algn="l" rtl="0">
+            <a:pPr indent="0" lvl="0" marL="0" rtl="0" algn="l">
               <a:spcBef>
                 <a:spcPts val="0"/>
               </a:spcBef>
@@ -904,6 +876,9 @@
               </a:spcAft>
               <a:buNone/>
             </a:pPr>
+            <a:r>
+              <a:t/>
+            </a:r>
             <a:endParaRPr/>
           </a:p>
         </p:txBody>
@@ -917,11 +892,11 @@
 </file>
 
 <file path=ppt/notesSlides/notesSlide3.xml><?xml version="1.0" encoding="utf-8"?>
-<p:notes xmlns:a="http://schemas.openxmlformats.org/drawingml/2006/main" xmlns:r="http://schemas.openxmlformats.org/officeDocument/2006/relationships" xmlns:p="http://schemas.openxmlformats.org/presentationml/2006/main" showMasterSp="0" showMasterPhAnim="0">
+<p:notes xmlns:a="http://schemas.openxmlformats.org/drawingml/2006/main" xmlns:r="http://schemas.openxmlformats.org/officeDocument/2006/relationships" xmlns:mc="http://schemas.openxmlformats.org/markup-compatibility/2006" xmlns:mv="urn:schemas-microsoft-com:mac:vml" xmlns:p="http://schemas.openxmlformats.org/presentationml/2006/main" xmlns:c="http://schemas.openxmlformats.org/drawingml/2006/chart" xmlns:dgm="http://schemas.openxmlformats.org/drawingml/2006/diagram" xmlns:o="urn:schemas-microsoft-com:office:office" xmlns:v="urn:schemas-microsoft-com:vml" xmlns:pvml="urn:schemas-microsoft-com:office:powerpoint" xmlns:com="http://schemas.openxmlformats.org/drawingml/2006/compatibility" xmlns:p14="http://schemas.microsoft.com/office/powerpoint/2010/main" xmlns:p15="http://schemas.microsoft.com/office/powerpoint/2012/main" xmlns:ahyp="http://schemas.microsoft.com/office/drawing/2018/hyperlinkcolor" showMasterPhAnim="0" showMasterSp="0">
   <p:cSld>
     <p:spTree>
       <p:nvGrpSpPr>
-        <p:cNvPr id="1" name="Shape 63"/>
+        <p:cNvPr id="63" name="Shape 63"/>
         <p:cNvGrpSpPr/>
         <p:nvPr/>
       </p:nvGrpSpPr>
@@ -936,11 +911,9 @@
       <p:sp>
         <p:nvSpPr>
           <p:cNvPr id="64" name="Google Shape;64;gd822a14590_0_22:notes"/>
-          <p:cNvSpPr>
-            <a:spLocks noGrp="1" noRot="1" noChangeAspect="1"/>
-          </p:cNvSpPr>
+          <p:cNvSpPr/>
           <p:nvPr>
-            <p:ph type="sldImg" idx="2"/>
+            <p:ph idx="2" type="sldImg"/>
           </p:nvPr>
         </p:nvSpPr>
         <p:spPr>
@@ -949,13 +922,9 @@
             <a:ext cx="6096000" cy="3429000"/>
           </a:xfrm>
           <a:custGeom>
-            <a:avLst/>
-            <a:gdLst/>
-            <a:ahLst/>
-            <a:cxnLst/>
-            <a:rect l="l" t="t" r="r" b="b"/>
+            <a:rect b="b" l="l" r="r" t="t"/>
             <a:pathLst>
-              <a:path w="120000" h="120000" extrusionOk="0">
+              <a:path extrusionOk="0" h="120000" w="120000">
                 <a:moveTo>
                   <a:pt x="0" y="0"/>
                 </a:moveTo>
@@ -977,11 +946,9 @@
       <p:sp>
         <p:nvSpPr>
           <p:cNvPr id="65" name="Google Shape;65;gd822a14590_0_22:notes"/>
-          <p:cNvSpPr txBox="1">
-            <a:spLocks noGrp="1"/>
-          </p:cNvSpPr>
+          <p:cNvSpPr txBox="1"/>
           <p:nvPr>
-            <p:ph type="body" idx="1"/>
+            <p:ph idx="1" type="body"/>
           </p:nvPr>
         </p:nvSpPr>
         <p:spPr>
@@ -994,12 +961,12 @@
           </a:prstGeom>
         </p:spPr>
         <p:txBody>
-          <a:bodyPr spcFirstLastPara="1" wrap="square" lIns="91425" tIns="91425" rIns="91425" bIns="91425" anchor="t" anchorCtr="0">
+          <a:bodyPr anchorCtr="0" anchor="t" bIns="91425" lIns="91425" spcFirstLastPara="1" rIns="91425" wrap="square" tIns="91425">
             <a:noAutofit/>
           </a:bodyPr>
           <a:lstStyle/>
           <a:p>
-            <a:pPr marL="0" lvl="0" indent="0" algn="l" rtl="0">
+            <a:pPr indent="0" lvl="0" marL="0" rtl="0" algn="l">
               <a:spcBef>
                 <a:spcPts val="0"/>
               </a:spcBef>
@@ -1008,6 +975,9 @@
               </a:spcAft>
               <a:buNone/>
             </a:pPr>
+            <a:r>
+              <a:t/>
+            </a:r>
             <a:endParaRPr/>
           </a:p>
         </p:txBody>
@@ -1021,11 +991,11 @@
 </file>
 
 <file path=ppt/notesSlides/notesSlide4.xml><?xml version="1.0" encoding="utf-8"?>
-<p:notes xmlns:a="http://schemas.openxmlformats.org/drawingml/2006/main" xmlns:r="http://schemas.openxmlformats.org/officeDocument/2006/relationships" xmlns:p="http://schemas.openxmlformats.org/presentationml/2006/main" showMasterSp="0" showMasterPhAnim="0">
+<p:notes xmlns:a="http://schemas.openxmlformats.org/drawingml/2006/main" xmlns:r="http://schemas.openxmlformats.org/officeDocument/2006/relationships" xmlns:mc="http://schemas.openxmlformats.org/markup-compatibility/2006" xmlns:mv="urn:schemas-microsoft-com:mac:vml" xmlns:p="http://schemas.openxmlformats.org/presentationml/2006/main" xmlns:c="http://schemas.openxmlformats.org/drawingml/2006/chart" xmlns:dgm="http://schemas.openxmlformats.org/drawingml/2006/diagram" xmlns:o="urn:schemas-microsoft-com:office:office" xmlns:v="urn:schemas-microsoft-com:vml" xmlns:pvml="urn:schemas-microsoft-com:office:powerpoint" xmlns:com="http://schemas.openxmlformats.org/drawingml/2006/compatibility" xmlns:p14="http://schemas.microsoft.com/office/powerpoint/2010/main" xmlns:p15="http://schemas.microsoft.com/office/powerpoint/2012/main" xmlns:ahyp="http://schemas.microsoft.com/office/drawing/2018/hyperlinkcolor" showMasterPhAnim="0" showMasterSp="0">
   <p:cSld>
     <p:spTree>
       <p:nvGrpSpPr>
-        <p:cNvPr id="1" name="Shape 71"/>
+        <p:cNvPr id="71" name="Shape 71"/>
         <p:cNvGrpSpPr/>
         <p:nvPr/>
       </p:nvGrpSpPr>
@@ -1040,11 +1010,9 @@
       <p:sp>
         <p:nvSpPr>
           <p:cNvPr id="72" name="Google Shape;72;gd822a14590_0_0:notes"/>
-          <p:cNvSpPr>
-            <a:spLocks noGrp="1" noRot="1" noChangeAspect="1"/>
-          </p:cNvSpPr>
+          <p:cNvSpPr/>
           <p:nvPr>
-            <p:ph type="sldImg" idx="2"/>
+            <p:ph idx="2" type="sldImg"/>
           </p:nvPr>
         </p:nvSpPr>
         <p:spPr>
@@ -1053,13 +1021,9 @@
             <a:ext cx="6096000" cy="3429000"/>
           </a:xfrm>
           <a:custGeom>
-            <a:avLst/>
-            <a:gdLst/>
-            <a:ahLst/>
-            <a:cxnLst/>
-            <a:rect l="l" t="t" r="r" b="b"/>
+            <a:rect b="b" l="l" r="r" t="t"/>
             <a:pathLst>
-              <a:path w="120000" h="120000" extrusionOk="0">
+              <a:path extrusionOk="0" h="120000" w="120000">
                 <a:moveTo>
                   <a:pt x="0" y="0"/>
                 </a:moveTo>
@@ -1081,11 +1045,9 @@
       <p:sp>
         <p:nvSpPr>
           <p:cNvPr id="73" name="Google Shape;73;gd822a14590_0_0:notes"/>
-          <p:cNvSpPr txBox="1">
-            <a:spLocks noGrp="1"/>
-          </p:cNvSpPr>
+          <p:cNvSpPr txBox="1"/>
           <p:nvPr>
-            <p:ph type="body" idx="1"/>
+            <p:ph idx="1" type="body"/>
           </p:nvPr>
         </p:nvSpPr>
         <p:spPr>
@@ -1098,12 +1060,12 @@
           </a:prstGeom>
         </p:spPr>
         <p:txBody>
-          <a:bodyPr spcFirstLastPara="1" wrap="square" lIns="91425" tIns="91425" rIns="91425" bIns="91425" anchor="t" anchorCtr="0">
+          <a:bodyPr anchorCtr="0" anchor="t" bIns="91425" lIns="91425" spcFirstLastPara="1" rIns="91425" wrap="square" tIns="91425">
             <a:noAutofit/>
           </a:bodyPr>
           <a:lstStyle/>
           <a:p>
-            <a:pPr marL="0" lvl="0" indent="0" algn="l" rtl="0">
+            <a:pPr indent="0" lvl="0" marL="0" rtl="0" algn="l">
               <a:spcBef>
                 <a:spcPts val="0"/>
               </a:spcBef>
@@ -1112,6 +1074,9 @@
               </a:spcAft>
               <a:buNone/>
             </a:pPr>
+            <a:r>
+              <a:t/>
+            </a:r>
             <a:endParaRPr/>
           </a:p>
         </p:txBody>
@@ -1125,11 +1090,11 @@
 </file>
 
 <file path=ppt/notesSlides/notesSlide5.xml><?xml version="1.0" encoding="utf-8"?>
-<p:notes xmlns:a="http://schemas.openxmlformats.org/drawingml/2006/main" xmlns:r="http://schemas.openxmlformats.org/officeDocument/2006/relationships" xmlns:p="http://schemas.openxmlformats.org/presentationml/2006/main" showMasterSp="0" showMasterPhAnim="0">
+<p:notes xmlns:a="http://schemas.openxmlformats.org/drawingml/2006/main" xmlns:r="http://schemas.openxmlformats.org/officeDocument/2006/relationships" xmlns:mc="http://schemas.openxmlformats.org/markup-compatibility/2006" xmlns:mv="urn:schemas-microsoft-com:mac:vml" xmlns:p="http://schemas.openxmlformats.org/presentationml/2006/main" xmlns:c="http://schemas.openxmlformats.org/drawingml/2006/chart" xmlns:dgm="http://schemas.openxmlformats.org/drawingml/2006/diagram" xmlns:o="urn:schemas-microsoft-com:office:office" xmlns:v="urn:schemas-microsoft-com:vml" xmlns:pvml="urn:schemas-microsoft-com:office:powerpoint" xmlns:com="http://schemas.openxmlformats.org/drawingml/2006/compatibility" xmlns:p14="http://schemas.microsoft.com/office/powerpoint/2010/main" xmlns:p15="http://schemas.microsoft.com/office/powerpoint/2012/main" xmlns:ahyp="http://schemas.microsoft.com/office/drawing/2018/hyperlinkcolor" showMasterPhAnim="0" showMasterSp="0">
   <p:cSld>
     <p:spTree>
       <p:nvGrpSpPr>
-        <p:cNvPr id="1" name="Shape 83"/>
+        <p:cNvPr id="83" name="Shape 83"/>
         <p:cNvGrpSpPr/>
         <p:nvPr/>
       </p:nvGrpSpPr>
@@ -1144,11 +1109,9 @@
       <p:sp>
         <p:nvSpPr>
           <p:cNvPr id="84" name="Google Shape;84;gd822a14590_0_8:notes"/>
-          <p:cNvSpPr>
-            <a:spLocks noGrp="1" noRot="1" noChangeAspect="1"/>
-          </p:cNvSpPr>
+          <p:cNvSpPr/>
           <p:nvPr>
-            <p:ph type="sldImg" idx="2"/>
+            <p:ph idx="2" type="sldImg"/>
           </p:nvPr>
         </p:nvSpPr>
         <p:spPr>
@@ -1157,13 +1120,9 @@
             <a:ext cx="6096000" cy="3429000"/>
           </a:xfrm>
           <a:custGeom>
-            <a:avLst/>
-            <a:gdLst/>
-            <a:ahLst/>
-            <a:cxnLst/>
-            <a:rect l="l" t="t" r="r" b="b"/>
+            <a:rect b="b" l="l" r="r" t="t"/>
             <a:pathLst>
-              <a:path w="120000" h="120000" extrusionOk="0">
+              <a:path extrusionOk="0" h="120000" w="120000">
                 <a:moveTo>
                   <a:pt x="0" y="0"/>
                 </a:moveTo>
@@ -1185,11 +1144,9 @@
       <p:sp>
         <p:nvSpPr>
           <p:cNvPr id="85" name="Google Shape;85;gd822a14590_0_8:notes"/>
-          <p:cNvSpPr txBox="1">
-            <a:spLocks noGrp="1"/>
-          </p:cNvSpPr>
+          <p:cNvSpPr txBox="1"/>
           <p:nvPr>
-            <p:ph type="body" idx="1"/>
+            <p:ph idx="1" type="body"/>
           </p:nvPr>
         </p:nvSpPr>
         <p:spPr>
@@ -1202,12 +1159,12 @@
           </a:prstGeom>
         </p:spPr>
         <p:txBody>
-          <a:bodyPr spcFirstLastPara="1" wrap="square" lIns="91425" tIns="91425" rIns="91425" bIns="91425" anchor="t" anchorCtr="0">
+          <a:bodyPr anchorCtr="0" anchor="t" bIns="91425" lIns="91425" spcFirstLastPara="1" rIns="91425" wrap="square" tIns="91425">
             <a:noAutofit/>
           </a:bodyPr>
           <a:lstStyle/>
           <a:p>
-            <a:pPr marL="0" lvl="0" indent="0" algn="l" rtl="0">
+            <a:pPr indent="0" lvl="0" marL="0" rtl="0" algn="l">
               <a:spcBef>
                 <a:spcPts val="0"/>
               </a:spcBef>
@@ -1216,6 +1173,9 @@
               </a:spcAft>
               <a:buNone/>
             </a:pPr>
+            <a:r>
+              <a:t/>
+            </a:r>
             <a:endParaRPr/>
           </a:p>
         </p:txBody>
@@ -1229,11 +1189,11 @@
 </file>
 
 <file path=ppt/notesSlides/notesSlide6.xml><?xml version="1.0" encoding="utf-8"?>
-<p:notes xmlns:a="http://schemas.openxmlformats.org/drawingml/2006/main" xmlns:r="http://schemas.openxmlformats.org/officeDocument/2006/relationships" xmlns:p="http://schemas.openxmlformats.org/presentationml/2006/main" showMasterSp="0" showMasterPhAnim="0">
+<p:notes xmlns:a="http://schemas.openxmlformats.org/drawingml/2006/main" xmlns:r="http://schemas.openxmlformats.org/officeDocument/2006/relationships" xmlns:mc="http://schemas.openxmlformats.org/markup-compatibility/2006" xmlns:mv="urn:schemas-microsoft-com:mac:vml" xmlns:p="http://schemas.openxmlformats.org/presentationml/2006/main" xmlns:c="http://schemas.openxmlformats.org/drawingml/2006/chart" xmlns:dgm="http://schemas.openxmlformats.org/drawingml/2006/diagram" xmlns:o="urn:schemas-microsoft-com:office:office" xmlns:v="urn:schemas-microsoft-com:vml" xmlns:pvml="urn:schemas-microsoft-com:office:powerpoint" xmlns:com="http://schemas.openxmlformats.org/drawingml/2006/compatibility" xmlns:p14="http://schemas.microsoft.com/office/powerpoint/2010/main" xmlns:p15="http://schemas.microsoft.com/office/powerpoint/2012/main" xmlns:ahyp="http://schemas.microsoft.com/office/drawing/2018/hyperlinkcolor" showMasterPhAnim="0" showMasterSp="0">
   <p:cSld>
     <p:spTree>
       <p:nvGrpSpPr>
-        <p:cNvPr id="1" name="Shape 91"/>
+        <p:cNvPr id="91" name="Shape 91"/>
         <p:cNvGrpSpPr/>
         <p:nvPr/>
       </p:nvGrpSpPr>
@@ -1248,11 +1208,9 @@
       <p:sp>
         <p:nvSpPr>
           <p:cNvPr id="92" name="Google Shape;92;gd822a14590_0_32:notes"/>
-          <p:cNvSpPr>
-            <a:spLocks noGrp="1" noRot="1" noChangeAspect="1"/>
-          </p:cNvSpPr>
+          <p:cNvSpPr/>
           <p:nvPr>
-            <p:ph type="sldImg" idx="2"/>
+            <p:ph idx="2" type="sldImg"/>
           </p:nvPr>
         </p:nvSpPr>
         <p:spPr>
@@ -1261,13 +1219,9 @@
             <a:ext cx="6096000" cy="3429000"/>
           </a:xfrm>
           <a:custGeom>
-            <a:avLst/>
-            <a:gdLst/>
-            <a:ahLst/>
-            <a:cxnLst/>
-            <a:rect l="l" t="t" r="r" b="b"/>
+            <a:rect b="b" l="l" r="r" t="t"/>
             <a:pathLst>
-              <a:path w="120000" h="120000" extrusionOk="0">
+              <a:path extrusionOk="0" h="120000" w="120000">
                 <a:moveTo>
                   <a:pt x="0" y="0"/>
                 </a:moveTo>
@@ -1289,11 +1243,9 @@
       <p:sp>
         <p:nvSpPr>
           <p:cNvPr id="93" name="Google Shape;93;gd822a14590_0_32:notes"/>
-          <p:cNvSpPr txBox="1">
-            <a:spLocks noGrp="1"/>
-          </p:cNvSpPr>
+          <p:cNvSpPr txBox="1"/>
           <p:nvPr>
-            <p:ph type="body" idx="1"/>
+            <p:ph idx="1" type="body"/>
           </p:nvPr>
         </p:nvSpPr>
         <p:spPr>
@@ -1306,12 +1258,12 @@
           </a:prstGeom>
         </p:spPr>
         <p:txBody>
-          <a:bodyPr spcFirstLastPara="1" wrap="square" lIns="91425" tIns="91425" rIns="91425" bIns="91425" anchor="t" anchorCtr="0">
+          <a:bodyPr anchorCtr="0" anchor="t" bIns="91425" lIns="91425" spcFirstLastPara="1" rIns="91425" wrap="square" tIns="91425">
             <a:noAutofit/>
           </a:bodyPr>
           <a:lstStyle/>
           <a:p>
-            <a:pPr marL="0" lvl="0" indent="0" algn="l" rtl="0">
+            <a:pPr indent="0" lvl="0" marL="0" rtl="0" algn="l">
               <a:spcBef>
                 <a:spcPts val="0"/>
               </a:spcBef>
@@ -1320,6 +1272,9 @@
               </a:spcAft>
               <a:buNone/>
             </a:pPr>
+            <a:r>
+              <a:t/>
+            </a:r>
             <a:endParaRPr/>
           </a:p>
         </p:txBody>
@@ -1333,11 +1288,11 @@
 </file>
 
 <file path=ppt/notesSlides/notesSlide7.xml><?xml version="1.0" encoding="utf-8"?>
-<p:notes xmlns:a="http://schemas.openxmlformats.org/drawingml/2006/main" xmlns:r="http://schemas.openxmlformats.org/officeDocument/2006/relationships" xmlns:p="http://schemas.openxmlformats.org/presentationml/2006/main" showMasterSp="0" showMasterPhAnim="0">
+<p:notes xmlns:a="http://schemas.openxmlformats.org/drawingml/2006/main" xmlns:r="http://schemas.openxmlformats.org/officeDocument/2006/relationships" xmlns:mc="http://schemas.openxmlformats.org/markup-compatibility/2006" xmlns:mv="urn:schemas-microsoft-com:mac:vml" xmlns:p="http://schemas.openxmlformats.org/presentationml/2006/main" xmlns:c="http://schemas.openxmlformats.org/drawingml/2006/chart" xmlns:dgm="http://schemas.openxmlformats.org/drawingml/2006/diagram" xmlns:o="urn:schemas-microsoft-com:office:office" xmlns:v="urn:schemas-microsoft-com:vml" xmlns:pvml="urn:schemas-microsoft-com:office:powerpoint" xmlns:com="http://schemas.openxmlformats.org/drawingml/2006/compatibility" xmlns:p14="http://schemas.microsoft.com/office/powerpoint/2010/main" xmlns:p15="http://schemas.microsoft.com/office/powerpoint/2012/main" xmlns:ahyp="http://schemas.microsoft.com/office/drawing/2018/hyperlinkcolor" showMasterPhAnim="0" showMasterSp="0">
   <p:cSld>
     <p:spTree>
       <p:nvGrpSpPr>
-        <p:cNvPr id="1" name="Shape 98"/>
+        <p:cNvPr id="98" name="Shape 98"/>
         <p:cNvGrpSpPr/>
         <p:nvPr/>
       </p:nvGrpSpPr>
@@ -1352,11 +1307,9 @@
       <p:sp>
         <p:nvSpPr>
           <p:cNvPr id="99" name="Google Shape;99;gd822a14590_0_38:notes"/>
-          <p:cNvSpPr>
-            <a:spLocks noGrp="1" noRot="1" noChangeAspect="1"/>
-          </p:cNvSpPr>
+          <p:cNvSpPr/>
           <p:nvPr>
-            <p:ph type="sldImg" idx="2"/>
+            <p:ph idx="2" type="sldImg"/>
           </p:nvPr>
         </p:nvSpPr>
         <p:spPr>
@@ -1365,13 +1318,9 @@
             <a:ext cx="6096000" cy="3429000"/>
           </a:xfrm>
           <a:custGeom>
-            <a:avLst/>
-            <a:gdLst/>
-            <a:ahLst/>
-            <a:cxnLst/>
-            <a:rect l="l" t="t" r="r" b="b"/>
+            <a:rect b="b" l="l" r="r" t="t"/>
             <a:pathLst>
-              <a:path w="120000" h="120000" extrusionOk="0">
+              <a:path extrusionOk="0" h="120000" w="120000">
                 <a:moveTo>
                   <a:pt x="0" y="0"/>
                 </a:moveTo>
@@ -1393,11 +1342,9 @@
       <p:sp>
         <p:nvSpPr>
           <p:cNvPr id="100" name="Google Shape;100;gd822a14590_0_38:notes"/>
-          <p:cNvSpPr txBox="1">
-            <a:spLocks noGrp="1"/>
-          </p:cNvSpPr>
+          <p:cNvSpPr txBox="1"/>
           <p:nvPr>
-            <p:ph type="body" idx="1"/>
+            <p:ph idx="1" type="body"/>
           </p:nvPr>
         </p:nvSpPr>
         <p:spPr>
@@ -1410,12 +1357,12 @@
           </a:prstGeom>
         </p:spPr>
         <p:txBody>
-          <a:bodyPr spcFirstLastPara="1" wrap="square" lIns="91425" tIns="91425" rIns="91425" bIns="91425" anchor="t" anchorCtr="0">
+          <a:bodyPr anchorCtr="0" anchor="t" bIns="91425" lIns="91425" spcFirstLastPara="1" rIns="91425" wrap="square" tIns="91425">
             <a:noAutofit/>
           </a:bodyPr>
           <a:lstStyle/>
           <a:p>
-            <a:pPr marL="0" lvl="0" indent="0" algn="l" rtl="0">
+            <a:pPr indent="0" lvl="0" marL="0" rtl="0" algn="l">
               <a:spcBef>
                 <a:spcPts val="0"/>
               </a:spcBef>
@@ -1424,6 +1371,9 @@
               </a:spcAft>
               <a:buNone/>
             </a:pPr>
+            <a:r>
+              <a:t/>
+            </a:r>
             <a:endParaRPr/>
           </a:p>
         </p:txBody>
@@ -1437,11 +1387,11 @@
 </file>
 
 <file path=ppt/notesSlides/notesSlide8.xml><?xml version="1.0" encoding="utf-8"?>
-<p:notes xmlns:a="http://schemas.openxmlformats.org/drawingml/2006/main" xmlns:r="http://schemas.openxmlformats.org/officeDocument/2006/relationships" xmlns:p="http://schemas.openxmlformats.org/presentationml/2006/main" showMasterSp="0" showMasterPhAnim="0">
+<p:notes xmlns:a="http://schemas.openxmlformats.org/drawingml/2006/main" xmlns:r="http://schemas.openxmlformats.org/officeDocument/2006/relationships" xmlns:mc="http://schemas.openxmlformats.org/markup-compatibility/2006" xmlns:mv="urn:schemas-microsoft-com:mac:vml" xmlns:p="http://schemas.openxmlformats.org/presentationml/2006/main" xmlns:c="http://schemas.openxmlformats.org/drawingml/2006/chart" xmlns:dgm="http://schemas.openxmlformats.org/drawingml/2006/diagram" xmlns:o="urn:schemas-microsoft-com:office:office" xmlns:v="urn:schemas-microsoft-com:vml" xmlns:pvml="urn:schemas-microsoft-com:office:powerpoint" xmlns:com="http://schemas.openxmlformats.org/drawingml/2006/compatibility" xmlns:p14="http://schemas.microsoft.com/office/powerpoint/2010/main" xmlns:p15="http://schemas.microsoft.com/office/powerpoint/2012/main" xmlns:ahyp="http://schemas.microsoft.com/office/drawing/2018/hyperlinkcolor" showMasterPhAnim="0" showMasterSp="0">
   <p:cSld>
     <p:spTree>
       <p:nvGrpSpPr>
-        <p:cNvPr id="1" name="Shape 107"/>
+        <p:cNvPr id="107" name="Shape 107"/>
         <p:cNvGrpSpPr/>
         <p:nvPr/>
       </p:nvGrpSpPr>
@@ -1456,11 +1406,9 @@
       <p:sp>
         <p:nvSpPr>
           <p:cNvPr id="108" name="Google Shape;108;gd822a14590_0_46:notes"/>
-          <p:cNvSpPr>
-            <a:spLocks noGrp="1" noRot="1" noChangeAspect="1"/>
-          </p:cNvSpPr>
+          <p:cNvSpPr/>
           <p:nvPr>
-            <p:ph type="sldImg" idx="2"/>
+            <p:ph idx="2" type="sldImg"/>
           </p:nvPr>
         </p:nvSpPr>
         <p:spPr>
@@ -1469,13 +1417,9 @@
             <a:ext cx="6096000" cy="3429000"/>
           </a:xfrm>
           <a:custGeom>
-            <a:avLst/>
-            <a:gdLst/>
-            <a:ahLst/>
-            <a:cxnLst/>
-            <a:rect l="l" t="t" r="r" b="b"/>
+            <a:rect b="b" l="l" r="r" t="t"/>
             <a:pathLst>
-              <a:path w="120000" h="120000" extrusionOk="0">
+              <a:path extrusionOk="0" h="120000" w="120000">
                 <a:moveTo>
                   <a:pt x="0" y="0"/>
                 </a:moveTo>
@@ -1497,11 +1441,9 @@
       <p:sp>
         <p:nvSpPr>
           <p:cNvPr id="109" name="Google Shape;109;gd822a14590_0_46:notes"/>
-          <p:cNvSpPr txBox="1">
-            <a:spLocks noGrp="1"/>
-          </p:cNvSpPr>
+          <p:cNvSpPr txBox="1"/>
           <p:nvPr>
-            <p:ph type="body" idx="1"/>
+            <p:ph idx="1" type="body"/>
           </p:nvPr>
         </p:nvSpPr>
         <p:spPr>
@@ -1514,12 +1456,12 @@
           </a:prstGeom>
         </p:spPr>
         <p:txBody>
-          <a:bodyPr spcFirstLastPara="1" wrap="square" lIns="91425" tIns="91425" rIns="91425" bIns="91425" anchor="t" anchorCtr="0">
+          <a:bodyPr anchorCtr="0" anchor="t" bIns="91425" lIns="91425" spcFirstLastPara="1" rIns="91425" wrap="square" tIns="91425">
             <a:noAutofit/>
           </a:bodyPr>
           <a:lstStyle/>
           <a:p>
-            <a:pPr marL="0" lvl="0" indent="0" algn="l" rtl="0">
+            <a:pPr indent="0" lvl="0" marL="0" rtl="0" algn="l">
               <a:spcBef>
                 <a:spcPts val="0"/>
               </a:spcBef>
@@ -1528,6 +1470,9 @@
               </a:spcAft>
               <a:buNone/>
             </a:pPr>
+            <a:r>
+              <a:t/>
+            </a:r>
             <a:endParaRPr/>
           </a:p>
         </p:txBody>
@@ -1541,11 +1486,11 @@
 </file>
 
 <file path=ppt/slideLayouts/slideLayout1.xml><?xml version="1.0" encoding="utf-8"?>
-<p:sldLayout xmlns:a="http://schemas.openxmlformats.org/drawingml/2006/main" xmlns:r="http://schemas.openxmlformats.org/officeDocument/2006/relationships" xmlns:p="http://schemas.openxmlformats.org/presentationml/2006/main" matchingName="Title slide" type="title">
+<p:sldLayout xmlns:a="http://schemas.openxmlformats.org/drawingml/2006/main" xmlns:r="http://schemas.openxmlformats.org/officeDocument/2006/relationships" xmlns:mc="http://schemas.openxmlformats.org/markup-compatibility/2006" xmlns:mv="urn:schemas-microsoft-com:mac:vml" xmlns:p="http://schemas.openxmlformats.org/presentationml/2006/main" xmlns:c="http://schemas.openxmlformats.org/drawingml/2006/chart" xmlns:dgm="http://schemas.openxmlformats.org/drawingml/2006/diagram" xmlns:o="urn:schemas-microsoft-com:office:office" xmlns:v="urn:schemas-microsoft-com:vml" xmlns:pvml="urn:schemas-microsoft-com:office:powerpoint" xmlns:com="http://schemas.openxmlformats.org/drawingml/2006/compatibility" xmlns:p14="http://schemas.microsoft.com/office/powerpoint/2010/main" xmlns:p15="http://schemas.microsoft.com/office/powerpoint/2012/main" xmlns:ahyp="http://schemas.microsoft.com/office/drawing/2018/hyperlinkcolor" matchingName="Title slide" type="title">
   <p:cSld name="TITLE">
     <p:spTree>
       <p:nvGrpSpPr>
-        <p:cNvPr id="1" name="Shape 9"/>
+        <p:cNvPr id="9" name="Shape 9"/>
         <p:cNvGrpSpPr/>
         <p:nvPr/>
       </p:nvGrpSpPr>
@@ -1560,9 +1505,7 @@
       <p:sp>
         <p:nvSpPr>
           <p:cNvPr id="10" name="Google Shape;10;p2"/>
-          <p:cNvSpPr txBox="1">
-            <a:spLocks noGrp="1"/>
-          </p:cNvSpPr>
+          <p:cNvSpPr txBox="1"/>
           <p:nvPr>
             <p:ph type="ctrTitle"/>
           </p:nvPr>
@@ -1577,7 +1520,7 @@
           </a:prstGeom>
         </p:spPr>
         <p:txBody>
-          <a:bodyPr spcFirstLastPara="1" wrap="square" lIns="91425" tIns="91425" rIns="91425" bIns="91425" anchor="b" anchorCtr="0">
+          <a:bodyPr anchorCtr="0" anchor="b" bIns="91425" lIns="91425" spcFirstLastPara="1" rIns="91425" wrap="square" tIns="91425">
             <a:normAutofit/>
           </a:bodyPr>
           <a:lstStyle>
@@ -1681,19 +1624,15 @@
               <a:defRPr sz="5200"/>
             </a:lvl9pPr>
           </a:lstStyle>
-          <a:p>
-            <a:endParaRPr/>
-          </a:p>
+          <a:p/>
         </p:txBody>
       </p:sp>
       <p:sp>
         <p:nvSpPr>
           <p:cNvPr id="11" name="Google Shape;11;p2"/>
-          <p:cNvSpPr txBox="1">
-            <a:spLocks noGrp="1"/>
-          </p:cNvSpPr>
+          <p:cNvSpPr txBox="1"/>
           <p:nvPr>
-            <p:ph type="subTitle" idx="1"/>
+            <p:ph idx="1" type="subTitle"/>
           </p:nvPr>
         </p:nvSpPr>
         <p:spPr>
@@ -1706,7 +1645,7 @@
           </a:prstGeom>
         </p:spPr>
         <p:txBody>
-          <a:bodyPr spcFirstLastPara="1" wrap="square" lIns="91425" tIns="91425" rIns="91425" bIns="91425" anchor="t" anchorCtr="0">
+          <a:bodyPr anchorCtr="0" anchor="t" bIns="91425" lIns="91425" spcFirstLastPara="1" rIns="91425" wrap="square" tIns="91425">
             <a:normAutofit/>
           </a:bodyPr>
           <a:lstStyle>
@@ -1837,19 +1776,15 @@
               <a:defRPr sz="2800"/>
             </a:lvl9pPr>
           </a:lstStyle>
-          <a:p>
-            <a:endParaRPr/>
-          </a:p>
+          <a:p/>
         </p:txBody>
       </p:sp>
       <p:sp>
         <p:nvSpPr>
           <p:cNvPr id="12" name="Google Shape;12;p2"/>
-          <p:cNvSpPr txBox="1">
-            <a:spLocks noGrp="1"/>
-          </p:cNvSpPr>
+          <p:cNvSpPr txBox="1"/>
           <p:nvPr>
-            <p:ph type="sldNum" idx="12"/>
+            <p:ph idx="12" type="sldNum"/>
           </p:nvPr>
         </p:nvSpPr>
         <p:spPr>
@@ -1862,7 +1797,7 @@
           </a:prstGeom>
         </p:spPr>
         <p:txBody>
-          <a:bodyPr spcFirstLastPara="1" wrap="square" lIns="91425" tIns="91425" rIns="91425" bIns="91425" anchor="ctr" anchorCtr="0">
+          <a:bodyPr anchorCtr="0" anchor="ctr" bIns="91425" lIns="91425" spcFirstLastPara="1" rIns="91425" wrap="square" tIns="91425">
             <a:normAutofit/>
           </a:bodyPr>
           <a:lstStyle>
@@ -1904,7 +1839,7 @@
             </a:lvl9pPr>
           </a:lstStyle>
           <a:p>
-            <a:pPr marL="0" lvl="0" indent="0" algn="r" rtl="0">
+            <a:pPr indent="0" lvl="0" marL="0" rtl="0" algn="r">
               <a:spcBef>
                 <a:spcPts val="0"/>
               </a:spcBef>
@@ -1930,11 +1865,11 @@
 </file>
 
 <file path=ppt/slideLayouts/slideLayout10.xml><?xml version="1.0" encoding="utf-8"?>
-<p:sldLayout xmlns:a="http://schemas.openxmlformats.org/drawingml/2006/main" xmlns:r="http://schemas.openxmlformats.org/officeDocument/2006/relationships" xmlns:p="http://schemas.openxmlformats.org/presentationml/2006/main" matchingName="Big number">
+<p:sldLayout xmlns:a="http://schemas.openxmlformats.org/drawingml/2006/main" xmlns:r="http://schemas.openxmlformats.org/officeDocument/2006/relationships" xmlns:mc="http://schemas.openxmlformats.org/markup-compatibility/2006" xmlns:mv="urn:schemas-microsoft-com:mac:vml" xmlns:p="http://schemas.openxmlformats.org/presentationml/2006/main" xmlns:c="http://schemas.openxmlformats.org/drawingml/2006/chart" xmlns:dgm="http://schemas.openxmlformats.org/drawingml/2006/diagram" xmlns:o="urn:schemas-microsoft-com:office:office" xmlns:v="urn:schemas-microsoft-com:vml" xmlns:pvml="urn:schemas-microsoft-com:office:powerpoint" xmlns:com="http://schemas.openxmlformats.org/drawingml/2006/compatibility" xmlns:p14="http://schemas.microsoft.com/office/powerpoint/2010/main" xmlns:p15="http://schemas.microsoft.com/office/powerpoint/2012/main" xmlns:ahyp="http://schemas.microsoft.com/office/drawing/2018/hyperlinkcolor" matchingName="Big number">
   <p:cSld name="BIG_NUMBER">
     <p:spTree>
       <p:nvGrpSpPr>
-        <p:cNvPr id="1" name="Shape 44"/>
+        <p:cNvPr id="44" name="Shape 44"/>
         <p:cNvGrpSpPr/>
         <p:nvPr/>
       </p:nvGrpSpPr>
@@ -1949,11 +1884,9 @@
       <p:sp>
         <p:nvSpPr>
           <p:cNvPr id="45" name="Google Shape;45;p11"/>
-          <p:cNvSpPr txBox="1">
-            <a:spLocks noGrp="1"/>
-          </p:cNvSpPr>
+          <p:cNvSpPr txBox="1"/>
           <p:nvPr>
-            <p:ph type="title" hasCustomPrompt="1"/>
+            <p:ph hasCustomPrompt="1" type="title"/>
           </p:nvPr>
         </p:nvSpPr>
         <p:spPr>
@@ -1966,7 +1899,7 @@
           </a:prstGeom>
         </p:spPr>
         <p:txBody>
-          <a:bodyPr spcFirstLastPara="1" wrap="square" lIns="91425" tIns="91425" rIns="91425" bIns="91425" anchor="b" anchorCtr="0">
+          <a:bodyPr anchorCtr="0" anchor="b" bIns="91425" lIns="91425" spcFirstLastPara="1" rIns="91425" wrap="square" tIns="91425">
             <a:normAutofit/>
           </a:bodyPr>
           <a:lstStyle>
@@ -2080,11 +2013,9 @@
       <p:sp>
         <p:nvSpPr>
           <p:cNvPr id="46" name="Google Shape;46;p11"/>
-          <p:cNvSpPr txBox="1">
-            <a:spLocks noGrp="1"/>
-          </p:cNvSpPr>
+          <p:cNvSpPr txBox="1"/>
           <p:nvPr>
-            <p:ph type="body" idx="1"/>
+            <p:ph idx="1" type="body"/>
           </p:nvPr>
         </p:nvSpPr>
         <p:spPr>
@@ -2097,11 +2028,11 @@
           </a:prstGeom>
         </p:spPr>
         <p:txBody>
-          <a:bodyPr spcFirstLastPara="1" wrap="square" lIns="91425" tIns="91425" rIns="91425" bIns="91425" anchor="t" anchorCtr="0">
+          <a:bodyPr anchorCtr="0" anchor="t" bIns="91425" lIns="91425" spcFirstLastPara="1" rIns="91425" wrap="square" tIns="91425">
             <a:normAutofit/>
           </a:bodyPr>
           <a:lstStyle>
-            <a:lvl1pPr marL="457200" lvl="0" indent="-342900" algn="ctr">
+            <a:lvl1pPr indent="-342900" lvl="0" marL="457200" algn="ctr">
               <a:spcBef>
                 <a:spcPts val="0"/>
               </a:spcBef>
@@ -2112,7 +2043,7 @@
               <a:buChar char="●"/>
               <a:defRPr/>
             </a:lvl1pPr>
-            <a:lvl2pPr marL="914400" lvl="1" indent="-317500" algn="ctr">
+            <a:lvl2pPr indent="-317500" lvl="1" marL="914400" algn="ctr">
               <a:spcBef>
                 <a:spcPts val="0"/>
               </a:spcBef>
@@ -2123,7 +2054,7 @@
               <a:buChar char="○"/>
               <a:defRPr/>
             </a:lvl2pPr>
-            <a:lvl3pPr marL="1371600" lvl="2" indent="-317500" algn="ctr">
+            <a:lvl3pPr indent="-317500" lvl="2" marL="1371600" algn="ctr">
               <a:spcBef>
                 <a:spcPts val="0"/>
               </a:spcBef>
@@ -2134,7 +2065,7 @@
               <a:buChar char="■"/>
               <a:defRPr/>
             </a:lvl3pPr>
-            <a:lvl4pPr marL="1828800" lvl="3" indent="-317500" algn="ctr">
+            <a:lvl4pPr indent="-317500" lvl="3" marL="1828800" algn="ctr">
               <a:spcBef>
                 <a:spcPts val="0"/>
               </a:spcBef>
@@ -2145,7 +2076,7 @@
               <a:buChar char="●"/>
               <a:defRPr/>
             </a:lvl4pPr>
-            <a:lvl5pPr marL="2286000" lvl="4" indent="-317500" algn="ctr">
+            <a:lvl5pPr indent="-317500" lvl="4" marL="2286000" algn="ctr">
               <a:spcBef>
                 <a:spcPts val="0"/>
               </a:spcBef>
@@ -2156,7 +2087,7 @@
               <a:buChar char="○"/>
               <a:defRPr/>
             </a:lvl5pPr>
-            <a:lvl6pPr marL="2743200" lvl="5" indent="-317500" algn="ctr">
+            <a:lvl6pPr indent="-317500" lvl="5" marL="2743200" algn="ctr">
               <a:spcBef>
                 <a:spcPts val="0"/>
               </a:spcBef>
@@ -2167,7 +2098,7 @@
               <a:buChar char="■"/>
               <a:defRPr/>
             </a:lvl6pPr>
-            <a:lvl7pPr marL="3200400" lvl="6" indent="-317500" algn="ctr">
+            <a:lvl7pPr indent="-317500" lvl="6" marL="3200400" algn="ctr">
               <a:spcBef>
                 <a:spcPts val="0"/>
               </a:spcBef>
@@ -2178,7 +2109,7 @@
               <a:buChar char="●"/>
               <a:defRPr/>
             </a:lvl7pPr>
-            <a:lvl8pPr marL="3657600" lvl="7" indent="-317500" algn="ctr">
+            <a:lvl8pPr indent="-317500" lvl="7" marL="3657600" algn="ctr">
               <a:spcBef>
                 <a:spcPts val="0"/>
               </a:spcBef>
@@ -2189,7 +2120,7 @@
               <a:buChar char="○"/>
               <a:defRPr/>
             </a:lvl8pPr>
-            <a:lvl9pPr marL="4114800" lvl="8" indent="-317500" algn="ctr">
+            <a:lvl9pPr indent="-317500" lvl="8" marL="4114800" algn="ctr">
               <a:spcBef>
                 <a:spcPts val="0"/>
               </a:spcBef>
@@ -2201,19 +2132,15 @@
               <a:defRPr/>
             </a:lvl9pPr>
           </a:lstStyle>
-          <a:p>
-            <a:endParaRPr/>
-          </a:p>
+          <a:p/>
         </p:txBody>
       </p:sp>
       <p:sp>
         <p:nvSpPr>
           <p:cNvPr id="47" name="Google Shape;47;p11"/>
-          <p:cNvSpPr txBox="1">
-            <a:spLocks noGrp="1"/>
-          </p:cNvSpPr>
+          <p:cNvSpPr txBox="1"/>
           <p:nvPr>
-            <p:ph type="sldNum" idx="12"/>
+            <p:ph idx="12" type="sldNum"/>
           </p:nvPr>
         </p:nvSpPr>
         <p:spPr>
@@ -2226,7 +2153,7 @@
           </a:prstGeom>
         </p:spPr>
         <p:txBody>
-          <a:bodyPr spcFirstLastPara="1" wrap="square" lIns="91425" tIns="91425" rIns="91425" bIns="91425" anchor="ctr" anchorCtr="0">
+          <a:bodyPr anchorCtr="0" anchor="ctr" bIns="91425" lIns="91425" spcFirstLastPara="1" rIns="91425" wrap="square" tIns="91425">
             <a:normAutofit/>
           </a:bodyPr>
           <a:lstStyle>
@@ -2268,7 +2195,7 @@
             </a:lvl9pPr>
           </a:lstStyle>
           <a:p>
-            <a:pPr marL="0" lvl="0" indent="0" algn="r" rtl="0">
+            <a:pPr indent="0" lvl="0" marL="0" rtl="0" algn="r">
               <a:spcBef>
                 <a:spcPts val="0"/>
               </a:spcBef>
@@ -2294,11 +2221,11 @@
 </file>
 
 <file path=ppt/slideLayouts/slideLayout11.xml><?xml version="1.0" encoding="utf-8"?>
-<p:sldLayout xmlns:a="http://schemas.openxmlformats.org/drawingml/2006/main" xmlns:r="http://schemas.openxmlformats.org/officeDocument/2006/relationships" xmlns:p="http://schemas.openxmlformats.org/presentationml/2006/main" matchingName="Blank" type="blank">
+<p:sldLayout xmlns:a="http://schemas.openxmlformats.org/drawingml/2006/main" xmlns:r="http://schemas.openxmlformats.org/officeDocument/2006/relationships" xmlns:mc="http://schemas.openxmlformats.org/markup-compatibility/2006" xmlns:mv="urn:schemas-microsoft-com:mac:vml" xmlns:p="http://schemas.openxmlformats.org/presentationml/2006/main" xmlns:c="http://schemas.openxmlformats.org/drawingml/2006/chart" xmlns:dgm="http://schemas.openxmlformats.org/drawingml/2006/diagram" xmlns:o="urn:schemas-microsoft-com:office:office" xmlns:v="urn:schemas-microsoft-com:vml" xmlns:pvml="urn:schemas-microsoft-com:office:powerpoint" xmlns:com="http://schemas.openxmlformats.org/drawingml/2006/compatibility" xmlns:p14="http://schemas.microsoft.com/office/powerpoint/2010/main" xmlns:p15="http://schemas.microsoft.com/office/powerpoint/2012/main" xmlns:ahyp="http://schemas.microsoft.com/office/drawing/2018/hyperlinkcolor" matchingName="Blank" type="blank">
   <p:cSld name="BLANK">
     <p:spTree>
       <p:nvGrpSpPr>
-        <p:cNvPr id="1" name="Shape 48"/>
+        <p:cNvPr id="48" name="Shape 48"/>
         <p:cNvGrpSpPr/>
         <p:nvPr/>
       </p:nvGrpSpPr>
@@ -2313,11 +2240,9 @@
       <p:sp>
         <p:nvSpPr>
           <p:cNvPr id="49" name="Google Shape;49;p12"/>
-          <p:cNvSpPr txBox="1">
-            <a:spLocks noGrp="1"/>
-          </p:cNvSpPr>
+          <p:cNvSpPr txBox="1"/>
           <p:nvPr>
-            <p:ph type="sldNum" idx="12"/>
+            <p:ph idx="12" type="sldNum"/>
           </p:nvPr>
         </p:nvSpPr>
         <p:spPr>
@@ -2330,7 +2255,7 @@
           </a:prstGeom>
         </p:spPr>
         <p:txBody>
-          <a:bodyPr spcFirstLastPara="1" wrap="square" lIns="91425" tIns="91425" rIns="91425" bIns="91425" anchor="ctr" anchorCtr="0">
+          <a:bodyPr anchorCtr="0" anchor="ctr" bIns="91425" lIns="91425" spcFirstLastPara="1" rIns="91425" wrap="square" tIns="91425">
             <a:normAutofit/>
           </a:bodyPr>
           <a:lstStyle>
@@ -2372,7 +2297,7 @@
             </a:lvl9pPr>
           </a:lstStyle>
           <a:p>
-            <a:pPr marL="0" lvl="0" indent="0" algn="r" rtl="0">
+            <a:pPr indent="0" lvl="0" marL="0" rtl="0" algn="r">
               <a:spcBef>
                 <a:spcPts val="0"/>
               </a:spcBef>
@@ -2398,11 +2323,11 @@
 </file>
 
 <file path=ppt/slideLayouts/slideLayout2.xml><?xml version="1.0" encoding="utf-8"?>
-<p:sldLayout xmlns:a="http://schemas.openxmlformats.org/drawingml/2006/main" xmlns:r="http://schemas.openxmlformats.org/officeDocument/2006/relationships" xmlns:p="http://schemas.openxmlformats.org/presentationml/2006/main" matchingName="Section header" type="secHead">
+<p:sldLayout xmlns:a="http://schemas.openxmlformats.org/drawingml/2006/main" xmlns:r="http://schemas.openxmlformats.org/officeDocument/2006/relationships" xmlns:mc="http://schemas.openxmlformats.org/markup-compatibility/2006" xmlns:mv="urn:schemas-microsoft-com:mac:vml" xmlns:p="http://schemas.openxmlformats.org/presentationml/2006/main" xmlns:c="http://schemas.openxmlformats.org/drawingml/2006/chart" xmlns:dgm="http://schemas.openxmlformats.org/drawingml/2006/diagram" xmlns:o="urn:schemas-microsoft-com:office:office" xmlns:v="urn:schemas-microsoft-com:vml" xmlns:pvml="urn:schemas-microsoft-com:office:powerpoint" xmlns:com="http://schemas.openxmlformats.org/drawingml/2006/compatibility" xmlns:p14="http://schemas.microsoft.com/office/powerpoint/2010/main" xmlns:p15="http://schemas.microsoft.com/office/powerpoint/2012/main" xmlns:ahyp="http://schemas.microsoft.com/office/drawing/2018/hyperlinkcolor" matchingName="Section header" type="secHead">
   <p:cSld name="SECTION_HEADER">
     <p:spTree>
       <p:nvGrpSpPr>
-        <p:cNvPr id="1" name="Shape 13"/>
+        <p:cNvPr id="13" name="Shape 13"/>
         <p:cNvGrpSpPr/>
         <p:nvPr/>
       </p:nvGrpSpPr>
@@ -2417,9 +2342,7 @@
       <p:sp>
         <p:nvSpPr>
           <p:cNvPr id="14" name="Google Shape;14;p3"/>
-          <p:cNvSpPr txBox="1">
-            <a:spLocks noGrp="1"/>
-          </p:cNvSpPr>
+          <p:cNvSpPr txBox="1"/>
           <p:nvPr>
             <p:ph type="title"/>
           </p:nvPr>
@@ -2434,7 +2357,7 @@
           </a:prstGeom>
         </p:spPr>
         <p:txBody>
-          <a:bodyPr spcFirstLastPara="1" wrap="square" lIns="91425" tIns="91425" rIns="91425" bIns="91425" anchor="ctr" anchorCtr="0">
+          <a:bodyPr anchorCtr="0" anchor="ctr" bIns="91425" lIns="91425" spcFirstLastPara="1" rIns="91425" wrap="square" tIns="91425">
             <a:normAutofit/>
           </a:bodyPr>
           <a:lstStyle>
@@ -2538,19 +2461,15 @@
               <a:defRPr sz="3600"/>
             </a:lvl9pPr>
           </a:lstStyle>
-          <a:p>
-            <a:endParaRPr/>
-          </a:p>
+          <a:p/>
         </p:txBody>
       </p:sp>
       <p:sp>
         <p:nvSpPr>
           <p:cNvPr id="15" name="Google Shape;15;p3"/>
-          <p:cNvSpPr txBox="1">
-            <a:spLocks noGrp="1"/>
-          </p:cNvSpPr>
+          <p:cNvSpPr txBox="1"/>
           <p:nvPr>
-            <p:ph type="sldNum" idx="12"/>
+            <p:ph idx="12" type="sldNum"/>
           </p:nvPr>
         </p:nvSpPr>
         <p:spPr>
@@ -2563,7 +2482,7 @@
           </a:prstGeom>
         </p:spPr>
         <p:txBody>
-          <a:bodyPr spcFirstLastPara="1" wrap="square" lIns="91425" tIns="91425" rIns="91425" bIns="91425" anchor="ctr" anchorCtr="0">
+          <a:bodyPr anchorCtr="0" anchor="ctr" bIns="91425" lIns="91425" spcFirstLastPara="1" rIns="91425" wrap="square" tIns="91425">
             <a:normAutofit/>
           </a:bodyPr>
           <a:lstStyle>
@@ -2605,7 +2524,7 @@
             </a:lvl9pPr>
           </a:lstStyle>
           <a:p>
-            <a:pPr marL="0" lvl="0" indent="0" algn="r" rtl="0">
+            <a:pPr indent="0" lvl="0" marL="0" rtl="0" algn="r">
               <a:spcBef>
                 <a:spcPts val="0"/>
               </a:spcBef>
@@ -2631,11 +2550,11 @@
 </file>
 
 <file path=ppt/slideLayouts/slideLayout3.xml><?xml version="1.0" encoding="utf-8"?>
-<p:sldLayout xmlns:a="http://schemas.openxmlformats.org/drawingml/2006/main" xmlns:r="http://schemas.openxmlformats.org/officeDocument/2006/relationships" xmlns:p="http://schemas.openxmlformats.org/presentationml/2006/main" matchingName="Title and body" type="tx">
+<p:sldLayout xmlns:a="http://schemas.openxmlformats.org/drawingml/2006/main" xmlns:r="http://schemas.openxmlformats.org/officeDocument/2006/relationships" xmlns:mc="http://schemas.openxmlformats.org/markup-compatibility/2006" xmlns:mv="urn:schemas-microsoft-com:mac:vml" xmlns:p="http://schemas.openxmlformats.org/presentationml/2006/main" xmlns:c="http://schemas.openxmlformats.org/drawingml/2006/chart" xmlns:dgm="http://schemas.openxmlformats.org/drawingml/2006/diagram" xmlns:o="urn:schemas-microsoft-com:office:office" xmlns:v="urn:schemas-microsoft-com:vml" xmlns:pvml="urn:schemas-microsoft-com:office:powerpoint" xmlns:com="http://schemas.openxmlformats.org/drawingml/2006/compatibility" xmlns:p14="http://schemas.microsoft.com/office/powerpoint/2010/main" xmlns:p15="http://schemas.microsoft.com/office/powerpoint/2012/main" xmlns:ahyp="http://schemas.microsoft.com/office/drawing/2018/hyperlinkcolor" matchingName="Title and body" type="tx">
   <p:cSld name="TITLE_AND_BODY">
     <p:spTree>
       <p:nvGrpSpPr>
-        <p:cNvPr id="1" name="Shape 16"/>
+        <p:cNvPr id="16" name="Shape 16"/>
         <p:cNvGrpSpPr/>
         <p:nvPr/>
       </p:nvGrpSpPr>
@@ -2650,9 +2569,7 @@
       <p:sp>
         <p:nvSpPr>
           <p:cNvPr id="17" name="Google Shape;17;p4"/>
-          <p:cNvSpPr txBox="1">
-            <a:spLocks noGrp="1"/>
-          </p:cNvSpPr>
+          <p:cNvSpPr txBox="1"/>
           <p:nvPr>
             <p:ph type="title"/>
           </p:nvPr>
@@ -2667,7 +2584,7 @@
           </a:prstGeom>
         </p:spPr>
         <p:txBody>
-          <a:bodyPr spcFirstLastPara="1" wrap="square" lIns="91425" tIns="91425" rIns="91425" bIns="91425" anchor="t" anchorCtr="0">
+          <a:bodyPr anchorCtr="0" anchor="t" bIns="91425" lIns="91425" spcFirstLastPara="1" rIns="91425" wrap="square" tIns="91425">
             <a:normAutofit/>
           </a:bodyPr>
           <a:lstStyle>
@@ -2771,19 +2688,15 @@
               <a:defRPr/>
             </a:lvl9pPr>
           </a:lstStyle>
-          <a:p>
-            <a:endParaRPr/>
-          </a:p>
+          <a:p/>
         </p:txBody>
       </p:sp>
       <p:sp>
         <p:nvSpPr>
           <p:cNvPr id="18" name="Google Shape;18;p4"/>
-          <p:cNvSpPr txBox="1">
-            <a:spLocks noGrp="1"/>
-          </p:cNvSpPr>
+          <p:cNvSpPr txBox="1"/>
           <p:nvPr>
-            <p:ph type="body" idx="1"/>
+            <p:ph idx="1" type="body"/>
           </p:nvPr>
         </p:nvSpPr>
         <p:spPr>
@@ -2796,11 +2709,11 @@
           </a:prstGeom>
         </p:spPr>
         <p:txBody>
-          <a:bodyPr spcFirstLastPara="1" wrap="square" lIns="91425" tIns="91425" rIns="91425" bIns="91425" anchor="t" anchorCtr="0">
+          <a:bodyPr anchorCtr="0" anchor="t" bIns="91425" lIns="91425" spcFirstLastPara="1" rIns="91425" wrap="square" tIns="91425">
             <a:normAutofit/>
           </a:bodyPr>
           <a:lstStyle>
-            <a:lvl1pPr marL="457200" lvl="0" indent="-342900">
+            <a:lvl1pPr indent="-342900" lvl="0" marL="457200">
               <a:spcBef>
                 <a:spcPts val="0"/>
               </a:spcBef>
@@ -2811,7 +2724,7 @@
               <a:buChar char="●"/>
               <a:defRPr/>
             </a:lvl1pPr>
-            <a:lvl2pPr marL="914400" lvl="1" indent="-317500">
+            <a:lvl2pPr indent="-317500" lvl="1" marL="914400">
               <a:spcBef>
                 <a:spcPts val="0"/>
               </a:spcBef>
@@ -2822,7 +2735,7 @@
               <a:buChar char="○"/>
               <a:defRPr/>
             </a:lvl2pPr>
-            <a:lvl3pPr marL="1371600" lvl="2" indent="-317500">
+            <a:lvl3pPr indent="-317500" lvl="2" marL="1371600">
               <a:spcBef>
                 <a:spcPts val="0"/>
               </a:spcBef>
@@ -2833,7 +2746,7 @@
               <a:buChar char="■"/>
               <a:defRPr/>
             </a:lvl3pPr>
-            <a:lvl4pPr marL="1828800" lvl="3" indent="-317500">
+            <a:lvl4pPr indent="-317500" lvl="3" marL="1828800">
               <a:spcBef>
                 <a:spcPts val="0"/>
               </a:spcBef>
@@ -2844,7 +2757,7 @@
               <a:buChar char="●"/>
               <a:defRPr/>
             </a:lvl4pPr>
-            <a:lvl5pPr marL="2286000" lvl="4" indent="-317500">
+            <a:lvl5pPr indent="-317500" lvl="4" marL="2286000">
               <a:spcBef>
                 <a:spcPts val="0"/>
               </a:spcBef>
@@ -2855,7 +2768,7 @@
               <a:buChar char="○"/>
               <a:defRPr/>
             </a:lvl5pPr>
-            <a:lvl6pPr marL="2743200" lvl="5" indent="-317500">
+            <a:lvl6pPr indent="-317500" lvl="5" marL="2743200">
               <a:spcBef>
                 <a:spcPts val="0"/>
               </a:spcBef>
@@ -2866,7 +2779,7 @@
               <a:buChar char="■"/>
               <a:defRPr/>
             </a:lvl6pPr>
-            <a:lvl7pPr marL="3200400" lvl="6" indent="-317500">
+            <a:lvl7pPr indent="-317500" lvl="6" marL="3200400">
               <a:spcBef>
                 <a:spcPts val="0"/>
               </a:spcBef>
@@ -2877,7 +2790,7 @@
               <a:buChar char="●"/>
               <a:defRPr/>
             </a:lvl7pPr>
-            <a:lvl8pPr marL="3657600" lvl="7" indent="-317500">
+            <a:lvl8pPr indent="-317500" lvl="7" marL="3657600">
               <a:spcBef>
                 <a:spcPts val="0"/>
               </a:spcBef>
@@ -2888,7 +2801,7 @@
               <a:buChar char="○"/>
               <a:defRPr/>
             </a:lvl8pPr>
-            <a:lvl9pPr marL="4114800" lvl="8" indent="-317500">
+            <a:lvl9pPr indent="-317500" lvl="8" marL="4114800">
               <a:spcBef>
                 <a:spcPts val="0"/>
               </a:spcBef>
@@ -2900,19 +2813,15 @@
               <a:defRPr/>
             </a:lvl9pPr>
           </a:lstStyle>
-          <a:p>
-            <a:endParaRPr/>
-          </a:p>
+          <a:p/>
         </p:txBody>
       </p:sp>
       <p:sp>
         <p:nvSpPr>
           <p:cNvPr id="19" name="Google Shape;19;p4"/>
-          <p:cNvSpPr txBox="1">
-            <a:spLocks noGrp="1"/>
-          </p:cNvSpPr>
+          <p:cNvSpPr txBox="1"/>
           <p:nvPr>
-            <p:ph type="sldNum" idx="12"/>
+            <p:ph idx="12" type="sldNum"/>
           </p:nvPr>
         </p:nvSpPr>
         <p:spPr>
@@ -2925,7 +2834,7 @@
           </a:prstGeom>
         </p:spPr>
         <p:txBody>
-          <a:bodyPr spcFirstLastPara="1" wrap="square" lIns="91425" tIns="91425" rIns="91425" bIns="91425" anchor="ctr" anchorCtr="0">
+          <a:bodyPr anchorCtr="0" anchor="ctr" bIns="91425" lIns="91425" spcFirstLastPara="1" rIns="91425" wrap="square" tIns="91425">
             <a:normAutofit/>
           </a:bodyPr>
           <a:lstStyle>
@@ -2967,7 +2876,7 @@
             </a:lvl9pPr>
           </a:lstStyle>
           <a:p>
-            <a:pPr marL="0" lvl="0" indent="0" algn="r" rtl="0">
+            <a:pPr indent="0" lvl="0" marL="0" rtl="0" algn="r">
               <a:spcBef>
                 <a:spcPts val="0"/>
               </a:spcBef>
@@ -2993,11 +2902,11 @@
 </file>
 
 <file path=ppt/slideLayouts/slideLayout4.xml><?xml version="1.0" encoding="utf-8"?>
-<p:sldLayout xmlns:a="http://schemas.openxmlformats.org/drawingml/2006/main" xmlns:r="http://schemas.openxmlformats.org/officeDocument/2006/relationships" xmlns:p="http://schemas.openxmlformats.org/presentationml/2006/main" matchingName="Title and two columns" type="twoColTx">
+<p:sldLayout xmlns:a="http://schemas.openxmlformats.org/drawingml/2006/main" xmlns:r="http://schemas.openxmlformats.org/officeDocument/2006/relationships" xmlns:mc="http://schemas.openxmlformats.org/markup-compatibility/2006" xmlns:mv="urn:schemas-microsoft-com:mac:vml" xmlns:p="http://schemas.openxmlformats.org/presentationml/2006/main" xmlns:c="http://schemas.openxmlformats.org/drawingml/2006/chart" xmlns:dgm="http://schemas.openxmlformats.org/drawingml/2006/diagram" xmlns:o="urn:schemas-microsoft-com:office:office" xmlns:v="urn:schemas-microsoft-com:vml" xmlns:pvml="urn:schemas-microsoft-com:office:powerpoint" xmlns:com="http://schemas.openxmlformats.org/drawingml/2006/compatibility" xmlns:p14="http://schemas.microsoft.com/office/powerpoint/2010/main" xmlns:p15="http://schemas.microsoft.com/office/powerpoint/2012/main" xmlns:ahyp="http://schemas.microsoft.com/office/drawing/2018/hyperlinkcolor" matchingName="Title and two columns" type="twoColTx">
   <p:cSld name="TITLE_AND_TWO_COLUMNS">
     <p:spTree>
       <p:nvGrpSpPr>
-        <p:cNvPr id="1" name="Shape 20"/>
+        <p:cNvPr id="20" name="Shape 20"/>
         <p:cNvGrpSpPr/>
         <p:nvPr/>
       </p:nvGrpSpPr>
@@ -3012,9 +2921,7 @@
       <p:sp>
         <p:nvSpPr>
           <p:cNvPr id="21" name="Google Shape;21;p5"/>
-          <p:cNvSpPr txBox="1">
-            <a:spLocks noGrp="1"/>
-          </p:cNvSpPr>
+          <p:cNvSpPr txBox="1"/>
           <p:nvPr>
             <p:ph type="title"/>
           </p:nvPr>
@@ -3029,7 +2936,7 @@
           </a:prstGeom>
         </p:spPr>
         <p:txBody>
-          <a:bodyPr spcFirstLastPara="1" wrap="square" lIns="91425" tIns="91425" rIns="91425" bIns="91425" anchor="t" anchorCtr="0">
+          <a:bodyPr anchorCtr="0" anchor="t" bIns="91425" lIns="91425" spcFirstLastPara="1" rIns="91425" wrap="square" tIns="91425">
             <a:normAutofit/>
           </a:bodyPr>
           <a:lstStyle>
@@ -3133,19 +3040,15 @@
               <a:defRPr/>
             </a:lvl9pPr>
           </a:lstStyle>
-          <a:p>
-            <a:endParaRPr/>
-          </a:p>
+          <a:p/>
         </p:txBody>
       </p:sp>
       <p:sp>
         <p:nvSpPr>
           <p:cNvPr id="22" name="Google Shape;22;p5"/>
-          <p:cNvSpPr txBox="1">
-            <a:spLocks noGrp="1"/>
-          </p:cNvSpPr>
+          <p:cNvSpPr txBox="1"/>
           <p:nvPr>
-            <p:ph type="body" idx="1"/>
+            <p:ph idx="1" type="body"/>
           </p:nvPr>
         </p:nvSpPr>
         <p:spPr>
@@ -3158,11 +3061,11 @@
           </a:prstGeom>
         </p:spPr>
         <p:txBody>
-          <a:bodyPr spcFirstLastPara="1" wrap="square" lIns="91425" tIns="91425" rIns="91425" bIns="91425" anchor="t" anchorCtr="0">
+          <a:bodyPr anchorCtr="0" anchor="t" bIns="91425" lIns="91425" spcFirstLastPara="1" rIns="91425" wrap="square" tIns="91425">
             <a:normAutofit/>
           </a:bodyPr>
           <a:lstStyle>
-            <a:lvl1pPr marL="457200" lvl="0" indent="-317500">
+            <a:lvl1pPr indent="-317500" lvl="0" marL="457200">
               <a:spcBef>
                 <a:spcPts val="0"/>
               </a:spcBef>
@@ -3173,7 +3076,7 @@
               <a:buChar char="●"/>
               <a:defRPr sz="1400"/>
             </a:lvl1pPr>
-            <a:lvl2pPr marL="914400" lvl="1" indent="-304800">
+            <a:lvl2pPr indent="-304800" lvl="1" marL="914400">
               <a:spcBef>
                 <a:spcPts val="0"/>
               </a:spcBef>
@@ -3184,7 +3087,7 @@
               <a:buChar char="○"/>
               <a:defRPr sz="1200"/>
             </a:lvl2pPr>
-            <a:lvl3pPr marL="1371600" lvl="2" indent="-304800">
+            <a:lvl3pPr indent="-304800" lvl="2" marL="1371600">
               <a:spcBef>
                 <a:spcPts val="0"/>
               </a:spcBef>
@@ -3195,7 +3098,7 @@
               <a:buChar char="■"/>
               <a:defRPr sz="1200"/>
             </a:lvl3pPr>
-            <a:lvl4pPr marL="1828800" lvl="3" indent="-304800">
+            <a:lvl4pPr indent="-304800" lvl="3" marL="1828800">
               <a:spcBef>
                 <a:spcPts val="0"/>
               </a:spcBef>
@@ -3206,7 +3109,7 @@
               <a:buChar char="●"/>
               <a:defRPr sz="1200"/>
             </a:lvl4pPr>
-            <a:lvl5pPr marL="2286000" lvl="4" indent="-304800">
+            <a:lvl5pPr indent="-304800" lvl="4" marL="2286000">
               <a:spcBef>
                 <a:spcPts val="0"/>
               </a:spcBef>
@@ -3217,7 +3120,7 @@
               <a:buChar char="○"/>
               <a:defRPr sz="1200"/>
             </a:lvl5pPr>
-            <a:lvl6pPr marL="2743200" lvl="5" indent="-304800">
+            <a:lvl6pPr indent="-304800" lvl="5" marL="2743200">
               <a:spcBef>
                 <a:spcPts val="0"/>
               </a:spcBef>
@@ -3228,7 +3131,7 @@
               <a:buChar char="■"/>
               <a:defRPr sz="1200"/>
             </a:lvl6pPr>
-            <a:lvl7pPr marL="3200400" lvl="6" indent="-304800">
+            <a:lvl7pPr indent="-304800" lvl="6" marL="3200400">
               <a:spcBef>
                 <a:spcPts val="0"/>
               </a:spcBef>
@@ -3239,7 +3142,7 @@
               <a:buChar char="●"/>
               <a:defRPr sz="1200"/>
             </a:lvl7pPr>
-            <a:lvl8pPr marL="3657600" lvl="7" indent="-304800">
+            <a:lvl8pPr indent="-304800" lvl="7" marL="3657600">
               <a:spcBef>
                 <a:spcPts val="0"/>
               </a:spcBef>
@@ -3250,7 +3153,7 @@
               <a:buChar char="○"/>
               <a:defRPr sz="1200"/>
             </a:lvl8pPr>
-            <a:lvl9pPr marL="4114800" lvl="8" indent="-304800">
+            <a:lvl9pPr indent="-304800" lvl="8" marL="4114800">
               <a:spcBef>
                 <a:spcPts val="0"/>
               </a:spcBef>
@@ -3262,19 +3165,15 @@
               <a:defRPr sz="1200"/>
             </a:lvl9pPr>
           </a:lstStyle>
-          <a:p>
-            <a:endParaRPr/>
-          </a:p>
+          <a:p/>
         </p:txBody>
       </p:sp>
       <p:sp>
         <p:nvSpPr>
           <p:cNvPr id="23" name="Google Shape;23;p5"/>
-          <p:cNvSpPr txBox="1">
-            <a:spLocks noGrp="1"/>
-          </p:cNvSpPr>
+          <p:cNvSpPr txBox="1"/>
           <p:nvPr>
-            <p:ph type="body" idx="2"/>
+            <p:ph idx="2" type="body"/>
           </p:nvPr>
         </p:nvSpPr>
         <p:spPr>
@@ -3287,11 +3186,11 @@
           </a:prstGeom>
         </p:spPr>
         <p:txBody>
-          <a:bodyPr spcFirstLastPara="1" wrap="square" lIns="91425" tIns="91425" rIns="91425" bIns="91425" anchor="t" anchorCtr="0">
+          <a:bodyPr anchorCtr="0" anchor="t" bIns="91425" lIns="91425" spcFirstLastPara="1" rIns="91425" wrap="square" tIns="91425">
             <a:normAutofit/>
           </a:bodyPr>
           <a:lstStyle>
-            <a:lvl1pPr marL="457200" lvl="0" indent="-317500">
+            <a:lvl1pPr indent="-317500" lvl="0" marL="457200">
               <a:spcBef>
                 <a:spcPts val="0"/>
               </a:spcBef>
@@ -3302,7 +3201,7 @@
               <a:buChar char="●"/>
               <a:defRPr sz="1400"/>
             </a:lvl1pPr>
-            <a:lvl2pPr marL="914400" lvl="1" indent="-304800">
+            <a:lvl2pPr indent="-304800" lvl="1" marL="914400">
               <a:spcBef>
                 <a:spcPts val="0"/>
               </a:spcBef>
@@ -3313,7 +3212,7 @@
               <a:buChar char="○"/>
               <a:defRPr sz="1200"/>
             </a:lvl2pPr>
-            <a:lvl3pPr marL="1371600" lvl="2" indent="-304800">
+            <a:lvl3pPr indent="-304800" lvl="2" marL="1371600">
               <a:spcBef>
                 <a:spcPts val="0"/>
               </a:spcBef>
@@ -3324,7 +3223,7 @@
               <a:buChar char="■"/>
               <a:defRPr sz="1200"/>
             </a:lvl3pPr>
-            <a:lvl4pPr marL="1828800" lvl="3" indent="-304800">
+            <a:lvl4pPr indent="-304800" lvl="3" marL="1828800">
               <a:spcBef>
                 <a:spcPts val="0"/>
               </a:spcBef>
@@ -3335,7 +3234,7 @@
               <a:buChar char="●"/>
               <a:defRPr sz="1200"/>
             </a:lvl4pPr>
-            <a:lvl5pPr marL="2286000" lvl="4" indent="-304800">
+            <a:lvl5pPr indent="-304800" lvl="4" marL="2286000">
               <a:spcBef>
                 <a:spcPts val="0"/>
               </a:spcBef>
@@ -3346,7 +3245,7 @@
               <a:buChar char="○"/>
               <a:defRPr sz="1200"/>
             </a:lvl5pPr>
-            <a:lvl6pPr marL="2743200" lvl="5" indent="-304800">
+            <a:lvl6pPr indent="-304800" lvl="5" marL="2743200">
               <a:spcBef>
                 <a:spcPts val="0"/>
               </a:spcBef>
@@ -3357,7 +3256,7 @@
               <a:buChar char="■"/>
               <a:defRPr sz="1200"/>
             </a:lvl6pPr>
-            <a:lvl7pPr marL="3200400" lvl="6" indent="-304800">
+            <a:lvl7pPr indent="-304800" lvl="6" marL="3200400">
               <a:spcBef>
                 <a:spcPts val="0"/>
               </a:spcBef>
@@ -3368,7 +3267,7 @@
               <a:buChar char="●"/>
               <a:defRPr sz="1200"/>
             </a:lvl7pPr>
-            <a:lvl8pPr marL="3657600" lvl="7" indent="-304800">
+            <a:lvl8pPr indent="-304800" lvl="7" marL="3657600">
               <a:spcBef>
                 <a:spcPts val="0"/>
               </a:spcBef>
@@ -3379,7 +3278,7 @@
               <a:buChar char="○"/>
               <a:defRPr sz="1200"/>
             </a:lvl8pPr>
-            <a:lvl9pPr marL="4114800" lvl="8" indent="-304800">
+            <a:lvl9pPr indent="-304800" lvl="8" marL="4114800">
               <a:spcBef>
                 <a:spcPts val="0"/>
               </a:spcBef>
@@ -3391,19 +3290,15 @@
               <a:defRPr sz="1200"/>
             </a:lvl9pPr>
           </a:lstStyle>
-          <a:p>
-            <a:endParaRPr/>
-          </a:p>
+          <a:p/>
         </p:txBody>
       </p:sp>
       <p:sp>
         <p:nvSpPr>
           <p:cNvPr id="24" name="Google Shape;24;p5"/>
-          <p:cNvSpPr txBox="1">
-            <a:spLocks noGrp="1"/>
-          </p:cNvSpPr>
+          <p:cNvSpPr txBox="1"/>
           <p:nvPr>
-            <p:ph type="sldNum" idx="12"/>
+            <p:ph idx="12" type="sldNum"/>
           </p:nvPr>
         </p:nvSpPr>
         <p:spPr>
@@ -3416,7 +3311,7 @@
           </a:prstGeom>
         </p:spPr>
         <p:txBody>
-          <a:bodyPr spcFirstLastPara="1" wrap="square" lIns="91425" tIns="91425" rIns="91425" bIns="91425" anchor="ctr" anchorCtr="0">
+          <a:bodyPr anchorCtr="0" anchor="ctr" bIns="91425" lIns="91425" spcFirstLastPara="1" rIns="91425" wrap="square" tIns="91425">
             <a:normAutofit/>
           </a:bodyPr>
           <a:lstStyle>
@@ -3458,7 +3353,7 @@
             </a:lvl9pPr>
           </a:lstStyle>
           <a:p>
-            <a:pPr marL="0" lvl="0" indent="0" algn="r" rtl="0">
+            <a:pPr indent="0" lvl="0" marL="0" rtl="0" algn="r">
               <a:spcBef>
                 <a:spcPts val="0"/>
               </a:spcBef>
@@ -3484,11 +3379,11 @@
 </file>
 
 <file path=ppt/slideLayouts/slideLayout5.xml><?xml version="1.0" encoding="utf-8"?>
-<p:sldLayout xmlns:a="http://schemas.openxmlformats.org/drawingml/2006/main" xmlns:r="http://schemas.openxmlformats.org/officeDocument/2006/relationships" xmlns:p="http://schemas.openxmlformats.org/presentationml/2006/main" matchingName="Title only" type="titleOnly">
+<p:sldLayout xmlns:a="http://schemas.openxmlformats.org/drawingml/2006/main" xmlns:r="http://schemas.openxmlformats.org/officeDocument/2006/relationships" xmlns:mc="http://schemas.openxmlformats.org/markup-compatibility/2006" xmlns:mv="urn:schemas-microsoft-com:mac:vml" xmlns:p="http://schemas.openxmlformats.org/presentationml/2006/main" xmlns:c="http://schemas.openxmlformats.org/drawingml/2006/chart" xmlns:dgm="http://schemas.openxmlformats.org/drawingml/2006/diagram" xmlns:o="urn:schemas-microsoft-com:office:office" xmlns:v="urn:schemas-microsoft-com:vml" xmlns:pvml="urn:schemas-microsoft-com:office:powerpoint" xmlns:com="http://schemas.openxmlformats.org/drawingml/2006/compatibility" xmlns:p14="http://schemas.microsoft.com/office/powerpoint/2010/main" xmlns:p15="http://schemas.microsoft.com/office/powerpoint/2012/main" xmlns:ahyp="http://schemas.microsoft.com/office/drawing/2018/hyperlinkcolor" matchingName="Title only" type="titleOnly">
   <p:cSld name="TITLE_ONLY">
     <p:spTree>
       <p:nvGrpSpPr>
-        <p:cNvPr id="1" name="Shape 25"/>
+        <p:cNvPr id="25" name="Shape 25"/>
         <p:cNvGrpSpPr/>
         <p:nvPr/>
       </p:nvGrpSpPr>
@@ -3503,9 +3398,7 @@
       <p:sp>
         <p:nvSpPr>
           <p:cNvPr id="26" name="Google Shape;26;p6"/>
-          <p:cNvSpPr txBox="1">
-            <a:spLocks noGrp="1"/>
-          </p:cNvSpPr>
+          <p:cNvSpPr txBox="1"/>
           <p:nvPr>
             <p:ph type="title"/>
           </p:nvPr>
@@ -3520,7 +3413,7 @@
           </a:prstGeom>
         </p:spPr>
         <p:txBody>
-          <a:bodyPr spcFirstLastPara="1" wrap="square" lIns="91425" tIns="91425" rIns="91425" bIns="91425" anchor="t" anchorCtr="0">
+          <a:bodyPr anchorCtr="0" anchor="t" bIns="91425" lIns="91425" spcFirstLastPara="1" rIns="91425" wrap="square" tIns="91425">
             <a:normAutofit/>
           </a:bodyPr>
           <a:lstStyle>
@@ -3624,19 +3517,15 @@
               <a:defRPr/>
             </a:lvl9pPr>
           </a:lstStyle>
-          <a:p>
-            <a:endParaRPr/>
-          </a:p>
+          <a:p/>
         </p:txBody>
       </p:sp>
       <p:sp>
         <p:nvSpPr>
           <p:cNvPr id="27" name="Google Shape;27;p6"/>
-          <p:cNvSpPr txBox="1">
-            <a:spLocks noGrp="1"/>
-          </p:cNvSpPr>
+          <p:cNvSpPr txBox="1"/>
           <p:nvPr>
-            <p:ph type="sldNum" idx="12"/>
+            <p:ph idx="12" type="sldNum"/>
           </p:nvPr>
         </p:nvSpPr>
         <p:spPr>
@@ -3649,7 +3538,7 @@
           </a:prstGeom>
         </p:spPr>
         <p:txBody>
-          <a:bodyPr spcFirstLastPara="1" wrap="square" lIns="91425" tIns="91425" rIns="91425" bIns="91425" anchor="ctr" anchorCtr="0">
+          <a:bodyPr anchorCtr="0" anchor="ctr" bIns="91425" lIns="91425" spcFirstLastPara="1" rIns="91425" wrap="square" tIns="91425">
             <a:normAutofit/>
           </a:bodyPr>
           <a:lstStyle>
@@ -3691,7 +3580,7 @@
             </a:lvl9pPr>
           </a:lstStyle>
           <a:p>
-            <a:pPr marL="0" lvl="0" indent="0" algn="r" rtl="0">
+            <a:pPr indent="0" lvl="0" marL="0" rtl="0" algn="r">
               <a:spcBef>
                 <a:spcPts val="0"/>
               </a:spcBef>
@@ -3717,11 +3606,11 @@
 </file>
 
 <file path=ppt/slideLayouts/slideLayout6.xml><?xml version="1.0" encoding="utf-8"?>
-<p:sldLayout xmlns:a="http://schemas.openxmlformats.org/drawingml/2006/main" xmlns:r="http://schemas.openxmlformats.org/officeDocument/2006/relationships" xmlns:p="http://schemas.openxmlformats.org/presentationml/2006/main" matchingName="One column text">
+<p:sldLayout xmlns:a="http://schemas.openxmlformats.org/drawingml/2006/main" xmlns:r="http://schemas.openxmlformats.org/officeDocument/2006/relationships" xmlns:mc="http://schemas.openxmlformats.org/markup-compatibility/2006" xmlns:mv="urn:schemas-microsoft-com:mac:vml" xmlns:p="http://schemas.openxmlformats.org/presentationml/2006/main" xmlns:c="http://schemas.openxmlformats.org/drawingml/2006/chart" xmlns:dgm="http://schemas.openxmlformats.org/drawingml/2006/diagram" xmlns:o="urn:schemas-microsoft-com:office:office" xmlns:v="urn:schemas-microsoft-com:vml" xmlns:pvml="urn:schemas-microsoft-com:office:powerpoint" xmlns:com="http://schemas.openxmlformats.org/drawingml/2006/compatibility" xmlns:p14="http://schemas.microsoft.com/office/powerpoint/2010/main" xmlns:p15="http://schemas.microsoft.com/office/powerpoint/2012/main" xmlns:ahyp="http://schemas.microsoft.com/office/drawing/2018/hyperlinkcolor" matchingName="One column text">
   <p:cSld name="ONE_COLUMN_TEXT">
     <p:spTree>
       <p:nvGrpSpPr>
-        <p:cNvPr id="1" name="Shape 28"/>
+        <p:cNvPr id="28" name="Shape 28"/>
         <p:cNvGrpSpPr/>
         <p:nvPr/>
       </p:nvGrpSpPr>
@@ -3736,9 +3625,7 @@
       <p:sp>
         <p:nvSpPr>
           <p:cNvPr id="29" name="Google Shape;29;p7"/>
-          <p:cNvSpPr txBox="1">
-            <a:spLocks noGrp="1"/>
-          </p:cNvSpPr>
+          <p:cNvSpPr txBox="1"/>
           <p:nvPr>
             <p:ph type="title"/>
           </p:nvPr>
@@ -3753,7 +3640,7 @@
           </a:prstGeom>
         </p:spPr>
         <p:txBody>
-          <a:bodyPr spcFirstLastPara="1" wrap="square" lIns="91425" tIns="91425" rIns="91425" bIns="91425" anchor="b" anchorCtr="0">
+          <a:bodyPr anchorCtr="0" anchor="b" bIns="91425" lIns="91425" spcFirstLastPara="1" rIns="91425" wrap="square" tIns="91425">
             <a:normAutofit/>
           </a:bodyPr>
           <a:lstStyle>
@@ -3857,19 +3744,15 @@
               <a:defRPr sz="2400"/>
             </a:lvl9pPr>
           </a:lstStyle>
-          <a:p>
-            <a:endParaRPr/>
-          </a:p>
+          <a:p/>
         </p:txBody>
       </p:sp>
       <p:sp>
         <p:nvSpPr>
           <p:cNvPr id="30" name="Google Shape;30;p7"/>
-          <p:cNvSpPr txBox="1">
-            <a:spLocks noGrp="1"/>
-          </p:cNvSpPr>
+          <p:cNvSpPr txBox="1"/>
           <p:nvPr>
-            <p:ph type="body" idx="1"/>
+            <p:ph idx="1" type="body"/>
           </p:nvPr>
         </p:nvSpPr>
         <p:spPr>
@@ -3882,11 +3765,11 @@
           </a:prstGeom>
         </p:spPr>
         <p:txBody>
-          <a:bodyPr spcFirstLastPara="1" wrap="square" lIns="91425" tIns="91425" rIns="91425" bIns="91425" anchor="t" anchorCtr="0">
+          <a:bodyPr anchorCtr="0" anchor="t" bIns="91425" lIns="91425" spcFirstLastPara="1" rIns="91425" wrap="square" tIns="91425">
             <a:normAutofit/>
           </a:bodyPr>
           <a:lstStyle>
-            <a:lvl1pPr marL="457200" lvl="0" indent="-304800">
+            <a:lvl1pPr indent="-304800" lvl="0" marL="457200">
               <a:spcBef>
                 <a:spcPts val="0"/>
               </a:spcBef>
@@ -3897,7 +3780,7 @@
               <a:buChar char="●"/>
               <a:defRPr sz="1200"/>
             </a:lvl1pPr>
-            <a:lvl2pPr marL="914400" lvl="1" indent="-304800">
+            <a:lvl2pPr indent="-304800" lvl="1" marL="914400">
               <a:spcBef>
                 <a:spcPts val="0"/>
               </a:spcBef>
@@ -3908,7 +3791,7 @@
               <a:buChar char="○"/>
               <a:defRPr sz="1200"/>
             </a:lvl2pPr>
-            <a:lvl3pPr marL="1371600" lvl="2" indent="-304800">
+            <a:lvl3pPr indent="-304800" lvl="2" marL="1371600">
               <a:spcBef>
                 <a:spcPts val="0"/>
               </a:spcBef>
@@ -3919,7 +3802,7 @@
               <a:buChar char="■"/>
               <a:defRPr sz="1200"/>
             </a:lvl3pPr>
-            <a:lvl4pPr marL="1828800" lvl="3" indent="-304800">
+            <a:lvl4pPr indent="-304800" lvl="3" marL="1828800">
               <a:spcBef>
                 <a:spcPts val="0"/>
               </a:spcBef>
@@ -3930,7 +3813,7 @@
               <a:buChar char="●"/>
               <a:defRPr sz="1200"/>
             </a:lvl4pPr>
-            <a:lvl5pPr marL="2286000" lvl="4" indent="-304800">
+            <a:lvl5pPr indent="-304800" lvl="4" marL="2286000">
               <a:spcBef>
                 <a:spcPts val="0"/>
               </a:spcBef>
@@ -3941,7 +3824,7 @@
               <a:buChar char="○"/>
               <a:defRPr sz="1200"/>
             </a:lvl5pPr>
-            <a:lvl6pPr marL="2743200" lvl="5" indent="-304800">
+            <a:lvl6pPr indent="-304800" lvl="5" marL="2743200">
               <a:spcBef>
                 <a:spcPts val="0"/>
               </a:spcBef>
@@ -3952,7 +3835,7 @@
               <a:buChar char="■"/>
               <a:defRPr sz="1200"/>
             </a:lvl6pPr>
-            <a:lvl7pPr marL="3200400" lvl="6" indent="-304800">
+            <a:lvl7pPr indent="-304800" lvl="6" marL="3200400">
               <a:spcBef>
                 <a:spcPts val="0"/>
               </a:spcBef>
@@ -3963,7 +3846,7 @@
               <a:buChar char="●"/>
               <a:defRPr sz="1200"/>
             </a:lvl7pPr>
-            <a:lvl8pPr marL="3657600" lvl="7" indent="-304800">
+            <a:lvl8pPr indent="-304800" lvl="7" marL="3657600">
               <a:spcBef>
                 <a:spcPts val="0"/>
               </a:spcBef>
@@ -3974,7 +3857,7 @@
               <a:buChar char="○"/>
               <a:defRPr sz="1200"/>
             </a:lvl8pPr>
-            <a:lvl9pPr marL="4114800" lvl="8" indent="-304800">
+            <a:lvl9pPr indent="-304800" lvl="8" marL="4114800">
               <a:spcBef>
                 <a:spcPts val="0"/>
               </a:spcBef>
@@ -3986,19 +3869,15 @@
               <a:defRPr sz="1200"/>
             </a:lvl9pPr>
           </a:lstStyle>
-          <a:p>
-            <a:endParaRPr/>
-          </a:p>
+          <a:p/>
         </p:txBody>
       </p:sp>
       <p:sp>
         <p:nvSpPr>
           <p:cNvPr id="31" name="Google Shape;31;p7"/>
-          <p:cNvSpPr txBox="1">
-            <a:spLocks noGrp="1"/>
-          </p:cNvSpPr>
+          <p:cNvSpPr txBox="1"/>
           <p:nvPr>
-            <p:ph type="sldNum" idx="12"/>
+            <p:ph idx="12" type="sldNum"/>
           </p:nvPr>
         </p:nvSpPr>
         <p:spPr>
@@ -4011,7 +3890,7 @@
           </a:prstGeom>
         </p:spPr>
         <p:txBody>
-          <a:bodyPr spcFirstLastPara="1" wrap="square" lIns="91425" tIns="91425" rIns="91425" bIns="91425" anchor="ctr" anchorCtr="0">
+          <a:bodyPr anchorCtr="0" anchor="ctr" bIns="91425" lIns="91425" spcFirstLastPara="1" rIns="91425" wrap="square" tIns="91425">
             <a:normAutofit/>
           </a:bodyPr>
           <a:lstStyle>
@@ -4053,7 +3932,7 @@
             </a:lvl9pPr>
           </a:lstStyle>
           <a:p>
-            <a:pPr marL="0" lvl="0" indent="0" algn="r" rtl="0">
+            <a:pPr indent="0" lvl="0" marL="0" rtl="0" algn="r">
               <a:spcBef>
                 <a:spcPts val="0"/>
               </a:spcBef>
@@ -4079,11 +3958,11 @@
 </file>
 
 <file path=ppt/slideLayouts/slideLayout7.xml><?xml version="1.0" encoding="utf-8"?>
-<p:sldLayout xmlns:a="http://schemas.openxmlformats.org/drawingml/2006/main" xmlns:r="http://schemas.openxmlformats.org/officeDocument/2006/relationships" xmlns:p="http://schemas.openxmlformats.org/presentationml/2006/main" matchingName="Main point">
+<p:sldLayout xmlns:a="http://schemas.openxmlformats.org/drawingml/2006/main" xmlns:r="http://schemas.openxmlformats.org/officeDocument/2006/relationships" xmlns:mc="http://schemas.openxmlformats.org/markup-compatibility/2006" xmlns:mv="urn:schemas-microsoft-com:mac:vml" xmlns:p="http://schemas.openxmlformats.org/presentationml/2006/main" xmlns:c="http://schemas.openxmlformats.org/drawingml/2006/chart" xmlns:dgm="http://schemas.openxmlformats.org/drawingml/2006/diagram" xmlns:o="urn:schemas-microsoft-com:office:office" xmlns:v="urn:schemas-microsoft-com:vml" xmlns:pvml="urn:schemas-microsoft-com:office:powerpoint" xmlns:com="http://schemas.openxmlformats.org/drawingml/2006/compatibility" xmlns:p14="http://schemas.microsoft.com/office/powerpoint/2010/main" xmlns:p15="http://schemas.microsoft.com/office/powerpoint/2012/main" xmlns:ahyp="http://schemas.microsoft.com/office/drawing/2018/hyperlinkcolor" matchingName="Main point">
   <p:cSld name="MAIN_POINT">
     <p:spTree>
       <p:nvGrpSpPr>
-        <p:cNvPr id="1" name="Shape 32"/>
+        <p:cNvPr id="32" name="Shape 32"/>
         <p:cNvGrpSpPr/>
         <p:nvPr/>
       </p:nvGrpSpPr>
@@ -4098,9 +3977,7 @@
       <p:sp>
         <p:nvSpPr>
           <p:cNvPr id="33" name="Google Shape;33;p8"/>
-          <p:cNvSpPr txBox="1">
-            <a:spLocks noGrp="1"/>
-          </p:cNvSpPr>
+          <p:cNvSpPr txBox="1"/>
           <p:nvPr>
             <p:ph type="title"/>
           </p:nvPr>
@@ -4115,7 +3992,7 @@
           </a:prstGeom>
         </p:spPr>
         <p:txBody>
-          <a:bodyPr spcFirstLastPara="1" wrap="square" lIns="91425" tIns="91425" rIns="91425" bIns="91425" anchor="ctr" anchorCtr="0">
+          <a:bodyPr anchorCtr="0" anchor="ctr" bIns="91425" lIns="91425" spcFirstLastPara="1" rIns="91425" wrap="square" tIns="91425">
             <a:normAutofit/>
           </a:bodyPr>
           <a:lstStyle>
@@ -4219,19 +4096,15 @@
               <a:defRPr sz="4800"/>
             </a:lvl9pPr>
           </a:lstStyle>
-          <a:p>
-            <a:endParaRPr/>
-          </a:p>
+          <a:p/>
         </p:txBody>
       </p:sp>
       <p:sp>
         <p:nvSpPr>
           <p:cNvPr id="34" name="Google Shape;34;p8"/>
-          <p:cNvSpPr txBox="1">
-            <a:spLocks noGrp="1"/>
-          </p:cNvSpPr>
+          <p:cNvSpPr txBox="1"/>
           <p:nvPr>
-            <p:ph type="sldNum" idx="12"/>
+            <p:ph idx="12" type="sldNum"/>
           </p:nvPr>
         </p:nvSpPr>
         <p:spPr>
@@ -4244,7 +4117,7 @@
           </a:prstGeom>
         </p:spPr>
         <p:txBody>
-          <a:bodyPr spcFirstLastPara="1" wrap="square" lIns="91425" tIns="91425" rIns="91425" bIns="91425" anchor="ctr" anchorCtr="0">
+          <a:bodyPr anchorCtr="0" anchor="ctr" bIns="91425" lIns="91425" spcFirstLastPara="1" rIns="91425" wrap="square" tIns="91425">
             <a:normAutofit/>
           </a:bodyPr>
           <a:lstStyle>
@@ -4286,7 +4159,7 @@
             </a:lvl9pPr>
           </a:lstStyle>
           <a:p>
-            <a:pPr marL="0" lvl="0" indent="0" algn="r" rtl="0">
+            <a:pPr indent="0" lvl="0" marL="0" rtl="0" algn="r">
               <a:spcBef>
                 <a:spcPts val="0"/>
               </a:spcBef>
@@ -4312,11 +4185,11 @@
 </file>
 
 <file path=ppt/slideLayouts/slideLayout8.xml><?xml version="1.0" encoding="utf-8"?>
-<p:sldLayout xmlns:a="http://schemas.openxmlformats.org/drawingml/2006/main" xmlns:r="http://schemas.openxmlformats.org/officeDocument/2006/relationships" xmlns:p="http://schemas.openxmlformats.org/presentationml/2006/main" matchingName="Section title and description">
+<p:sldLayout xmlns:a="http://schemas.openxmlformats.org/drawingml/2006/main" xmlns:r="http://schemas.openxmlformats.org/officeDocument/2006/relationships" xmlns:mc="http://schemas.openxmlformats.org/markup-compatibility/2006" xmlns:mv="urn:schemas-microsoft-com:mac:vml" xmlns:p="http://schemas.openxmlformats.org/presentationml/2006/main" xmlns:c="http://schemas.openxmlformats.org/drawingml/2006/chart" xmlns:dgm="http://schemas.openxmlformats.org/drawingml/2006/diagram" xmlns:o="urn:schemas-microsoft-com:office:office" xmlns:v="urn:schemas-microsoft-com:vml" xmlns:pvml="urn:schemas-microsoft-com:office:powerpoint" xmlns:com="http://schemas.openxmlformats.org/drawingml/2006/compatibility" xmlns:p14="http://schemas.microsoft.com/office/powerpoint/2010/main" xmlns:p15="http://schemas.microsoft.com/office/powerpoint/2012/main" xmlns:ahyp="http://schemas.microsoft.com/office/drawing/2018/hyperlinkcolor" matchingName="Section title and description">
   <p:cSld name="SECTION_TITLE_AND_DESCRIPTION">
     <p:spTree>
       <p:nvGrpSpPr>
-        <p:cNvPr id="1" name="Shape 35"/>
+        <p:cNvPr id="35" name="Shape 35"/>
         <p:cNvGrpSpPr/>
         <p:nvPr/>
       </p:nvGrpSpPr>
@@ -4350,12 +4223,12 @@
           </a:ln>
         </p:spPr>
         <p:txBody>
-          <a:bodyPr spcFirstLastPara="1" wrap="square" lIns="91425" tIns="91425" rIns="91425" bIns="91425" anchor="ctr" anchorCtr="0">
+          <a:bodyPr anchorCtr="0" anchor="ctr" bIns="91425" lIns="91425" spcFirstLastPara="1" rIns="91425" wrap="square" tIns="91425">
             <a:noAutofit/>
           </a:bodyPr>
           <a:lstStyle/>
           <a:p>
-            <a:pPr marL="0" lvl="0" indent="0" algn="l" rtl="0">
+            <a:pPr indent="0" lvl="0" marL="0" rtl="0" algn="l">
               <a:spcBef>
                 <a:spcPts val="0"/>
               </a:spcBef>
@@ -4364,6 +4237,9 @@
               </a:spcAft>
               <a:buNone/>
             </a:pPr>
+            <a:r>
+              <a:t/>
+            </a:r>
             <a:endParaRPr/>
           </a:p>
         </p:txBody>
@@ -4371,9 +4247,7 @@
       <p:sp>
         <p:nvSpPr>
           <p:cNvPr id="37" name="Google Shape;37;p9"/>
-          <p:cNvSpPr txBox="1">
-            <a:spLocks noGrp="1"/>
-          </p:cNvSpPr>
+          <p:cNvSpPr txBox="1"/>
           <p:nvPr>
             <p:ph type="title"/>
           </p:nvPr>
@@ -4388,7 +4262,7 @@
           </a:prstGeom>
         </p:spPr>
         <p:txBody>
-          <a:bodyPr spcFirstLastPara="1" wrap="square" lIns="91425" tIns="91425" rIns="91425" bIns="91425" anchor="b" anchorCtr="0">
+          <a:bodyPr anchorCtr="0" anchor="b" bIns="91425" lIns="91425" spcFirstLastPara="1" rIns="91425" wrap="square" tIns="91425">
             <a:normAutofit/>
           </a:bodyPr>
           <a:lstStyle>
@@ -4492,19 +4366,15 @@
               <a:defRPr sz="4200"/>
             </a:lvl9pPr>
           </a:lstStyle>
-          <a:p>
-            <a:endParaRPr/>
-          </a:p>
+          <a:p/>
         </p:txBody>
       </p:sp>
       <p:sp>
         <p:nvSpPr>
           <p:cNvPr id="38" name="Google Shape;38;p9"/>
-          <p:cNvSpPr txBox="1">
-            <a:spLocks noGrp="1"/>
-          </p:cNvSpPr>
+          <p:cNvSpPr txBox="1"/>
           <p:nvPr>
-            <p:ph type="subTitle" idx="1"/>
+            <p:ph idx="1" type="subTitle"/>
           </p:nvPr>
         </p:nvSpPr>
         <p:spPr>
@@ -4517,7 +4387,7 @@
           </a:prstGeom>
         </p:spPr>
         <p:txBody>
-          <a:bodyPr spcFirstLastPara="1" wrap="square" lIns="91425" tIns="91425" rIns="91425" bIns="91425" anchor="t" anchorCtr="0">
+          <a:bodyPr anchorCtr="0" anchor="t" bIns="91425" lIns="91425" spcFirstLastPara="1" rIns="91425" wrap="square" tIns="91425">
             <a:normAutofit/>
           </a:bodyPr>
           <a:lstStyle>
@@ -4648,19 +4518,15 @@
               <a:defRPr sz="2100"/>
             </a:lvl9pPr>
           </a:lstStyle>
-          <a:p>
-            <a:endParaRPr/>
-          </a:p>
+          <a:p/>
         </p:txBody>
       </p:sp>
       <p:sp>
         <p:nvSpPr>
           <p:cNvPr id="39" name="Google Shape;39;p9"/>
-          <p:cNvSpPr txBox="1">
-            <a:spLocks noGrp="1"/>
-          </p:cNvSpPr>
+          <p:cNvSpPr txBox="1"/>
           <p:nvPr>
-            <p:ph type="body" idx="2"/>
+            <p:ph idx="2" type="body"/>
           </p:nvPr>
         </p:nvSpPr>
         <p:spPr>
@@ -4673,11 +4539,11 @@
           </a:prstGeom>
         </p:spPr>
         <p:txBody>
-          <a:bodyPr spcFirstLastPara="1" wrap="square" lIns="91425" tIns="91425" rIns="91425" bIns="91425" anchor="ctr" anchorCtr="0">
+          <a:bodyPr anchorCtr="0" anchor="ctr" bIns="91425" lIns="91425" spcFirstLastPara="1" rIns="91425" wrap="square" tIns="91425">
             <a:normAutofit/>
           </a:bodyPr>
           <a:lstStyle>
-            <a:lvl1pPr marL="457200" lvl="0" indent="-342900">
+            <a:lvl1pPr indent="-342900" lvl="0" marL="457200">
               <a:spcBef>
                 <a:spcPts val="0"/>
               </a:spcBef>
@@ -4688,7 +4554,7 @@
               <a:buChar char="●"/>
               <a:defRPr/>
             </a:lvl1pPr>
-            <a:lvl2pPr marL="914400" lvl="1" indent="-317500">
+            <a:lvl2pPr indent="-317500" lvl="1" marL="914400">
               <a:spcBef>
                 <a:spcPts val="0"/>
               </a:spcBef>
@@ -4699,7 +4565,7 @@
               <a:buChar char="○"/>
               <a:defRPr/>
             </a:lvl2pPr>
-            <a:lvl3pPr marL="1371600" lvl="2" indent="-317500">
+            <a:lvl3pPr indent="-317500" lvl="2" marL="1371600">
               <a:spcBef>
                 <a:spcPts val="0"/>
               </a:spcBef>
@@ -4710,7 +4576,7 @@
               <a:buChar char="■"/>
               <a:defRPr/>
             </a:lvl3pPr>
-            <a:lvl4pPr marL="1828800" lvl="3" indent="-317500">
+            <a:lvl4pPr indent="-317500" lvl="3" marL="1828800">
               <a:spcBef>
                 <a:spcPts val="0"/>
               </a:spcBef>
@@ -4721,7 +4587,7 @@
               <a:buChar char="●"/>
               <a:defRPr/>
             </a:lvl4pPr>
-            <a:lvl5pPr marL="2286000" lvl="4" indent="-317500">
+            <a:lvl5pPr indent="-317500" lvl="4" marL="2286000">
               <a:spcBef>
                 <a:spcPts val="0"/>
               </a:spcBef>
@@ -4732,7 +4598,7 @@
               <a:buChar char="○"/>
               <a:defRPr/>
             </a:lvl5pPr>
-            <a:lvl6pPr marL="2743200" lvl="5" indent="-317500">
+            <a:lvl6pPr indent="-317500" lvl="5" marL="2743200">
               <a:spcBef>
                 <a:spcPts val="0"/>
               </a:spcBef>
@@ -4743,7 +4609,7 @@
               <a:buChar char="■"/>
               <a:defRPr/>
             </a:lvl6pPr>
-            <a:lvl7pPr marL="3200400" lvl="6" indent="-317500">
+            <a:lvl7pPr indent="-317500" lvl="6" marL="3200400">
               <a:spcBef>
                 <a:spcPts val="0"/>
               </a:spcBef>
@@ -4754,7 +4620,7 @@
               <a:buChar char="●"/>
               <a:defRPr/>
             </a:lvl7pPr>
-            <a:lvl8pPr marL="3657600" lvl="7" indent="-317500">
+            <a:lvl8pPr indent="-317500" lvl="7" marL="3657600">
               <a:spcBef>
                 <a:spcPts val="0"/>
               </a:spcBef>
@@ -4765,7 +4631,7 @@
               <a:buChar char="○"/>
               <a:defRPr/>
             </a:lvl8pPr>
-            <a:lvl9pPr marL="4114800" lvl="8" indent="-317500">
+            <a:lvl9pPr indent="-317500" lvl="8" marL="4114800">
               <a:spcBef>
                 <a:spcPts val="0"/>
               </a:spcBef>
@@ -4777,19 +4643,15 @@
               <a:defRPr/>
             </a:lvl9pPr>
           </a:lstStyle>
-          <a:p>
-            <a:endParaRPr/>
-          </a:p>
+          <a:p/>
         </p:txBody>
       </p:sp>
       <p:sp>
         <p:nvSpPr>
           <p:cNvPr id="40" name="Google Shape;40;p9"/>
-          <p:cNvSpPr txBox="1">
-            <a:spLocks noGrp="1"/>
-          </p:cNvSpPr>
+          <p:cNvSpPr txBox="1"/>
           <p:nvPr>
-            <p:ph type="sldNum" idx="12"/>
+            <p:ph idx="12" type="sldNum"/>
           </p:nvPr>
         </p:nvSpPr>
         <p:spPr>
@@ -4802,7 +4664,7 @@
           </a:prstGeom>
         </p:spPr>
         <p:txBody>
-          <a:bodyPr spcFirstLastPara="1" wrap="square" lIns="91425" tIns="91425" rIns="91425" bIns="91425" anchor="ctr" anchorCtr="0">
+          <a:bodyPr anchorCtr="0" anchor="ctr" bIns="91425" lIns="91425" spcFirstLastPara="1" rIns="91425" wrap="square" tIns="91425">
             <a:normAutofit/>
           </a:bodyPr>
           <a:lstStyle>
@@ -4844,7 +4706,7 @@
             </a:lvl9pPr>
           </a:lstStyle>
           <a:p>
-            <a:pPr marL="0" lvl="0" indent="0" algn="r" rtl="0">
+            <a:pPr indent="0" lvl="0" marL="0" rtl="0" algn="r">
               <a:spcBef>
                 <a:spcPts val="0"/>
               </a:spcBef>
@@ -4870,11 +4732,11 @@
 </file>
 
 <file path=ppt/slideLayouts/slideLayout9.xml><?xml version="1.0" encoding="utf-8"?>
-<p:sldLayout xmlns:a="http://schemas.openxmlformats.org/drawingml/2006/main" xmlns:r="http://schemas.openxmlformats.org/officeDocument/2006/relationships" xmlns:p="http://schemas.openxmlformats.org/presentationml/2006/main" matchingName="Caption">
+<p:sldLayout xmlns:a="http://schemas.openxmlformats.org/drawingml/2006/main" xmlns:r="http://schemas.openxmlformats.org/officeDocument/2006/relationships" xmlns:mc="http://schemas.openxmlformats.org/markup-compatibility/2006" xmlns:mv="urn:schemas-microsoft-com:mac:vml" xmlns:p="http://schemas.openxmlformats.org/presentationml/2006/main" xmlns:c="http://schemas.openxmlformats.org/drawingml/2006/chart" xmlns:dgm="http://schemas.openxmlformats.org/drawingml/2006/diagram" xmlns:o="urn:schemas-microsoft-com:office:office" xmlns:v="urn:schemas-microsoft-com:vml" xmlns:pvml="urn:schemas-microsoft-com:office:powerpoint" xmlns:com="http://schemas.openxmlformats.org/drawingml/2006/compatibility" xmlns:p14="http://schemas.microsoft.com/office/powerpoint/2010/main" xmlns:p15="http://schemas.microsoft.com/office/powerpoint/2012/main" xmlns:ahyp="http://schemas.microsoft.com/office/drawing/2018/hyperlinkcolor" matchingName="Caption">
   <p:cSld name="CAPTION_ONLY">
     <p:spTree>
       <p:nvGrpSpPr>
-        <p:cNvPr id="1" name="Shape 41"/>
+        <p:cNvPr id="41" name="Shape 41"/>
         <p:cNvGrpSpPr/>
         <p:nvPr/>
       </p:nvGrpSpPr>
@@ -4889,11 +4751,9 @@
       <p:sp>
         <p:nvSpPr>
           <p:cNvPr id="42" name="Google Shape;42;p10"/>
-          <p:cNvSpPr txBox="1">
-            <a:spLocks noGrp="1"/>
-          </p:cNvSpPr>
+          <p:cNvSpPr txBox="1"/>
           <p:nvPr>
-            <p:ph type="body" idx="1"/>
+            <p:ph idx="1" type="body"/>
           </p:nvPr>
         </p:nvSpPr>
         <p:spPr>
@@ -4906,11 +4766,11 @@
           </a:prstGeom>
         </p:spPr>
         <p:txBody>
-          <a:bodyPr spcFirstLastPara="1" wrap="square" lIns="91425" tIns="91425" rIns="91425" bIns="91425" anchor="ctr" anchorCtr="0">
+          <a:bodyPr anchorCtr="0" anchor="ctr" bIns="91425" lIns="91425" spcFirstLastPara="1" rIns="91425" wrap="square" tIns="91425">
             <a:normAutofit/>
           </a:bodyPr>
           <a:lstStyle>
-            <a:lvl1pPr marL="457200" lvl="0" indent="-228600">
+            <a:lvl1pPr indent="-228600" lvl="0" marL="457200">
               <a:lnSpc>
                 <a:spcPct val="100000"/>
               </a:lnSpc>
@@ -4925,19 +4785,15 @@
               <a:defRPr/>
             </a:lvl1pPr>
           </a:lstStyle>
-          <a:p>
-            <a:endParaRPr/>
-          </a:p>
+          <a:p/>
         </p:txBody>
       </p:sp>
       <p:sp>
         <p:nvSpPr>
           <p:cNvPr id="43" name="Google Shape;43;p10"/>
-          <p:cNvSpPr txBox="1">
-            <a:spLocks noGrp="1"/>
-          </p:cNvSpPr>
+          <p:cNvSpPr txBox="1"/>
           <p:nvPr>
-            <p:ph type="sldNum" idx="12"/>
+            <p:ph idx="12" type="sldNum"/>
           </p:nvPr>
         </p:nvSpPr>
         <p:spPr>
@@ -4950,7 +4806,7 @@
           </a:prstGeom>
         </p:spPr>
         <p:txBody>
-          <a:bodyPr spcFirstLastPara="1" wrap="square" lIns="91425" tIns="91425" rIns="91425" bIns="91425" anchor="ctr" anchorCtr="0">
+          <a:bodyPr anchorCtr="0" anchor="ctr" bIns="91425" lIns="91425" spcFirstLastPara="1" rIns="91425" wrap="square" tIns="91425">
             <a:normAutofit/>
           </a:bodyPr>
           <a:lstStyle>
@@ -4992,7 +4848,7 @@
             </a:lvl9pPr>
           </a:lstStyle>
           <a:p>
-            <a:pPr marL="0" lvl="0" indent="0" algn="r" rtl="0">
+            <a:pPr indent="0" lvl="0" marL="0" rtl="0" algn="r">
               <a:spcBef>
                 <a:spcPts val="0"/>
               </a:spcBef>
@@ -5018,19 +4874,18 @@
 </file>
 
 <file path=ppt/slideMasters/slideMaster1.xml><?xml version="1.0" encoding="utf-8"?>
-<p:sldMaster xmlns:a="http://schemas.openxmlformats.org/drawingml/2006/main" xmlns:r="http://schemas.openxmlformats.org/officeDocument/2006/relationships" xmlns:p="http://schemas.openxmlformats.org/presentationml/2006/main">
+<p:sldMaster xmlns:a="http://schemas.openxmlformats.org/drawingml/2006/main" xmlns:r="http://schemas.openxmlformats.org/officeDocument/2006/relationships" xmlns:mc="http://schemas.openxmlformats.org/markup-compatibility/2006" xmlns:mv="urn:schemas-microsoft-com:mac:vml" xmlns:p="http://schemas.openxmlformats.org/presentationml/2006/main" xmlns:c="http://schemas.openxmlformats.org/drawingml/2006/chart" xmlns:dgm="http://schemas.openxmlformats.org/drawingml/2006/diagram" xmlns:o="urn:schemas-microsoft-com:office:office" xmlns:v="urn:schemas-microsoft-com:vml" xmlns:pvml="urn:schemas-microsoft-com:office:powerpoint" xmlns:com="http://schemas.openxmlformats.org/drawingml/2006/compatibility" xmlns:p14="http://schemas.microsoft.com/office/powerpoint/2010/main" xmlns:p15="http://schemas.microsoft.com/office/powerpoint/2012/main" xmlns:ahyp="http://schemas.microsoft.com/office/drawing/2018/hyperlinkcolor">
   <p:cSld name="simple-light-2">
     <p:bg>
       <p:bgPr>
         <a:solidFill>
           <a:schemeClr val="lt1"/>
         </a:solidFill>
-        <a:effectLst/>
       </p:bgPr>
     </p:bg>
     <p:spTree>
       <p:nvGrpSpPr>
-        <p:cNvPr id="1" name="Shape 5"/>
+        <p:cNvPr id="5" name="Shape 5"/>
         <p:cNvGrpSpPr/>
         <p:nvPr/>
       </p:nvGrpSpPr>
@@ -5045,9 +4900,7 @@
       <p:sp>
         <p:nvSpPr>
           <p:cNvPr id="6" name="Google Shape;6;p1"/>
-          <p:cNvSpPr txBox="1">
-            <a:spLocks noGrp="1"/>
-          </p:cNvSpPr>
+          <p:cNvSpPr txBox="1"/>
           <p:nvPr>
             <p:ph type="title"/>
           </p:nvPr>
@@ -5066,7 +4919,7 @@
           </a:ln>
         </p:spPr>
         <p:txBody>
-          <a:bodyPr spcFirstLastPara="1" wrap="square" lIns="91425" tIns="91425" rIns="91425" bIns="91425" anchor="t" anchorCtr="0">
+          <a:bodyPr anchorCtr="0" anchor="t" bIns="91425" lIns="91425" spcFirstLastPara="1" rIns="91425" wrap="square" tIns="91425">
             <a:normAutofit/>
           </a:bodyPr>
           <a:lstStyle>
@@ -5233,19 +5086,15 @@
               </a:defRPr>
             </a:lvl9pPr>
           </a:lstStyle>
-          <a:p>
-            <a:endParaRPr/>
-          </a:p>
+          <a:p/>
         </p:txBody>
       </p:sp>
       <p:sp>
         <p:nvSpPr>
           <p:cNvPr id="7" name="Google Shape;7;p1"/>
-          <p:cNvSpPr txBox="1">
-            <a:spLocks noGrp="1"/>
-          </p:cNvSpPr>
+          <p:cNvSpPr txBox="1"/>
           <p:nvPr>
-            <p:ph type="body" idx="1"/>
+            <p:ph idx="1" type="body"/>
           </p:nvPr>
         </p:nvSpPr>
         <p:spPr>
@@ -5262,11 +5111,11 @@
           </a:ln>
         </p:spPr>
         <p:txBody>
-          <a:bodyPr spcFirstLastPara="1" wrap="square" lIns="91425" tIns="91425" rIns="91425" bIns="91425" anchor="t" anchorCtr="0">
+          <a:bodyPr anchorCtr="0" anchor="t" bIns="91425" lIns="91425" spcFirstLastPara="1" rIns="91425" wrap="square" tIns="91425">
             <a:normAutofit/>
           </a:bodyPr>
           <a:lstStyle>
-            <a:lvl1pPr marL="457200" lvl="0" indent="-342900">
+            <a:lvl1pPr indent="-342900" lvl="0" marL="457200">
               <a:lnSpc>
                 <a:spcPct val="115000"/>
               </a:lnSpc>
@@ -5287,7 +5136,7 @@
                 </a:solidFill>
               </a:defRPr>
             </a:lvl1pPr>
-            <a:lvl2pPr marL="914400" lvl="1" indent="-317500">
+            <a:lvl2pPr indent="-317500" lvl="1" marL="914400">
               <a:lnSpc>
                 <a:spcPct val="115000"/>
               </a:lnSpc>
@@ -5308,7 +5157,7 @@
                 </a:solidFill>
               </a:defRPr>
             </a:lvl2pPr>
-            <a:lvl3pPr marL="1371600" lvl="2" indent="-317500">
+            <a:lvl3pPr indent="-317500" lvl="2" marL="1371600">
               <a:lnSpc>
                 <a:spcPct val="115000"/>
               </a:lnSpc>
@@ -5329,7 +5178,7 @@
                 </a:solidFill>
               </a:defRPr>
             </a:lvl3pPr>
-            <a:lvl4pPr marL="1828800" lvl="3" indent="-317500">
+            <a:lvl4pPr indent="-317500" lvl="3" marL="1828800">
               <a:lnSpc>
                 <a:spcPct val="115000"/>
               </a:lnSpc>
@@ -5350,7 +5199,7 @@
                 </a:solidFill>
               </a:defRPr>
             </a:lvl4pPr>
-            <a:lvl5pPr marL="2286000" lvl="4" indent="-317500">
+            <a:lvl5pPr indent="-317500" lvl="4" marL="2286000">
               <a:lnSpc>
                 <a:spcPct val="115000"/>
               </a:lnSpc>
@@ -5371,7 +5220,7 @@
                 </a:solidFill>
               </a:defRPr>
             </a:lvl5pPr>
-            <a:lvl6pPr marL="2743200" lvl="5" indent="-317500">
+            <a:lvl6pPr indent="-317500" lvl="5" marL="2743200">
               <a:lnSpc>
                 <a:spcPct val="115000"/>
               </a:lnSpc>
@@ -5392,7 +5241,7 @@
                 </a:solidFill>
               </a:defRPr>
             </a:lvl6pPr>
-            <a:lvl7pPr marL="3200400" lvl="6" indent="-317500">
+            <a:lvl7pPr indent="-317500" lvl="6" marL="3200400">
               <a:lnSpc>
                 <a:spcPct val="115000"/>
               </a:lnSpc>
@@ -5413,7 +5262,7 @@
                 </a:solidFill>
               </a:defRPr>
             </a:lvl7pPr>
-            <a:lvl8pPr marL="3657600" lvl="7" indent="-317500">
+            <a:lvl8pPr indent="-317500" lvl="7" marL="3657600">
               <a:lnSpc>
                 <a:spcPct val="115000"/>
               </a:lnSpc>
@@ -5434,7 +5283,7 @@
                 </a:solidFill>
               </a:defRPr>
             </a:lvl8pPr>
-            <a:lvl9pPr marL="4114800" lvl="8" indent="-317500">
+            <a:lvl9pPr indent="-317500" lvl="8" marL="4114800">
               <a:lnSpc>
                 <a:spcPct val="115000"/>
               </a:lnSpc>
@@ -5456,19 +5305,15 @@
               </a:defRPr>
             </a:lvl9pPr>
           </a:lstStyle>
-          <a:p>
-            <a:endParaRPr/>
-          </a:p>
+          <a:p/>
         </p:txBody>
       </p:sp>
       <p:sp>
         <p:nvSpPr>
           <p:cNvPr id="8" name="Google Shape;8;p1"/>
-          <p:cNvSpPr txBox="1">
-            <a:spLocks noGrp="1"/>
-          </p:cNvSpPr>
+          <p:cNvSpPr txBox="1"/>
           <p:nvPr>
-            <p:ph type="sldNum" idx="12"/>
+            <p:ph idx="12" type="sldNum"/>
           </p:nvPr>
         </p:nvSpPr>
         <p:spPr>
@@ -5485,7 +5330,7 @@
           </a:ln>
         </p:spPr>
         <p:txBody>
-          <a:bodyPr spcFirstLastPara="1" wrap="square" lIns="91425" tIns="91425" rIns="91425" bIns="91425" anchor="ctr" anchorCtr="0">
+          <a:bodyPr anchorCtr="0" anchor="ctr" bIns="91425" lIns="91425" spcFirstLastPara="1" rIns="91425" wrap="square" tIns="91425">
             <a:normAutofit/>
           </a:bodyPr>
           <a:lstStyle>
@@ -5563,7 +5408,7 @@
             </a:lvl9pPr>
           </a:lstStyle>
           <a:p>
-            <a:pPr marL="0" lvl="0" indent="0" algn="r" rtl="0">
+            <a:pPr indent="0" lvl="0" marL="0" rtl="0" algn="r">
               <a:spcBef>
                 <a:spcPts val="0"/>
               </a:spcBef>
@@ -5582,7 +5427,7 @@
       </p:sp>
     </p:spTree>
   </p:cSld>
-  <p:clrMap bg1="lt1" tx1="dk1" bg2="dk2" tx2="lt2" accent1="accent1" accent2="accent2" accent3="accent3" accent4="accent4" accent5="accent5" accent6="accent6" hlink="hlink" folHlink="folHlink"/>
+  <p:clrMap accent1="accent1" accent2="accent2" accent3="accent3" accent4="accent4" accent5="accent5" accent6="accent6" bg1="lt1" bg2="dk2" tx1="dk1" tx2="lt2" folHlink="folHlink" hlink="hlink"/>
   <p:sldLayoutIdLst>
     <p:sldLayoutId id="2147483648" r:id="rId1"/>
     <p:sldLayoutId id="2147483649" r:id="rId2"/>
@@ -5596,10 +5441,10 @@
     <p:sldLayoutId id="2147483657" r:id="rId10"/>
     <p:sldLayoutId id="2147483658" r:id="rId11"/>
   </p:sldLayoutIdLst>
-  <p:hf sldNum="0" hdr="0" ftr="0" dt="0"/>
+  <p:hf dt="0" ftr="0" hdr="0" sldNum="0"/>
   <p:txStyles>
     <p:titleStyle>
-      <a:defPPr marR="0" lvl="0" algn="l" rtl="0">
+      <a:defPPr lvl="0" marR="0" rtl="0" algn="l">
         <a:lnSpc>
           <a:spcPct val="100000"/>
         </a:lnSpc>
@@ -5610,7 +5455,7 @@
           <a:spcPts val="0"/>
         </a:spcAft>
       </a:defPPr>
-      <a:lvl1pPr marR="0" lvl="0" algn="l" rtl="0">
+      <a:lvl1pPr lvl="0" marR="0" rtl="0" algn="l">
         <a:lnSpc>
           <a:spcPct val="100000"/>
         </a:lnSpc>
@@ -5624,7 +5469,7 @@
           <a:srgbClr val="000000"/>
         </a:buClr>
         <a:buFont typeface="Arial"/>
-        <a:defRPr sz="1400" b="0" i="0" u="none" strike="noStrike" cap="none">
+        <a:defRPr b="0" i="0" sz="1400" u="none" cap="none" strike="noStrike">
           <a:solidFill>
             <a:srgbClr val="000000"/>
           </a:solidFill>
@@ -5634,7 +5479,7 @@
           <a:sym typeface="Arial"/>
         </a:defRPr>
       </a:lvl1pPr>
-      <a:lvl2pPr marR="0" lvl="1" algn="l" rtl="0">
+      <a:lvl2pPr lvl="1" marR="0" rtl="0" algn="l">
         <a:lnSpc>
           <a:spcPct val="100000"/>
         </a:lnSpc>
@@ -5648,7 +5493,7 @@
           <a:srgbClr val="000000"/>
         </a:buClr>
         <a:buFont typeface="Arial"/>
-        <a:defRPr sz="1400" b="0" i="0" u="none" strike="noStrike" cap="none">
+        <a:defRPr b="0" i="0" sz="1400" u="none" cap="none" strike="noStrike">
           <a:solidFill>
             <a:srgbClr val="000000"/>
           </a:solidFill>
@@ -5658,7 +5503,7 @@
           <a:sym typeface="Arial"/>
         </a:defRPr>
       </a:lvl2pPr>
-      <a:lvl3pPr marR="0" lvl="2" algn="l" rtl="0">
+      <a:lvl3pPr lvl="2" marR="0" rtl="0" algn="l">
         <a:lnSpc>
           <a:spcPct val="100000"/>
         </a:lnSpc>
@@ -5672,7 +5517,7 @@
           <a:srgbClr val="000000"/>
         </a:buClr>
         <a:buFont typeface="Arial"/>
-        <a:defRPr sz="1400" b="0" i="0" u="none" strike="noStrike" cap="none">
+        <a:defRPr b="0" i="0" sz="1400" u="none" cap="none" strike="noStrike">
           <a:solidFill>
             <a:srgbClr val="000000"/>
           </a:solidFill>
@@ -5682,7 +5527,7 @@
           <a:sym typeface="Arial"/>
         </a:defRPr>
       </a:lvl3pPr>
-      <a:lvl4pPr marR="0" lvl="3" algn="l" rtl="0">
+      <a:lvl4pPr lvl="3" marR="0" rtl="0" algn="l">
         <a:lnSpc>
           <a:spcPct val="100000"/>
         </a:lnSpc>
@@ -5696,7 +5541,7 @@
           <a:srgbClr val="000000"/>
         </a:buClr>
         <a:buFont typeface="Arial"/>
-        <a:defRPr sz="1400" b="0" i="0" u="none" strike="noStrike" cap="none">
+        <a:defRPr b="0" i="0" sz="1400" u="none" cap="none" strike="noStrike">
           <a:solidFill>
             <a:srgbClr val="000000"/>
           </a:solidFill>
@@ -5706,7 +5551,7 @@
           <a:sym typeface="Arial"/>
         </a:defRPr>
       </a:lvl4pPr>
-      <a:lvl5pPr marR="0" lvl="4" algn="l" rtl="0">
+      <a:lvl5pPr lvl="4" marR="0" rtl="0" algn="l">
         <a:lnSpc>
           <a:spcPct val="100000"/>
         </a:lnSpc>
@@ -5720,7 +5565,7 @@
           <a:srgbClr val="000000"/>
         </a:buClr>
         <a:buFont typeface="Arial"/>
-        <a:defRPr sz="1400" b="0" i="0" u="none" strike="noStrike" cap="none">
+        <a:defRPr b="0" i="0" sz="1400" u="none" cap="none" strike="noStrike">
           <a:solidFill>
             <a:srgbClr val="000000"/>
           </a:solidFill>
@@ -5730,7 +5575,7 @@
           <a:sym typeface="Arial"/>
         </a:defRPr>
       </a:lvl5pPr>
-      <a:lvl6pPr marR="0" lvl="5" algn="l" rtl="0">
+      <a:lvl6pPr lvl="5" marR="0" rtl="0" algn="l">
         <a:lnSpc>
           <a:spcPct val="100000"/>
         </a:lnSpc>
@@ -5744,7 +5589,7 @@
           <a:srgbClr val="000000"/>
         </a:buClr>
         <a:buFont typeface="Arial"/>
-        <a:defRPr sz="1400" b="0" i="0" u="none" strike="noStrike" cap="none">
+        <a:defRPr b="0" i="0" sz="1400" u="none" cap="none" strike="noStrike">
           <a:solidFill>
             <a:srgbClr val="000000"/>
           </a:solidFill>
@@ -5754,7 +5599,7 @@
           <a:sym typeface="Arial"/>
         </a:defRPr>
       </a:lvl6pPr>
-      <a:lvl7pPr marR="0" lvl="6" algn="l" rtl="0">
+      <a:lvl7pPr lvl="6" marR="0" rtl="0" algn="l">
         <a:lnSpc>
           <a:spcPct val="100000"/>
         </a:lnSpc>
@@ -5768,7 +5613,7 @@
           <a:srgbClr val="000000"/>
         </a:buClr>
         <a:buFont typeface="Arial"/>
-        <a:defRPr sz="1400" b="0" i="0" u="none" strike="noStrike" cap="none">
+        <a:defRPr b="0" i="0" sz="1400" u="none" cap="none" strike="noStrike">
           <a:solidFill>
             <a:srgbClr val="000000"/>
           </a:solidFill>
@@ -5778,7 +5623,7 @@
           <a:sym typeface="Arial"/>
         </a:defRPr>
       </a:lvl7pPr>
-      <a:lvl8pPr marR="0" lvl="7" algn="l" rtl="0">
+      <a:lvl8pPr lvl="7" marR="0" rtl="0" algn="l">
         <a:lnSpc>
           <a:spcPct val="100000"/>
         </a:lnSpc>
@@ -5792,7 +5637,7 @@
           <a:srgbClr val="000000"/>
         </a:buClr>
         <a:buFont typeface="Arial"/>
-        <a:defRPr sz="1400" b="0" i="0" u="none" strike="noStrike" cap="none">
+        <a:defRPr b="0" i="0" sz="1400" u="none" cap="none" strike="noStrike">
           <a:solidFill>
             <a:srgbClr val="000000"/>
           </a:solidFill>
@@ -5802,7 +5647,7 @@
           <a:sym typeface="Arial"/>
         </a:defRPr>
       </a:lvl8pPr>
-      <a:lvl9pPr marR="0" lvl="8" algn="l" rtl="0">
+      <a:lvl9pPr lvl="8" marR="0" rtl="0" algn="l">
         <a:lnSpc>
           <a:spcPct val="100000"/>
         </a:lnSpc>
@@ -5816,7 +5661,7 @@
           <a:srgbClr val="000000"/>
         </a:buClr>
         <a:buFont typeface="Arial"/>
-        <a:defRPr sz="1400" b="0" i="0" u="none" strike="noStrike" cap="none">
+        <a:defRPr b="0" i="0" sz="1400" u="none" cap="none" strike="noStrike">
           <a:solidFill>
             <a:srgbClr val="000000"/>
           </a:solidFill>
@@ -5828,7 +5673,7 @@
       </a:lvl9pPr>
     </p:titleStyle>
     <p:bodyStyle>
-      <a:defPPr marR="0" lvl="0" algn="l" rtl="0">
+      <a:defPPr lvl="0" marR="0" rtl="0" algn="l">
         <a:lnSpc>
           <a:spcPct val="100000"/>
         </a:lnSpc>
@@ -5839,7 +5684,7 @@
           <a:spcPts val="0"/>
         </a:spcAft>
       </a:defPPr>
-      <a:lvl1pPr marR="0" lvl="0" algn="l" rtl="0">
+      <a:lvl1pPr lvl="0" marR="0" rtl="0" algn="l">
         <a:lnSpc>
           <a:spcPct val="100000"/>
         </a:lnSpc>
@@ -5853,7 +5698,7 @@
           <a:srgbClr val="000000"/>
         </a:buClr>
         <a:buFont typeface="Arial"/>
-        <a:defRPr sz="1400" b="0" i="0" u="none" strike="noStrike" cap="none">
+        <a:defRPr b="0" i="0" sz="1400" u="none" cap="none" strike="noStrike">
           <a:solidFill>
             <a:srgbClr val="000000"/>
           </a:solidFill>
@@ -5863,7 +5708,7 @@
           <a:sym typeface="Arial"/>
         </a:defRPr>
       </a:lvl1pPr>
-      <a:lvl2pPr marR="0" lvl="1" algn="l" rtl="0">
+      <a:lvl2pPr lvl="1" marR="0" rtl="0" algn="l">
         <a:lnSpc>
           <a:spcPct val="100000"/>
         </a:lnSpc>
@@ -5877,7 +5722,7 @@
           <a:srgbClr val="000000"/>
         </a:buClr>
         <a:buFont typeface="Arial"/>
-        <a:defRPr sz="1400" b="0" i="0" u="none" strike="noStrike" cap="none">
+        <a:defRPr b="0" i="0" sz="1400" u="none" cap="none" strike="noStrike">
           <a:solidFill>
             <a:srgbClr val="000000"/>
           </a:solidFill>
@@ -5887,7 +5732,7 @@
           <a:sym typeface="Arial"/>
         </a:defRPr>
       </a:lvl2pPr>
-      <a:lvl3pPr marR="0" lvl="2" algn="l" rtl="0">
+      <a:lvl3pPr lvl="2" marR="0" rtl="0" algn="l">
         <a:lnSpc>
           <a:spcPct val="100000"/>
         </a:lnSpc>
@@ -5901,7 +5746,7 @@
           <a:srgbClr val="000000"/>
         </a:buClr>
         <a:buFont typeface="Arial"/>
-        <a:defRPr sz="1400" b="0" i="0" u="none" strike="noStrike" cap="none">
+        <a:defRPr b="0" i="0" sz="1400" u="none" cap="none" strike="noStrike">
           <a:solidFill>
             <a:srgbClr val="000000"/>
           </a:solidFill>
@@ -5911,7 +5756,7 @@
           <a:sym typeface="Arial"/>
         </a:defRPr>
       </a:lvl3pPr>
-      <a:lvl4pPr marR="0" lvl="3" algn="l" rtl="0">
+      <a:lvl4pPr lvl="3" marR="0" rtl="0" algn="l">
         <a:lnSpc>
           <a:spcPct val="100000"/>
         </a:lnSpc>
@@ -5925,7 +5770,7 @@
           <a:srgbClr val="000000"/>
         </a:buClr>
         <a:buFont typeface="Arial"/>
-        <a:defRPr sz="1400" b="0" i="0" u="none" strike="noStrike" cap="none">
+        <a:defRPr b="0" i="0" sz="1400" u="none" cap="none" strike="noStrike">
           <a:solidFill>
             <a:srgbClr val="000000"/>
           </a:solidFill>
@@ -5935,7 +5780,7 @@
           <a:sym typeface="Arial"/>
         </a:defRPr>
       </a:lvl4pPr>
-      <a:lvl5pPr marR="0" lvl="4" algn="l" rtl="0">
+      <a:lvl5pPr lvl="4" marR="0" rtl="0" algn="l">
         <a:lnSpc>
           <a:spcPct val="100000"/>
         </a:lnSpc>
@@ -5949,7 +5794,7 @@
           <a:srgbClr val="000000"/>
         </a:buClr>
         <a:buFont typeface="Arial"/>
-        <a:defRPr sz="1400" b="0" i="0" u="none" strike="noStrike" cap="none">
+        <a:defRPr b="0" i="0" sz="1400" u="none" cap="none" strike="noStrike">
           <a:solidFill>
             <a:srgbClr val="000000"/>
           </a:solidFill>
@@ -5959,7 +5804,7 @@
           <a:sym typeface="Arial"/>
         </a:defRPr>
       </a:lvl5pPr>
-      <a:lvl6pPr marR="0" lvl="5" algn="l" rtl="0">
+      <a:lvl6pPr lvl="5" marR="0" rtl="0" algn="l">
         <a:lnSpc>
           <a:spcPct val="100000"/>
         </a:lnSpc>
@@ -5973,7 +5818,7 @@
           <a:srgbClr val="000000"/>
         </a:buClr>
         <a:buFont typeface="Arial"/>
-        <a:defRPr sz="1400" b="0" i="0" u="none" strike="noStrike" cap="none">
+        <a:defRPr b="0" i="0" sz="1400" u="none" cap="none" strike="noStrike">
           <a:solidFill>
             <a:srgbClr val="000000"/>
           </a:solidFill>
@@ -5983,7 +5828,7 @@
           <a:sym typeface="Arial"/>
         </a:defRPr>
       </a:lvl6pPr>
-      <a:lvl7pPr marR="0" lvl="6" algn="l" rtl="0">
+      <a:lvl7pPr lvl="6" marR="0" rtl="0" algn="l">
         <a:lnSpc>
           <a:spcPct val="100000"/>
         </a:lnSpc>
@@ -5997,7 +5842,7 @@
           <a:srgbClr val="000000"/>
         </a:buClr>
         <a:buFont typeface="Arial"/>
-        <a:defRPr sz="1400" b="0" i="0" u="none" strike="noStrike" cap="none">
+        <a:defRPr b="0" i="0" sz="1400" u="none" cap="none" strike="noStrike">
           <a:solidFill>
             <a:srgbClr val="000000"/>
           </a:solidFill>
@@ -6007,7 +5852,7 @@
           <a:sym typeface="Arial"/>
         </a:defRPr>
       </a:lvl7pPr>
-      <a:lvl8pPr marR="0" lvl="7" algn="l" rtl="0">
+      <a:lvl8pPr lvl="7" marR="0" rtl="0" algn="l">
         <a:lnSpc>
           <a:spcPct val="100000"/>
         </a:lnSpc>
@@ -6021,7 +5866,7 @@
           <a:srgbClr val="000000"/>
         </a:buClr>
         <a:buFont typeface="Arial"/>
-        <a:defRPr sz="1400" b="0" i="0" u="none" strike="noStrike" cap="none">
+        <a:defRPr b="0" i="0" sz="1400" u="none" cap="none" strike="noStrike">
           <a:solidFill>
             <a:srgbClr val="000000"/>
           </a:solidFill>
@@ -6031,7 +5876,7 @@
           <a:sym typeface="Arial"/>
         </a:defRPr>
       </a:lvl8pPr>
-      <a:lvl9pPr marR="0" lvl="8" algn="l" rtl="0">
+      <a:lvl9pPr lvl="8" marR="0" rtl="0" algn="l">
         <a:lnSpc>
           <a:spcPct val="100000"/>
         </a:lnSpc>
@@ -6045,7 +5890,7 @@
           <a:srgbClr val="000000"/>
         </a:buClr>
         <a:buFont typeface="Arial"/>
-        <a:defRPr sz="1400" b="0" i="0" u="none" strike="noStrike" cap="none">
+        <a:defRPr b="0" i="0" sz="1400" u="none" cap="none" strike="noStrike">
           <a:solidFill>
             <a:srgbClr val="000000"/>
           </a:solidFill>
@@ -6057,7 +5902,7 @@
       </a:lvl9pPr>
     </p:bodyStyle>
     <p:otherStyle>
-      <a:defPPr marR="0" lvl="0" algn="l" rtl="0">
+      <a:defPPr lvl="0" marR="0" rtl="0" algn="l">
         <a:lnSpc>
           <a:spcPct val="100000"/>
         </a:lnSpc>
@@ -6068,7 +5913,7 @@
           <a:spcPts val="0"/>
         </a:spcAft>
       </a:defPPr>
-      <a:lvl1pPr marR="0" lvl="0" algn="l" rtl="0">
+      <a:lvl1pPr lvl="0" marR="0" rtl="0" algn="l">
         <a:lnSpc>
           <a:spcPct val="100000"/>
         </a:lnSpc>
@@ -6082,7 +5927,7 @@
           <a:srgbClr val="000000"/>
         </a:buClr>
         <a:buFont typeface="Arial"/>
-        <a:defRPr sz="1400" b="0" i="0" u="none" strike="noStrike" cap="none">
+        <a:defRPr b="0" i="0" sz="1400" u="none" cap="none" strike="noStrike">
           <a:solidFill>
             <a:srgbClr val="000000"/>
           </a:solidFill>
@@ -6092,7 +5937,7 @@
           <a:sym typeface="Arial"/>
         </a:defRPr>
       </a:lvl1pPr>
-      <a:lvl2pPr marR="0" lvl="1" algn="l" rtl="0">
+      <a:lvl2pPr lvl="1" marR="0" rtl="0" algn="l">
         <a:lnSpc>
           <a:spcPct val="100000"/>
         </a:lnSpc>
@@ -6106,7 +5951,7 @@
           <a:srgbClr val="000000"/>
         </a:buClr>
         <a:buFont typeface="Arial"/>
-        <a:defRPr sz="1400" b="0" i="0" u="none" strike="noStrike" cap="none">
+        <a:defRPr b="0" i="0" sz="1400" u="none" cap="none" strike="noStrike">
           <a:solidFill>
             <a:srgbClr val="000000"/>
           </a:solidFill>
@@ -6116,7 +5961,7 @@
           <a:sym typeface="Arial"/>
         </a:defRPr>
       </a:lvl2pPr>
-      <a:lvl3pPr marR="0" lvl="2" algn="l" rtl="0">
+      <a:lvl3pPr lvl="2" marR="0" rtl="0" algn="l">
         <a:lnSpc>
           <a:spcPct val="100000"/>
         </a:lnSpc>
@@ -6130,7 +5975,7 @@
           <a:srgbClr val="000000"/>
         </a:buClr>
         <a:buFont typeface="Arial"/>
-        <a:defRPr sz="1400" b="0" i="0" u="none" strike="noStrike" cap="none">
+        <a:defRPr b="0" i="0" sz="1400" u="none" cap="none" strike="noStrike">
           <a:solidFill>
             <a:srgbClr val="000000"/>
           </a:solidFill>
@@ -6140,7 +5985,7 @@
           <a:sym typeface="Arial"/>
         </a:defRPr>
       </a:lvl3pPr>
-      <a:lvl4pPr marR="0" lvl="3" algn="l" rtl="0">
+      <a:lvl4pPr lvl="3" marR="0" rtl="0" algn="l">
         <a:lnSpc>
           <a:spcPct val="100000"/>
         </a:lnSpc>
@@ -6154,7 +5999,7 @@
           <a:srgbClr val="000000"/>
         </a:buClr>
         <a:buFont typeface="Arial"/>
-        <a:defRPr sz="1400" b="0" i="0" u="none" strike="noStrike" cap="none">
+        <a:defRPr b="0" i="0" sz="1400" u="none" cap="none" strike="noStrike">
           <a:solidFill>
             <a:srgbClr val="000000"/>
           </a:solidFill>
@@ -6164,7 +6009,7 @@
           <a:sym typeface="Arial"/>
         </a:defRPr>
       </a:lvl4pPr>
-      <a:lvl5pPr marR="0" lvl="4" algn="l" rtl="0">
+      <a:lvl5pPr lvl="4" marR="0" rtl="0" algn="l">
         <a:lnSpc>
           <a:spcPct val="100000"/>
         </a:lnSpc>
@@ -6178,7 +6023,7 @@
           <a:srgbClr val="000000"/>
         </a:buClr>
         <a:buFont typeface="Arial"/>
-        <a:defRPr sz="1400" b="0" i="0" u="none" strike="noStrike" cap="none">
+        <a:defRPr b="0" i="0" sz="1400" u="none" cap="none" strike="noStrike">
           <a:solidFill>
             <a:srgbClr val="000000"/>
           </a:solidFill>
@@ -6188,7 +6033,7 @@
           <a:sym typeface="Arial"/>
         </a:defRPr>
       </a:lvl5pPr>
-      <a:lvl6pPr marR="0" lvl="5" algn="l" rtl="0">
+      <a:lvl6pPr lvl="5" marR="0" rtl="0" algn="l">
         <a:lnSpc>
           <a:spcPct val="100000"/>
         </a:lnSpc>
@@ -6202,7 +6047,7 @@
           <a:srgbClr val="000000"/>
         </a:buClr>
         <a:buFont typeface="Arial"/>
-        <a:defRPr sz="1400" b="0" i="0" u="none" strike="noStrike" cap="none">
+        <a:defRPr b="0" i="0" sz="1400" u="none" cap="none" strike="noStrike">
           <a:solidFill>
             <a:srgbClr val="000000"/>
           </a:solidFill>
@@ -6212,7 +6057,7 @@
           <a:sym typeface="Arial"/>
         </a:defRPr>
       </a:lvl6pPr>
-      <a:lvl7pPr marR="0" lvl="6" algn="l" rtl="0">
+      <a:lvl7pPr lvl="6" marR="0" rtl="0" algn="l">
         <a:lnSpc>
           <a:spcPct val="100000"/>
         </a:lnSpc>
@@ -6226,7 +6071,7 @@
           <a:srgbClr val="000000"/>
         </a:buClr>
         <a:buFont typeface="Arial"/>
-        <a:defRPr sz="1400" b="0" i="0" u="none" strike="noStrike" cap="none">
+        <a:defRPr b="0" i="0" sz="1400" u="none" cap="none" strike="noStrike">
           <a:solidFill>
             <a:srgbClr val="000000"/>
           </a:solidFill>
@@ -6236,7 +6081,7 @@
           <a:sym typeface="Arial"/>
         </a:defRPr>
       </a:lvl7pPr>
-      <a:lvl8pPr marR="0" lvl="7" algn="l" rtl="0">
+      <a:lvl8pPr lvl="7" marR="0" rtl="0" algn="l">
         <a:lnSpc>
           <a:spcPct val="100000"/>
         </a:lnSpc>
@@ -6250,7 +6095,7 @@
           <a:srgbClr val="000000"/>
         </a:buClr>
         <a:buFont typeface="Arial"/>
-        <a:defRPr sz="1400" b="0" i="0" u="none" strike="noStrike" cap="none">
+        <a:defRPr b="0" i="0" sz="1400" u="none" cap="none" strike="noStrike">
           <a:solidFill>
             <a:srgbClr val="000000"/>
           </a:solidFill>
@@ -6260,7 +6105,7 @@
           <a:sym typeface="Arial"/>
         </a:defRPr>
       </a:lvl8pPr>
-      <a:lvl9pPr marR="0" lvl="8" algn="l" rtl="0">
+      <a:lvl9pPr lvl="8" marR="0" rtl="0" algn="l">
         <a:lnSpc>
           <a:spcPct val="100000"/>
         </a:lnSpc>
@@ -6274,7 +6119,7 @@
           <a:srgbClr val="000000"/>
         </a:buClr>
         <a:buFont typeface="Arial"/>
-        <a:defRPr sz="1400" b="0" i="0" u="none" strike="noStrike" cap="none">
+        <a:defRPr b="0" i="0" sz="1400" u="none" cap="none" strike="noStrike">
           <a:solidFill>
             <a:srgbClr val="000000"/>
           </a:solidFill>
@@ -6290,11 +6135,11 @@
 </file>
 
 <file path=ppt/slides/slide1.xml><?xml version="1.0" encoding="utf-8"?>
-<p:sld xmlns:a="http://schemas.openxmlformats.org/drawingml/2006/main" xmlns:r="http://schemas.openxmlformats.org/officeDocument/2006/relationships" xmlns:p="http://schemas.openxmlformats.org/presentationml/2006/main">
+<p:sld xmlns:a="http://schemas.openxmlformats.org/drawingml/2006/main" xmlns:r="http://schemas.openxmlformats.org/officeDocument/2006/relationships" xmlns:mc="http://schemas.openxmlformats.org/markup-compatibility/2006" xmlns:mv="urn:schemas-microsoft-com:mac:vml" xmlns:p="http://schemas.openxmlformats.org/presentationml/2006/main" xmlns:c="http://schemas.openxmlformats.org/drawingml/2006/chart" xmlns:dgm="http://schemas.openxmlformats.org/drawingml/2006/diagram" xmlns:o="urn:schemas-microsoft-com:office:office" xmlns:v="urn:schemas-microsoft-com:vml" xmlns:pvml="urn:schemas-microsoft-com:office:powerpoint" xmlns:com="http://schemas.openxmlformats.org/drawingml/2006/compatibility" xmlns:p14="http://schemas.microsoft.com/office/powerpoint/2010/main" xmlns:p15="http://schemas.microsoft.com/office/powerpoint/2012/main" xmlns:ahyp="http://schemas.microsoft.com/office/drawing/2018/hyperlinkcolor">
   <p:cSld>
     <p:spTree>
       <p:nvGrpSpPr>
-        <p:cNvPr id="1" name="Shape 53"/>
+        <p:cNvPr id="53" name="Shape 53"/>
         <p:cNvGrpSpPr/>
         <p:nvPr/>
       </p:nvGrpSpPr>
@@ -6309,9 +6154,7 @@
       <p:sp>
         <p:nvSpPr>
           <p:cNvPr id="54" name="Google Shape;54;p13"/>
-          <p:cNvSpPr txBox="1">
-            <a:spLocks noGrp="1"/>
-          </p:cNvSpPr>
+          <p:cNvSpPr txBox="1"/>
           <p:nvPr>
             <p:ph type="ctrTitle"/>
           </p:nvPr>
@@ -6326,12 +6169,12 @@
           </a:prstGeom>
         </p:spPr>
         <p:txBody>
-          <a:bodyPr spcFirstLastPara="1" wrap="square" lIns="91425" tIns="91425" rIns="91425" bIns="91425" anchor="b" anchorCtr="0">
+          <a:bodyPr anchorCtr="0" anchor="b" bIns="91425" lIns="91425" spcFirstLastPara="1" rIns="91425" wrap="square" tIns="91425">
             <a:normAutofit/>
           </a:bodyPr>
           <a:lstStyle/>
           <a:p>
-            <a:pPr marL="0" lvl="0" indent="0" algn="ctr" rtl="0">
+            <a:pPr indent="0" lvl="0" marL="0" rtl="0" algn="ctr">
               <a:spcBef>
                 <a:spcPts val="0"/>
               </a:spcBef>
@@ -6351,11 +6194,9 @@
       <p:sp>
         <p:nvSpPr>
           <p:cNvPr id="55" name="Google Shape;55;p13"/>
-          <p:cNvSpPr txBox="1">
-            <a:spLocks noGrp="1"/>
-          </p:cNvSpPr>
+          <p:cNvSpPr txBox="1"/>
           <p:nvPr>
-            <p:ph type="subTitle" idx="1"/>
+            <p:ph idx="1" type="subTitle"/>
           </p:nvPr>
         </p:nvSpPr>
         <p:spPr>
@@ -6368,12 +6209,12 @@
           </a:prstGeom>
         </p:spPr>
         <p:txBody>
-          <a:bodyPr spcFirstLastPara="1" wrap="square" lIns="91425" tIns="91425" rIns="91425" bIns="91425" anchor="t" anchorCtr="0">
-            <a:normAutofit/>
+          <a:bodyPr anchorCtr="0" anchor="t" bIns="91425" lIns="91425" spcFirstLastPara="1" rIns="91425" wrap="square" tIns="91425">
+            <a:normAutofit fontScale="85000" lnSpcReduction="20000"/>
           </a:bodyPr>
           <a:lstStyle/>
           <a:p>
-            <a:pPr marL="0" lvl="0" indent="0" algn="ctr" rtl="0">
+            <a:pPr indent="0" lvl="0" marL="0" rtl="0" algn="ctr">
               <a:spcBef>
                 <a:spcPts val="0"/>
               </a:spcBef>
@@ -6385,6 +6226,22 @@
             <a:r>
               <a:rPr lang="en"/>
               <a:t>A turn based strategy game</a:t>
+            </a:r>
+            <a:endParaRPr/>
+          </a:p>
+          <a:p>
+            <a:pPr indent="0" lvl="0" marL="0" rtl="0" algn="ctr">
+              <a:spcBef>
+                <a:spcPts val="0"/>
+              </a:spcBef>
+              <a:spcAft>
+                <a:spcPts val="0"/>
+              </a:spcAft>
+              <a:buNone/>
+            </a:pPr>
+            <a:r>
+              <a:rPr lang="en"/>
+              <a:t>Adi        Dillon        Joseph        Shane</a:t>
             </a:r>
             <a:endParaRPr/>
           </a:p>
@@ -6399,11 +6256,11 @@
 </file>
 
 <file path=ppt/slides/slide2.xml><?xml version="1.0" encoding="utf-8"?>
-<p:sld xmlns:a="http://schemas.openxmlformats.org/drawingml/2006/main" xmlns:r="http://schemas.openxmlformats.org/officeDocument/2006/relationships" xmlns:p="http://schemas.openxmlformats.org/presentationml/2006/main">
+<p:sld xmlns:a="http://schemas.openxmlformats.org/drawingml/2006/main" xmlns:r="http://schemas.openxmlformats.org/officeDocument/2006/relationships" xmlns:mc="http://schemas.openxmlformats.org/markup-compatibility/2006" xmlns:mv="urn:schemas-microsoft-com:mac:vml" xmlns:p="http://schemas.openxmlformats.org/presentationml/2006/main" xmlns:c="http://schemas.openxmlformats.org/drawingml/2006/chart" xmlns:dgm="http://schemas.openxmlformats.org/drawingml/2006/diagram" xmlns:o="urn:schemas-microsoft-com:office:office" xmlns:v="urn:schemas-microsoft-com:vml" xmlns:pvml="urn:schemas-microsoft-com:office:powerpoint" xmlns:com="http://schemas.openxmlformats.org/drawingml/2006/compatibility" xmlns:p14="http://schemas.microsoft.com/office/powerpoint/2010/main" xmlns:p15="http://schemas.microsoft.com/office/powerpoint/2012/main" xmlns:ahyp="http://schemas.microsoft.com/office/drawing/2018/hyperlinkcolor">
   <p:cSld>
     <p:spTree>
       <p:nvGrpSpPr>
-        <p:cNvPr id="1" name="Shape 59"/>
+        <p:cNvPr id="59" name="Shape 59"/>
         <p:cNvGrpSpPr/>
         <p:nvPr/>
       </p:nvGrpSpPr>
@@ -6418,9 +6275,7 @@
       <p:sp>
         <p:nvSpPr>
           <p:cNvPr id="60" name="Google Shape;60;p14"/>
-          <p:cNvSpPr txBox="1">
-            <a:spLocks noGrp="1"/>
-          </p:cNvSpPr>
+          <p:cNvSpPr txBox="1"/>
           <p:nvPr>
             <p:ph type="title"/>
           </p:nvPr>
@@ -6435,12 +6290,12 @@
           </a:prstGeom>
         </p:spPr>
         <p:txBody>
-          <a:bodyPr spcFirstLastPara="1" wrap="square" lIns="91425" tIns="91425" rIns="91425" bIns="91425" anchor="t" anchorCtr="0">
+          <a:bodyPr anchorCtr="0" anchor="t" bIns="91425" lIns="91425" spcFirstLastPara="1" rIns="91425" wrap="square" tIns="91425">
             <a:normAutofit fontScale="90000"/>
           </a:bodyPr>
           <a:lstStyle/>
           <a:p>
-            <a:pPr marL="0" lvl="0" indent="0" algn="l" rtl="0">
+            <a:pPr indent="0" lvl="0" marL="0" rtl="0" algn="l">
               <a:spcBef>
                 <a:spcPts val="0"/>
               </a:spcBef>
@@ -6460,11 +6315,9 @@
       <p:sp>
         <p:nvSpPr>
           <p:cNvPr id="61" name="Google Shape;61;p14"/>
-          <p:cNvSpPr txBox="1">
-            <a:spLocks noGrp="1"/>
-          </p:cNvSpPr>
+          <p:cNvSpPr txBox="1"/>
           <p:nvPr>
-            <p:ph type="body" idx="1"/>
+            <p:ph idx="1" type="body"/>
           </p:nvPr>
         </p:nvSpPr>
         <p:spPr>
@@ -6477,12 +6330,12 @@
           </a:prstGeom>
         </p:spPr>
         <p:txBody>
-          <a:bodyPr spcFirstLastPara="1" wrap="square" lIns="91425" tIns="91425" rIns="91425" bIns="91425" anchor="t" anchorCtr="0">
+          <a:bodyPr anchorCtr="0" anchor="t" bIns="91425" lIns="91425" spcFirstLastPara="1" rIns="91425" wrap="square" tIns="91425">
             <a:normAutofit/>
           </a:bodyPr>
           <a:lstStyle/>
           <a:p>
-            <a:pPr marL="457200" lvl="0" indent="-342900" algn="l" rtl="0">
+            <a:pPr indent="-342900" lvl="0" marL="457200" rtl="0" algn="l">
               <a:spcBef>
                 <a:spcPts val="0"/>
               </a:spcBef>
@@ -6499,7 +6352,7 @@
             <a:endParaRPr/>
           </a:p>
           <a:p>
-            <a:pPr marL="457200" lvl="0" indent="-342900" algn="l" rtl="0">
+            <a:pPr indent="-342900" lvl="0" marL="457200" rtl="0" algn="l">
               <a:spcBef>
                 <a:spcPts val="0"/>
               </a:spcBef>
@@ -6516,7 +6369,7 @@
             <a:endParaRPr/>
           </a:p>
           <a:p>
-            <a:pPr marL="457200" lvl="0" indent="-342900" algn="l" rtl="0">
+            <a:pPr indent="-342900" lvl="0" marL="457200" rtl="0" algn="l">
               <a:spcBef>
                 <a:spcPts val="0"/>
               </a:spcBef>
@@ -6533,7 +6386,7 @@
             <a:endParaRPr/>
           </a:p>
           <a:p>
-            <a:pPr marL="457200" lvl="0" indent="-342900" algn="l" rtl="0">
+            <a:pPr indent="-342900" lvl="0" marL="457200" rtl="0" algn="l">
               <a:spcBef>
                 <a:spcPts val="0"/>
               </a:spcBef>
@@ -6578,7 +6431,7 @@
             <a:noFill/>
           </a:ln>
           <a:effectLst>
-            <a:outerShdw blurRad="57150" dist="19050" dir="5400000" algn="bl" rotWithShape="0">
+            <a:outerShdw blurRad="57150" rotWithShape="0" algn="bl" dir="5400000" dist="19050">
               <a:srgbClr val="000000">
                 <a:alpha val="50000"/>
               </a:srgbClr>
@@ -6595,11 +6448,11 @@
 </file>
 
 <file path=ppt/slides/slide3.xml><?xml version="1.0" encoding="utf-8"?>
-<p:sld xmlns:a="http://schemas.openxmlformats.org/drawingml/2006/main" xmlns:r="http://schemas.openxmlformats.org/officeDocument/2006/relationships" xmlns:p="http://schemas.openxmlformats.org/presentationml/2006/main">
+<p:sld xmlns:a="http://schemas.openxmlformats.org/drawingml/2006/main" xmlns:r="http://schemas.openxmlformats.org/officeDocument/2006/relationships" xmlns:mc="http://schemas.openxmlformats.org/markup-compatibility/2006" xmlns:mv="urn:schemas-microsoft-com:mac:vml" xmlns:p="http://schemas.openxmlformats.org/presentationml/2006/main" xmlns:c="http://schemas.openxmlformats.org/drawingml/2006/chart" xmlns:dgm="http://schemas.openxmlformats.org/drawingml/2006/diagram" xmlns:o="urn:schemas-microsoft-com:office:office" xmlns:v="urn:schemas-microsoft-com:vml" xmlns:pvml="urn:schemas-microsoft-com:office:powerpoint" xmlns:com="http://schemas.openxmlformats.org/drawingml/2006/compatibility" xmlns:p14="http://schemas.microsoft.com/office/powerpoint/2010/main" xmlns:p15="http://schemas.microsoft.com/office/powerpoint/2012/main" xmlns:ahyp="http://schemas.microsoft.com/office/drawing/2018/hyperlinkcolor">
   <p:cSld>
     <p:spTree>
       <p:nvGrpSpPr>
-        <p:cNvPr id="1" name="Shape 66"/>
+        <p:cNvPr id="66" name="Shape 66"/>
         <p:cNvGrpSpPr/>
         <p:nvPr/>
       </p:nvGrpSpPr>
@@ -6614,9 +6467,7 @@
       <p:sp>
         <p:nvSpPr>
           <p:cNvPr id="67" name="Google Shape;67;p15"/>
-          <p:cNvSpPr txBox="1">
-            <a:spLocks noGrp="1"/>
-          </p:cNvSpPr>
+          <p:cNvSpPr txBox="1"/>
           <p:nvPr>
             <p:ph type="title"/>
           </p:nvPr>
@@ -6631,12 +6482,12 @@
           </a:prstGeom>
         </p:spPr>
         <p:txBody>
-          <a:bodyPr spcFirstLastPara="1" wrap="square" lIns="91425" tIns="91425" rIns="91425" bIns="91425" anchor="t" anchorCtr="0">
+          <a:bodyPr anchorCtr="0" anchor="t" bIns="91425" lIns="91425" spcFirstLastPara="1" rIns="91425" wrap="square" tIns="91425">
             <a:normAutofit fontScale="90000"/>
           </a:bodyPr>
           <a:lstStyle/>
           <a:p>
-            <a:pPr marL="0" lvl="0" indent="0" algn="l" rtl="0">
+            <a:pPr indent="0" lvl="0" marL="0" rtl="0" algn="l">
               <a:spcBef>
                 <a:spcPts val="0"/>
               </a:spcBef>
@@ -6656,11 +6507,9 @@
       <p:sp>
         <p:nvSpPr>
           <p:cNvPr id="68" name="Google Shape;68;p15"/>
-          <p:cNvSpPr txBox="1">
-            <a:spLocks noGrp="1"/>
-          </p:cNvSpPr>
+          <p:cNvSpPr txBox="1"/>
           <p:nvPr>
-            <p:ph type="body" idx="1"/>
+            <p:ph idx="1" type="body"/>
           </p:nvPr>
         </p:nvSpPr>
         <p:spPr>
@@ -6673,12 +6522,12 @@
           </a:prstGeom>
         </p:spPr>
         <p:txBody>
-          <a:bodyPr spcFirstLastPara="1" wrap="square" lIns="91425" tIns="91425" rIns="91425" bIns="91425" anchor="t" anchorCtr="0">
+          <a:bodyPr anchorCtr="0" anchor="t" bIns="91425" lIns="91425" spcFirstLastPara="1" rIns="91425" wrap="square" tIns="91425">
             <a:normAutofit/>
           </a:bodyPr>
           <a:lstStyle/>
           <a:p>
-            <a:pPr marL="0" lvl="0" indent="0" algn="l" rtl="0">
+            <a:pPr indent="0" lvl="0" marL="0" rtl="0" algn="l">
               <a:spcBef>
                 <a:spcPts val="0"/>
               </a:spcBef>
@@ -6722,7 +6571,7 @@
             <a:noFill/>
           </a:ln>
           <a:effectLst>
-            <a:outerShdw blurRad="57150" dist="19050" dir="5400000" algn="bl" rotWithShape="0">
+            <a:outerShdw blurRad="57150" rotWithShape="0" algn="bl" dir="5400000" dist="19050">
               <a:srgbClr val="000000">
                 <a:alpha val="50000"/>
               </a:srgbClr>
@@ -6757,7 +6606,7 @@
             <a:noFill/>
           </a:ln>
           <a:effectLst>
-            <a:outerShdw blurRad="57150" dist="19050" dir="5400000" algn="bl" rotWithShape="0">
+            <a:outerShdw blurRad="57150" rotWithShape="0" algn="bl" dir="5400000" dist="19050">
               <a:srgbClr val="000000">
                 <a:alpha val="50000"/>
               </a:srgbClr>
@@ -6774,11 +6623,11 @@
 </file>
 
 <file path=ppt/slides/slide4.xml><?xml version="1.0" encoding="utf-8"?>
-<p:sld xmlns:a="http://schemas.openxmlformats.org/drawingml/2006/main" xmlns:r="http://schemas.openxmlformats.org/officeDocument/2006/relationships" xmlns:p="http://schemas.openxmlformats.org/presentationml/2006/main">
+<p:sld xmlns:a="http://schemas.openxmlformats.org/drawingml/2006/main" xmlns:r="http://schemas.openxmlformats.org/officeDocument/2006/relationships" xmlns:mc="http://schemas.openxmlformats.org/markup-compatibility/2006" xmlns:mv="urn:schemas-microsoft-com:mac:vml" xmlns:p="http://schemas.openxmlformats.org/presentationml/2006/main" xmlns:c="http://schemas.openxmlformats.org/drawingml/2006/chart" xmlns:dgm="http://schemas.openxmlformats.org/drawingml/2006/diagram" xmlns:o="urn:schemas-microsoft-com:office:office" xmlns:v="urn:schemas-microsoft-com:vml" xmlns:pvml="urn:schemas-microsoft-com:office:powerpoint" xmlns:com="http://schemas.openxmlformats.org/drawingml/2006/compatibility" xmlns:p14="http://schemas.microsoft.com/office/powerpoint/2010/main" xmlns:p15="http://schemas.microsoft.com/office/powerpoint/2012/main" xmlns:ahyp="http://schemas.microsoft.com/office/drawing/2018/hyperlinkcolor">
   <p:cSld>
     <p:spTree>
       <p:nvGrpSpPr>
-        <p:cNvPr id="1" name="Shape 74"/>
+        <p:cNvPr id="74" name="Shape 74"/>
         <p:cNvGrpSpPr/>
         <p:nvPr/>
       </p:nvGrpSpPr>
@@ -6793,9 +6642,7 @@
       <p:sp>
         <p:nvSpPr>
           <p:cNvPr id="75" name="Google Shape;75;p16"/>
-          <p:cNvSpPr txBox="1">
-            <a:spLocks noGrp="1"/>
-          </p:cNvSpPr>
+          <p:cNvSpPr txBox="1"/>
           <p:nvPr>
             <p:ph type="title"/>
           </p:nvPr>
@@ -6810,12 +6657,12 @@
           </a:prstGeom>
         </p:spPr>
         <p:txBody>
-          <a:bodyPr spcFirstLastPara="1" wrap="square" lIns="91425" tIns="91425" rIns="91425" bIns="91425" anchor="t" anchorCtr="0">
+          <a:bodyPr anchorCtr="0" anchor="t" bIns="91425" lIns="91425" spcFirstLastPara="1" rIns="91425" wrap="square" tIns="91425">
             <a:normAutofit fontScale="90000"/>
           </a:bodyPr>
           <a:lstStyle/>
           <a:p>
-            <a:pPr marL="0" lvl="0" indent="0" algn="l" rtl="0">
+            <a:pPr indent="0" lvl="0" marL="0" rtl="0" algn="l">
               <a:spcBef>
                 <a:spcPts val="0"/>
               </a:spcBef>
@@ -6835,11 +6682,9 @@
       <p:sp>
         <p:nvSpPr>
           <p:cNvPr id="76" name="Google Shape;76;p16"/>
-          <p:cNvSpPr txBox="1">
-            <a:spLocks noGrp="1"/>
-          </p:cNvSpPr>
+          <p:cNvSpPr txBox="1"/>
           <p:nvPr>
-            <p:ph type="body" idx="1"/>
+            <p:ph idx="1" type="body"/>
           </p:nvPr>
         </p:nvSpPr>
         <p:spPr>
@@ -6852,12 +6697,12 @@
           </a:prstGeom>
         </p:spPr>
         <p:txBody>
-          <a:bodyPr spcFirstLastPara="1" wrap="square" lIns="91425" tIns="91425" rIns="91425" bIns="91425" anchor="t" anchorCtr="0">
+          <a:bodyPr anchorCtr="0" anchor="t" bIns="91425" lIns="91425" spcFirstLastPara="1" rIns="91425" wrap="square" tIns="91425">
             <a:normAutofit/>
           </a:bodyPr>
           <a:lstStyle/>
           <a:p>
-            <a:pPr marL="0" lvl="0" indent="0" algn="l" rtl="0">
+            <a:pPr indent="0" lvl="0" marL="0" rtl="0" algn="l">
               <a:spcBef>
                 <a:spcPts val="0"/>
               </a:spcBef>
@@ -6873,7 +6718,7 @@
             <a:endParaRPr/>
           </a:p>
           <a:p>
-            <a:pPr marL="457200" lvl="0" indent="-342900" algn="l" rtl="0">
+            <a:pPr indent="-342900" lvl="0" marL="457200" rtl="0" algn="l">
               <a:spcBef>
                 <a:spcPts val="1200"/>
               </a:spcBef>
@@ -6890,7 +6735,7 @@
             <a:endParaRPr/>
           </a:p>
           <a:p>
-            <a:pPr marL="914400" lvl="1" indent="-317500" algn="l" rtl="0">
+            <a:pPr indent="-317500" lvl="1" marL="914400" rtl="0" algn="l">
               <a:spcBef>
                 <a:spcPts val="0"/>
               </a:spcBef>
@@ -6907,7 +6752,7 @@
             <a:endParaRPr/>
           </a:p>
           <a:p>
-            <a:pPr marL="914400" lvl="1" indent="-317500" algn="l" rtl="0">
+            <a:pPr indent="-317500" lvl="1" marL="914400" rtl="0" algn="l">
               <a:spcBef>
                 <a:spcPts val="0"/>
               </a:spcBef>
@@ -6924,7 +6769,7 @@
             <a:endParaRPr/>
           </a:p>
           <a:p>
-            <a:pPr marL="457200" lvl="0" indent="-342900" algn="l" rtl="0">
+            <a:pPr indent="-342900" lvl="0" marL="457200" rtl="0" algn="l">
               <a:spcBef>
                 <a:spcPts val="0"/>
               </a:spcBef>
@@ -6941,7 +6786,7 @@
             <a:endParaRPr/>
           </a:p>
           <a:p>
-            <a:pPr marL="914400" lvl="1" indent="-317500" algn="l" rtl="0">
+            <a:pPr indent="-317500" lvl="1" marL="914400" rtl="0" algn="l">
               <a:spcBef>
                 <a:spcPts val="0"/>
               </a:spcBef>
@@ -6958,7 +6803,7 @@
             <a:endParaRPr/>
           </a:p>
           <a:p>
-            <a:pPr marL="914400" lvl="1" indent="-317500" algn="l" rtl="0">
+            <a:pPr indent="-317500" lvl="1" marL="914400" rtl="0" algn="l">
               <a:spcBef>
                 <a:spcPts val="0"/>
               </a:spcBef>
@@ -6975,7 +6820,7 @@
             <a:endParaRPr/>
           </a:p>
           <a:p>
-            <a:pPr marL="457200" lvl="0" indent="-342900" algn="l" rtl="0">
+            <a:pPr indent="-342900" lvl="0" marL="457200" rtl="0" algn="l">
               <a:spcBef>
                 <a:spcPts val="0"/>
               </a:spcBef>
@@ -6992,7 +6837,7 @@
             <a:endParaRPr/>
           </a:p>
           <a:p>
-            <a:pPr marL="914400" lvl="1" indent="-317500" algn="l" rtl="0">
+            <a:pPr indent="-317500" lvl="1" marL="914400" rtl="0" algn="l">
               <a:spcBef>
                 <a:spcPts val="0"/>
               </a:spcBef>
@@ -7009,7 +6854,7 @@
             <a:endParaRPr/>
           </a:p>
           <a:p>
-            <a:pPr marL="914400" lvl="1" indent="-317500" algn="l" rtl="0">
+            <a:pPr indent="-317500" lvl="1" marL="914400" rtl="0" algn="l">
               <a:spcBef>
                 <a:spcPts val="0"/>
               </a:spcBef>
@@ -7054,7 +6899,7 @@
             <a:noFill/>
           </a:ln>
           <a:effectLst>
-            <a:outerShdw blurRad="57150" dist="19050" dir="5400000" algn="bl" rotWithShape="0">
+            <a:outerShdw blurRad="57150" rotWithShape="0" algn="bl" dir="5400000" dist="19050">
               <a:srgbClr val="000000">
                 <a:alpha val="50000"/>
               </a:srgbClr>
@@ -7089,7 +6934,7 @@
             <a:noFill/>
           </a:ln>
           <a:effectLst>
-            <a:outerShdw blurRad="57150" dist="19050" dir="5400000" algn="bl" rotWithShape="0">
+            <a:outerShdw blurRad="57150" rotWithShape="0" algn="bl" dir="5400000" dist="19050">
               <a:srgbClr val="000000">
                 <a:alpha val="50000"/>
               </a:srgbClr>
@@ -7124,7 +6969,7 @@
             <a:noFill/>
           </a:ln>
           <a:effectLst>
-            <a:outerShdw blurRad="57150" dist="19050" dir="5400000" algn="bl" rotWithShape="0">
+            <a:outerShdw blurRad="57150" rotWithShape="0" algn="bl" dir="5400000" dist="19050">
               <a:srgbClr val="000000">
                 <a:alpha val="50000"/>
               </a:srgbClr>
@@ -7159,7 +7004,7 @@
             <a:noFill/>
           </a:ln>
           <a:effectLst>
-            <a:outerShdw blurRad="57150" dist="19050" dir="5400000" algn="bl" rotWithShape="0">
+            <a:outerShdw blurRad="57150" rotWithShape="0" algn="bl" dir="5400000" dist="19050">
               <a:srgbClr val="000000">
                 <a:alpha val="50000"/>
               </a:srgbClr>
@@ -7194,7 +7039,7 @@
             <a:noFill/>
           </a:ln>
           <a:effectLst>
-            <a:outerShdw blurRad="57150" dist="19050" dir="5400000" algn="bl" rotWithShape="0">
+            <a:outerShdw blurRad="57150" rotWithShape="0" algn="bl" dir="5400000" dist="19050">
               <a:srgbClr val="000000">
                 <a:alpha val="50000"/>
               </a:srgbClr>
@@ -7229,7 +7074,7 @@
             <a:noFill/>
           </a:ln>
           <a:effectLst>
-            <a:outerShdw blurRad="57150" dist="19050" dir="5400000" algn="bl" rotWithShape="0">
+            <a:outerShdw blurRad="57150" rotWithShape="0" algn="bl" dir="5400000" dist="19050">
               <a:srgbClr val="000000">
                 <a:alpha val="50000"/>
               </a:srgbClr>
@@ -7246,11 +7091,11 @@
 </file>
 
 <file path=ppt/slides/slide5.xml><?xml version="1.0" encoding="utf-8"?>
-<p:sld xmlns:a="http://schemas.openxmlformats.org/drawingml/2006/main" xmlns:r="http://schemas.openxmlformats.org/officeDocument/2006/relationships" xmlns:p="http://schemas.openxmlformats.org/presentationml/2006/main">
+<p:sld xmlns:a="http://schemas.openxmlformats.org/drawingml/2006/main" xmlns:r="http://schemas.openxmlformats.org/officeDocument/2006/relationships" xmlns:mc="http://schemas.openxmlformats.org/markup-compatibility/2006" xmlns:mv="urn:schemas-microsoft-com:mac:vml" xmlns:p="http://schemas.openxmlformats.org/presentationml/2006/main" xmlns:c="http://schemas.openxmlformats.org/drawingml/2006/chart" xmlns:dgm="http://schemas.openxmlformats.org/drawingml/2006/diagram" xmlns:o="urn:schemas-microsoft-com:office:office" xmlns:v="urn:schemas-microsoft-com:vml" xmlns:pvml="urn:schemas-microsoft-com:office:powerpoint" xmlns:com="http://schemas.openxmlformats.org/drawingml/2006/compatibility" xmlns:p14="http://schemas.microsoft.com/office/powerpoint/2010/main" xmlns:p15="http://schemas.microsoft.com/office/powerpoint/2012/main" xmlns:ahyp="http://schemas.microsoft.com/office/drawing/2018/hyperlinkcolor">
   <p:cSld>
     <p:spTree>
       <p:nvGrpSpPr>
-        <p:cNvPr id="1" name="Shape 86"/>
+        <p:cNvPr id="86" name="Shape 86"/>
         <p:cNvGrpSpPr/>
         <p:nvPr/>
       </p:nvGrpSpPr>
@@ -7265,9 +7110,7 @@
       <p:sp>
         <p:nvSpPr>
           <p:cNvPr id="87" name="Google Shape;87;p17"/>
-          <p:cNvSpPr txBox="1">
-            <a:spLocks noGrp="1"/>
-          </p:cNvSpPr>
+          <p:cNvSpPr txBox="1"/>
           <p:nvPr>
             <p:ph type="title"/>
           </p:nvPr>
@@ -7282,12 +7125,12 @@
           </a:prstGeom>
         </p:spPr>
         <p:txBody>
-          <a:bodyPr spcFirstLastPara="1" wrap="square" lIns="91425" tIns="91425" rIns="91425" bIns="91425" anchor="t" anchorCtr="0">
+          <a:bodyPr anchorCtr="0" anchor="t" bIns="91425" lIns="91425" spcFirstLastPara="1" rIns="91425" wrap="square" tIns="91425">
             <a:normAutofit fontScale="90000"/>
           </a:bodyPr>
           <a:lstStyle/>
           <a:p>
-            <a:pPr marL="0" lvl="0" indent="0" algn="l" rtl="0">
+            <a:pPr indent="0" lvl="0" marL="0" rtl="0" algn="l">
               <a:spcBef>
                 <a:spcPts val="0"/>
               </a:spcBef>
@@ -7307,11 +7150,9 @@
       <p:sp>
         <p:nvSpPr>
           <p:cNvPr id="88" name="Google Shape;88;p17"/>
-          <p:cNvSpPr txBox="1">
-            <a:spLocks noGrp="1"/>
-          </p:cNvSpPr>
+          <p:cNvSpPr txBox="1"/>
           <p:nvPr>
-            <p:ph type="body" idx="1"/>
+            <p:ph idx="1" type="body"/>
           </p:nvPr>
         </p:nvSpPr>
         <p:spPr>
@@ -7324,12 +7165,12 @@
           </a:prstGeom>
         </p:spPr>
         <p:txBody>
-          <a:bodyPr spcFirstLastPara="1" wrap="square" lIns="91425" tIns="91425" rIns="91425" bIns="91425" anchor="t" anchorCtr="0">
+          <a:bodyPr anchorCtr="0" anchor="t" bIns="91425" lIns="91425" spcFirstLastPara="1" rIns="91425" wrap="square" tIns="91425">
             <a:normAutofit/>
           </a:bodyPr>
           <a:lstStyle/>
           <a:p>
-            <a:pPr marL="0" lvl="0" indent="0" algn="l" rtl="0">
+            <a:pPr indent="0" lvl="0" marL="0" rtl="0" algn="l">
               <a:spcBef>
                 <a:spcPts val="0"/>
               </a:spcBef>
@@ -7345,7 +7186,7 @@
             <a:endParaRPr/>
           </a:p>
           <a:p>
-            <a:pPr marL="0" lvl="0" indent="0" algn="l" rtl="0">
+            <a:pPr indent="0" lvl="0" marL="0" rtl="0" algn="l">
               <a:spcBef>
                 <a:spcPts val="1200"/>
               </a:spcBef>
@@ -7361,7 +7202,7 @@
             <a:endParaRPr/>
           </a:p>
           <a:p>
-            <a:pPr marL="0" lvl="0" indent="0" algn="l" rtl="0">
+            <a:pPr indent="0" lvl="0" marL="0" rtl="0" algn="l">
               <a:spcBef>
                 <a:spcPts val="1200"/>
               </a:spcBef>
@@ -7405,7 +7246,7 @@
             <a:noFill/>
           </a:ln>
           <a:effectLst>
-            <a:outerShdw blurRad="57150" dist="19050" dir="5400000" algn="bl" rotWithShape="0">
+            <a:outerShdw blurRad="57150" rotWithShape="0" algn="bl" dir="5400000" dist="19050">
               <a:srgbClr val="000000">
                 <a:alpha val="50000"/>
               </a:srgbClr>
@@ -7440,7 +7281,7 @@
             <a:noFill/>
           </a:ln>
           <a:effectLst>
-            <a:outerShdw blurRad="57150" dist="19050" dir="5400000" algn="bl" rotWithShape="0">
+            <a:outerShdw blurRad="57150" rotWithShape="0" algn="bl" dir="5400000" dist="19050">
               <a:srgbClr val="000000">
                 <a:alpha val="50000"/>
               </a:srgbClr>
@@ -7457,11 +7298,11 @@
 </file>
 
 <file path=ppt/slides/slide6.xml><?xml version="1.0" encoding="utf-8"?>
-<p:sld xmlns:a="http://schemas.openxmlformats.org/drawingml/2006/main" xmlns:r="http://schemas.openxmlformats.org/officeDocument/2006/relationships" xmlns:p="http://schemas.openxmlformats.org/presentationml/2006/main">
+<p:sld xmlns:a="http://schemas.openxmlformats.org/drawingml/2006/main" xmlns:r="http://schemas.openxmlformats.org/officeDocument/2006/relationships" xmlns:mc="http://schemas.openxmlformats.org/markup-compatibility/2006" xmlns:mv="urn:schemas-microsoft-com:mac:vml" xmlns:p="http://schemas.openxmlformats.org/presentationml/2006/main" xmlns:c="http://schemas.openxmlformats.org/drawingml/2006/chart" xmlns:dgm="http://schemas.openxmlformats.org/drawingml/2006/diagram" xmlns:o="urn:schemas-microsoft-com:office:office" xmlns:v="urn:schemas-microsoft-com:vml" xmlns:pvml="urn:schemas-microsoft-com:office:powerpoint" xmlns:com="http://schemas.openxmlformats.org/drawingml/2006/compatibility" xmlns:p14="http://schemas.microsoft.com/office/powerpoint/2010/main" xmlns:p15="http://schemas.microsoft.com/office/powerpoint/2012/main" xmlns:ahyp="http://schemas.microsoft.com/office/drawing/2018/hyperlinkcolor">
   <p:cSld>
     <p:spTree>
       <p:nvGrpSpPr>
-        <p:cNvPr id="1" name="Shape 94"/>
+        <p:cNvPr id="94" name="Shape 94"/>
         <p:cNvGrpSpPr/>
         <p:nvPr/>
       </p:nvGrpSpPr>
@@ -7476,9 +7317,7 @@
       <p:sp>
         <p:nvSpPr>
           <p:cNvPr id="95" name="Google Shape;95;p18"/>
-          <p:cNvSpPr txBox="1">
-            <a:spLocks noGrp="1"/>
-          </p:cNvSpPr>
+          <p:cNvSpPr txBox="1"/>
           <p:nvPr>
             <p:ph type="title"/>
           </p:nvPr>
@@ -7493,12 +7332,12 @@
           </a:prstGeom>
         </p:spPr>
         <p:txBody>
-          <a:bodyPr spcFirstLastPara="1" wrap="square" lIns="91425" tIns="91425" rIns="91425" bIns="91425" anchor="t" anchorCtr="0">
+          <a:bodyPr anchorCtr="0" anchor="t" bIns="91425" lIns="91425" spcFirstLastPara="1" rIns="91425" wrap="square" tIns="91425">
             <a:normAutofit fontScale="90000"/>
           </a:bodyPr>
           <a:lstStyle/>
           <a:p>
-            <a:pPr marL="0" lvl="0" indent="0" algn="l" rtl="0">
+            <a:pPr indent="0" lvl="0" marL="0" rtl="0" algn="l">
               <a:spcBef>
                 <a:spcPts val="0"/>
               </a:spcBef>
@@ -7518,11 +7357,9 @@
       <p:sp>
         <p:nvSpPr>
           <p:cNvPr id="96" name="Google Shape;96;p18"/>
-          <p:cNvSpPr txBox="1">
-            <a:spLocks noGrp="1"/>
-          </p:cNvSpPr>
+          <p:cNvSpPr txBox="1"/>
           <p:nvPr>
-            <p:ph type="body" idx="1"/>
+            <p:ph idx="1" type="body"/>
           </p:nvPr>
         </p:nvSpPr>
         <p:spPr>
@@ -7535,12 +7372,12 @@
           </a:prstGeom>
         </p:spPr>
         <p:txBody>
-          <a:bodyPr spcFirstLastPara="1" wrap="square" lIns="91425" tIns="91425" rIns="91425" bIns="91425" anchor="t" anchorCtr="0">
+          <a:bodyPr anchorCtr="0" anchor="t" bIns="91425" lIns="91425" spcFirstLastPara="1" rIns="91425" wrap="square" tIns="91425">
             <a:normAutofit/>
           </a:bodyPr>
           <a:lstStyle/>
           <a:p>
-            <a:pPr marL="0" lvl="0" indent="0" algn="l" rtl="0">
+            <a:pPr indent="0" lvl="0" marL="0" rtl="0" algn="l">
               <a:spcBef>
                 <a:spcPts val="0"/>
               </a:spcBef>
@@ -7556,7 +7393,7 @@
             <a:endParaRPr/>
           </a:p>
           <a:p>
-            <a:pPr marL="0" lvl="0" indent="0" algn="l" rtl="0">
+            <a:pPr indent="0" lvl="0" marL="0" rtl="0" algn="l">
               <a:spcBef>
                 <a:spcPts val="1200"/>
               </a:spcBef>
@@ -7572,7 +7409,7 @@
             <a:endParaRPr/>
           </a:p>
           <a:p>
-            <a:pPr marL="457200" lvl="0" indent="-342900" algn="l" rtl="0">
+            <a:pPr indent="-342900" lvl="0" marL="457200" rtl="0" algn="l">
               <a:spcBef>
                 <a:spcPts val="1200"/>
               </a:spcBef>
@@ -7589,7 +7426,7 @@
             <a:endParaRPr/>
           </a:p>
           <a:p>
-            <a:pPr marL="457200" lvl="0" indent="-342900" algn="l" rtl="0">
+            <a:pPr indent="-342900" lvl="0" marL="457200" rtl="0" algn="l">
               <a:spcBef>
                 <a:spcPts val="0"/>
               </a:spcBef>
@@ -7606,7 +7443,41 @@
             <a:endParaRPr/>
           </a:p>
           <a:p>
-            <a:pPr marL="457200" lvl="0" indent="-342900" algn="l" rtl="0">
+            <a:pPr indent="-317500" lvl="1" marL="914400" rtl="0" algn="l">
+              <a:spcBef>
+                <a:spcPts val="0"/>
+              </a:spcBef>
+              <a:spcAft>
+                <a:spcPts val="0"/>
+              </a:spcAft>
+              <a:buSzPts val="1400"/>
+              <a:buChar char="○"/>
+            </a:pPr>
+            <a:r>
+              <a:rPr lang="en"/>
+              <a:t>Health is decreased based on attack and defense stats</a:t>
+            </a:r>
+            <a:endParaRPr/>
+          </a:p>
+          <a:p>
+            <a:pPr indent="-317500" lvl="1" marL="914400" rtl="0" algn="l">
+              <a:spcBef>
+                <a:spcPts val="0"/>
+              </a:spcBef>
+              <a:spcAft>
+                <a:spcPts val="0"/>
+              </a:spcAft>
+              <a:buSzPts val="1400"/>
+              <a:buChar char="○"/>
+            </a:pPr>
+            <a:r>
+              <a:rPr lang="en"/>
+              <a:t>Unit is removed if its health is depleted</a:t>
+            </a:r>
+            <a:endParaRPr/>
+          </a:p>
+          <a:p>
+            <a:pPr indent="-342900" lvl="0" marL="457200" rtl="0" algn="l">
               <a:spcBef>
                 <a:spcPts val="0"/>
               </a:spcBef>
@@ -7623,7 +7494,7 @@
             <a:endParaRPr/>
           </a:p>
           <a:p>
-            <a:pPr marL="914400" lvl="1" indent="-317500" algn="l" rtl="0">
+            <a:pPr indent="-317500" lvl="1" marL="914400" rtl="0" algn="l">
               <a:spcBef>
                 <a:spcPts val="0"/>
               </a:spcBef>
@@ -7640,7 +7511,7 @@
             <a:endParaRPr/>
           </a:p>
           <a:p>
-            <a:pPr marL="914400" lvl="1" indent="-317500" algn="l" rtl="0">
+            <a:pPr indent="-317500" lvl="1" marL="914400" rtl="0" algn="l">
               <a:spcBef>
                 <a:spcPts val="0"/>
               </a:spcBef>
@@ -7657,7 +7528,7 @@
             <a:endParaRPr/>
           </a:p>
           <a:p>
-            <a:pPr marL="914400" lvl="1" indent="-317500" algn="l" rtl="0">
+            <a:pPr indent="-317500" lvl="1" marL="914400" rtl="0" algn="l">
               <a:spcBef>
                 <a:spcPts val="0"/>
               </a:spcBef>
@@ -7702,7 +7573,7 @@
             <a:noFill/>
           </a:ln>
           <a:effectLst>
-            <a:outerShdw blurRad="57150" dist="19050" dir="5400000" algn="bl" rotWithShape="0">
+            <a:outerShdw blurRad="57150" rotWithShape="0" algn="bl" dir="5400000" dist="19050">
               <a:srgbClr val="000000">
                 <a:alpha val="50000"/>
               </a:srgbClr>
@@ -7719,11 +7590,11 @@
 </file>
 
 <file path=ppt/slides/slide7.xml><?xml version="1.0" encoding="utf-8"?>
-<p:sld xmlns:a="http://schemas.openxmlformats.org/drawingml/2006/main" xmlns:r="http://schemas.openxmlformats.org/officeDocument/2006/relationships" xmlns:p="http://schemas.openxmlformats.org/presentationml/2006/main">
+<p:sld xmlns:a="http://schemas.openxmlformats.org/drawingml/2006/main" xmlns:r="http://schemas.openxmlformats.org/officeDocument/2006/relationships" xmlns:mc="http://schemas.openxmlformats.org/markup-compatibility/2006" xmlns:mv="urn:schemas-microsoft-com:mac:vml" xmlns:p="http://schemas.openxmlformats.org/presentationml/2006/main" xmlns:c="http://schemas.openxmlformats.org/drawingml/2006/chart" xmlns:dgm="http://schemas.openxmlformats.org/drawingml/2006/diagram" xmlns:o="urn:schemas-microsoft-com:office:office" xmlns:v="urn:schemas-microsoft-com:vml" xmlns:pvml="urn:schemas-microsoft-com:office:powerpoint" xmlns:com="http://schemas.openxmlformats.org/drawingml/2006/compatibility" xmlns:p14="http://schemas.microsoft.com/office/powerpoint/2010/main" xmlns:p15="http://schemas.microsoft.com/office/powerpoint/2012/main" xmlns:ahyp="http://schemas.microsoft.com/office/drawing/2018/hyperlinkcolor">
   <p:cSld>
     <p:spTree>
       <p:nvGrpSpPr>
-        <p:cNvPr id="1" name="Shape 101"/>
+        <p:cNvPr id="101" name="Shape 101"/>
         <p:cNvGrpSpPr/>
         <p:nvPr/>
       </p:nvGrpSpPr>
@@ -7738,9 +7609,7 @@
       <p:sp>
         <p:nvSpPr>
           <p:cNvPr id="102" name="Google Shape;102;p19"/>
-          <p:cNvSpPr txBox="1">
-            <a:spLocks noGrp="1"/>
-          </p:cNvSpPr>
+          <p:cNvSpPr txBox="1"/>
           <p:nvPr>
             <p:ph type="title"/>
           </p:nvPr>
@@ -7755,12 +7624,12 @@
           </a:prstGeom>
         </p:spPr>
         <p:txBody>
-          <a:bodyPr spcFirstLastPara="1" wrap="square" lIns="91425" tIns="91425" rIns="91425" bIns="91425" anchor="t" anchorCtr="0">
+          <a:bodyPr anchorCtr="0" anchor="t" bIns="91425" lIns="91425" spcFirstLastPara="1" rIns="91425" wrap="square" tIns="91425">
             <a:normAutofit fontScale="90000"/>
           </a:bodyPr>
           <a:lstStyle/>
           <a:p>
-            <a:pPr marL="0" lvl="0" indent="0" algn="l" rtl="0">
+            <a:pPr indent="0" lvl="0" marL="0" rtl="0" algn="l">
               <a:spcBef>
                 <a:spcPts val="0"/>
               </a:spcBef>
@@ -7780,11 +7649,9 @@
       <p:sp>
         <p:nvSpPr>
           <p:cNvPr id="103" name="Google Shape;103;p19"/>
-          <p:cNvSpPr txBox="1">
-            <a:spLocks noGrp="1"/>
-          </p:cNvSpPr>
+          <p:cNvSpPr txBox="1"/>
           <p:nvPr>
-            <p:ph type="body" idx="1"/>
+            <p:ph idx="1" type="body"/>
           </p:nvPr>
         </p:nvSpPr>
         <p:spPr>
@@ -7797,12 +7664,12 @@
           </a:prstGeom>
         </p:spPr>
         <p:txBody>
-          <a:bodyPr spcFirstLastPara="1" wrap="square" lIns="91425" tIns="91425" rIns="91425" bIns="91425" anchor="t" anchorCtr="0">
+          <a:bodyPr anchorCtr="0" anchor="t" bIns="91425" lIns="91425" spcFirstLastPara="1" rIns="91425" wrap="square" tIns="91425">
             <a:normAutofit/>
           </a:bodyPr>
           <a:lstStyle/>
           <a:p>
-            <a:pPr marL="0" lvl="0" indent="0" algn="l" rtl="0">
+            <a:pPr indent="0" lvl="0" marL="0" rtl="0" algn="l">
               <a:spcBef>
                 <a:spcPts val="0"/>
               </a:spcBef>
@@ -7818,7 +7685,7 @@
             <a:endParaRPr/>
           </a:p>
           <a:p>
-            <a:pPr marL="0" lvl="0" indent="0" algn="l" rtl="0">
+            <a:pPr indent="0" lvl="0" marL="0" rtl="0" algn="l">
               <a:spcBef>
                 <a:spcPts val="1200"/>
               </a:spcBef>
@@ -7827,10 +7694,13 @@
               </a:spcAft>
               <a:buNone/>
             </a:pPr>
+            <a:r>
+              <a:t/>
+            </a:r>
             <a:endParaRPr/>
           </a:p>
           <a:p>
-            <a:pPr marL="0" lvl="0" indent="0" algn="l" rtl="0">
+            <a:pPr indent="0" lvl="0" marL="0" rtl="0" algn="l">
               <a:spcBef>
                 <a:spcPts val="1200"/>
               </a:spcBef>
@@ -7846,7 +7716,7 @@
             <a:endParaRPr/>
           </a:p>
           <a:p>
-            <a:pPr marL="0" lvl="0" indent="0" algn="l" rtl="0">
+            <a:pPr indent="0" lvl="0" marL="0" rtl="0" algn="l">
               <a:spcBef>
                 <a:spcPts val="1200"/>
               </a:spcBef>
@@ -7855,10 +7725,13 @@
               </a:spcAft>
               <a:buNone/>
             </a:pPr>
+            <a:r>
+              <a:t/>
+            </a:r>
             <a:endParaRPr/>
           </a:p>
           <a:p>
-            <a:pPr marL="0" lvl="0" indent="0" algn="l" rtl="0">
+            <a:pPr indent="0" lvl="0" marL="0" rtl="0" algn="l">
               <a:spcBef>
                 <a:spcPts val="1200"/>
               </a:spcBef>
@@ -7902,7 +7775,7 @@
             <a:noFill/>
           </a:ln>
           <a:effectLst>
-            <a:outerShdw blurRad="57150" dist="19050" dir="5400000" algn="bl" rotWithShape="0">
+            <a:outerShdw blurRad="57150" rotWithShape="0" algn="bl" dir="5400000" dist="19050">
               <a:srgbClr val="000000">
                 <a:alpha val="50000"/>
               </a:srgbClr>
@@ -7937,7 +7810,7 @@
             <a:noFill/>
           </a:ln>
           <a:effectLst>
-            <a:outerShdw blurRad="57150" dist="19050" dir="5400000" algn="bl" rotWithShape="0">
+            <a:outerShdw blurRad="57150" rotWithShape="0" algn="bl" dir="5400000" dist="19050">
               <a:srgbClr val="000000">
                 <a:alpha val="50000"/>
               </a:srgbClr>
@@ -7972,7 +7845,7 @@
             <a:noFill/>
           </a:ln>
           <a:effectLst>
-            <a:outerShdw blurRad="57150" dist="19050" dir="5400000" algn="bl" rotWithShape="0">
+            <a:outerShdw blurRad="57150" rotWithShape="0" algn="bl" dir="5400000" dist="19050">
               <a:srgbClr val="000000">
                 <a:alpha val="50000"/>
               </a:srgbClr>
@@ -7989,11 +7862,11 @@
 </file>
 
 <file path=ppt/slides/slide8.xml><?xml version="1.0" encoding="utf-8"?>
-<p:sld xmlns:a="http://schemas.openxmlformats.org/drawingml/2006/main" xmlns:r="http://schemas.openxmlformats.org/officeDocument/2006/relationships" xmlns:p="http://schemas.openxmlformats.org/presentationml/2006/main">
+<p:sld xmlns:a="http://schemas.openxmlformats.org/drawingml/2006/main" xmlns:r="http://schemas.openxmlformats.org/officeDocument/2006/relationships" xmlns:mc="http://schemas.openxmlformats.org/markup-compatibility/2006" xmlns:mv="urn:schemas-microsoft-com:mac:vml" xmlns:p="http://schemas.openxmlformats.org/presentationml/2006/main" xmlns:c="http://schemas.openxmlformats.org/drawingml/2006/chart" xmlns:dgm="http://schemas.openxmlformats.org/drawingml/2006/diagram" xmlns:o="urn:schemas-microsoft-com:office:office" xmlns:v="urn:schemas-microsoft-com:vml" xmlns:pvml="urn:schemas-microsoft-com:office:powerpoint" xmlns:com="http://schemas.openxmlformats.org/drawingml/2006/compatibility" xmlns:p14="http://schemas.microsoft.com/office/powerpoint/2010/main" xmlns:p15="http://schemas.microsoft.com/office/powerpoint/2012/main" xmlns:ahyp="http://schemas.microsoft.com/office/drawing/2018/hyperlinkcolor">
   <p:cSld>
     <p:spTree>
       <p:nvGrpSpPr>
-        <p:cNvPr id="1" name="Shape 110"/>
+        <p:cNvPr id="110" name="Shape 110"/>
         <p:cNvGrpSpPr/>
         <p:nvPr/>
       </p:nvGrpSpPr>
@@ -8008,9 +7881,7 @@
       <p:sp>
         <p:nvSpPr>
           <p:cNvPr id="111" name="Google Shape;111;p20"/>
-          <p:cNvSpPr txBox="1">
-            <a:spLocks noGrp="1"/>
-          </p:cNvSpPr>
+          <p:cNvSpPr txBox="1"/>
           <p:nvPr>
             <p:ph type="title"/>
           </p:nvPr>
@@ -8025,12 +7896,12 @@
           </a:prstGeom>
         </p:spPr>
         <p:txBody>
-          <a:bodyPr spcFirstLastPara="1" wrap="square" lIns="91425" tIns="91425" rIns="91425" bIns="91425" anchor="t" anchorCtr="0">
+          <a:bodyPr anchorCtr="0" anchor="t" bIns="91425" lIns="91425" spcFirstLastPara="1" rIns="91425" wrap="square" tIns="91425">
             <a:normAutofit fontScale="90000"/>
           </a:bodyPr>
           <a:lstStyle/>
           <a:p>
-            <a:pPr marL="0" lvl="0" indent="0" algn="l" rtl="0">
+            <a:pPr indent="0" lvl="0" marL="0" rtl="0" algn="l">
               <a:spcBef>
                 <a:spcPts val="0"/>
               </a:spcBef>
@@ -8050,11 +7921,9 @@
       <p:sp>
         <p:nvSpPr>
           <p:cNvPr id="112" name="Google Shape;112;p20"/>
-          <p:cNvSpPr txBox="1">
-            <a:spLocks noGrp="1"/>
-          </p:cNvSpPr>
+          <p:cNvSpPr txBox="1"/>
           <p:nvPr>
-            <p:ph type="body" idx="1"/>
+            <p:ph idx="1" type="body"/>
           </p:nvPr>
         </p:nvSpPr>
         <p:spPr>
@@ -8067,12 +7936,12 @@
           </a:prstGeom>
         </p:spPr>
         <p:txBody>
-          <a:bodyPr spcFirstLastPara="1" wrap="square" lIns="91425" tIns="91425" rIns="91425" bIns="91425" anchor="t" anchorCtr="0">
+          <a:bodyPr anchorCtr="0" anchor="t" bIns="91425" lIns="91425" spcFirstLastPara="1" rIns="91425" wrap="square" tIns="91425">
             <a:normAutofit/>
           </a:bodyPr>
           <a:lstStyle/>
           <a:p>
-            <a:pPr marL="457200" lvl="0" indent="-342900" algn="l" rtl="0">
+            <a:pPr indent="-342900" lvl="0" marL="457200" rtl="0" algn="l">
               <a:spcBef>
                 <a:spcPts val="0"/>
               </a:spcBef>
@@ -8089,7 +7958,7 @@
             <a:endParaRPr/>
           </a:p>
           <a:p>
-            <a:pPr marL="914400" lvl="1" indent="-317500" algn="l" rtl="0">
+            <a:pPr indent="-317500" lvl="1" marL="914400" rtl="0" algn="l">
               <a:spcBef>
                 <a:spcPts val="0"/>
               </a:spcBef>
@@ -8106,7 +7975,7 @@
             <a:endParaRPr/>
           </a:p>
           <a:p>
-            <a:pPr marL="457200" lvl="0" indent="-342900" algn="l" rtl="0">
+            <a:pPr indent="-342900" lvl="0" marL="457200" rtl="0" algn="l">
               <a:spcBef>
                 <a:spcPts val="0"/>
               </a:spcBef>
@@ -8123,7 +7992,7 @@
             <a:endParaRPr/>
           </a:p>
           <a:p>
-            <a:pPr marL="914400" lvl="1" indent="-317500" algn="l" rtl="0">
+            <a:pPr indent="-317500" lvl="1" marL="914400" rtl="0" algn="l">
               <a:spcBef>
                 <a:spcPts val="0"/>
               </a:spcBef>
@@ -8140,7 +8009,7 @@
             <a:endParaRPr/>
           </a:p>
           <a:p>
-            <a:pPr marL="457200" lvl="0" indent="-342900" algn="l" rtl="0">
+            <a:pPr indent="-342900" lvl="0" marL="457200" rtl="0" algn="l">
               <a:spcBef>
                 <a:spcPts val="0"/>
               </a:spcBef>
@@ -8157,7 +8026,7 @@
             <a:endParaRPr/>
           </a:p>
           <a:p>
-            <a:pPr marL="914400" lvl="1" indent="-317500" algn="l" rtl="0">
+            <a:pPr indent="-317500" lvl="1" marL="914400" rtl="0" algn="l">
               <a:spcBef>
                 <a:spcPts val="0"/>
               </a:spcBef>
@@ -8174,7 +8043,7 @@
             <a:endParaRPr/>
           </a:p>
           <a:p>
-            <a:pPr marL="457200" lvl="0" indent="-342900" algn="l" rtl="0">
+            <a:pPr indent="-342900" lvl="0" marL="457200" rtl="0" algn="l">
               <a:spcBef>
                 <a:spcPts val="0"/>
               </a:spcBef>
@@ -8191,7 +8060,7 @@
             <a:endParaRPr/>
           </a:p>
           <a:p>
-            <a:pPr marL="914400" lvl="1" indent="-317500" algn="l" rtl="0">
+            <a:pPr indent="-317500" lvl="1" marL="914400" rtl="0" algn="l">
               <a:spcBef>
                 <a:spcPts val="0"/>
               </a:spcBef>
@@ -8208,7 +8077,7 @@
             <a:endParaRPr/>
           </a:p>
           <a:p>
-            <a:pPr marL="457200" lvl="0" indent="-342900" algn="l" rtl="0">
+            <a:pPr indent="-342900" lvl="0" marL="457200" rtl="0" algn="l">
               <a:spcBef>
                 <a:spcPts val="0"/>
               </a:spcBef>
@@ -8225,7 +8094,7 @@
             <a:endParaRPr/>
           </a:p>
           <a:p>
-            <a:pPr marL="914400" lvl="1" indent="-317500" algn="l" rtl="0">
+            <a:pPr indent="-317500" lvl="1" marL="914400" rtl="0" algn="l">
               <a:spcBef>
                 <a:spcPts val="0"/>
               </a:spcBef>
@@ -8252,7 +8121,286 @@
 </file>
 
 <file path=ppt/theme/theme1.xml><?xml version="1.0" encoding="utf-8"?>
-<a:theme xmlns:a="http://schemas.openxmlformats.org/drawingml/2006/main" name="Simple Light">
+<a:theme xmlns:a="http://schemas.openxmlformats.org/drawingml/2006/main" xmlns:r="http://schemas.openxmlformats.org/officeDocument/2006/relationships">
+  <a:themeElements>
+    <a:clrScheme name="Default">
+      <a:dk1>
+        <a:srgbClr val="000000"/>
+      </a:dk1>
+      <a:lt1>
+        <a:srgbClr val="FFFFFF"/>
+      </a:lt1>
+      <a:dk2>
+        <a:srgbClr val="158158"/>
+      </a:dk2>
+      <a:lt2>
+        <a:srgbClr val="F3F3F3"/>
+      </a:lt2>
+      <a:accent1>
+        <a:srgbClr val="058DC7"/>
+      </a:accent1>
+      <a:accent2>
+        <a:srgbClr val="50B432"/>
+      </a:accent2>
+      <a:accent3>
+        <a:srgbClr val="ED561B"/>
+      </a:accent3>
+      <a:accent4>
+        <a:srgbClr val="EDEF00"/>
+      </a:accent4>
+      <a:accent5>
+        <a:srgbClr val="24CBE5"/>
+      </a:accent5>
+      <a:accent6>
+        <a:srgbClr val="64E572"/>
+      </a:accent6>
+      <a:hlink>
+        <a:srgbClr val="2200CC"/>
+      </a:hlink>
+      <a:folHlink>
+        <a:srgbClr val="551A8B"/>
+      </a:folHlink>
+    </a:clrScheme>
+    <a:fontScheme name="Office">
+      <a:majorFont>
+        <a:latin typeface="Arial"/>
+        <a:ea typeface=""/>
+        <a:cs typeface=""/>
+        <a:font script="Jpan" typeface="ＭＳ Ｐゴシック"/>
+        <a:font script="Hang" typeface="맑은 고딕"/>
+        <a:font script="Hans" typeface="宋体"/>
+        <a:font script="Hant" typeface="新細明體"/>
+        <a:font script="Arab" typeface="Times New Roman"/>
+        <a:font script="Hebr" typeface="Times New Roman"/>
+        <a:font script="Thai" typeface="Angsana New"/>
+        <a:font script="Ethi" typeface="Nyala"/>
+        <a:font script="Beng" typeface="Vrinda"/>
+        <a:font script="Gujr" typeface="Shruti"/>
+        <a:font script="Khmr" typeface="MoolBoran"/>
+        <a:font script="Knda" typeface="Tunga"/>
+        <a:font script="Guru" typeface="Raavi"/>
+        <a:font script="Cans" typeface="Euphemia"/>
+        <a:font script="Cher" typeface="Plantagenet Cherokee"/>
+        <a:font script="Yiii" typeface="Microsoft Yi Baiti"/>
+        <a:font script="Tibt" typeface="Microsoft Himalaya"/>
+        <a:font script="Thaa" typeface="MV Boli"/>
+        <a:font script="Deva" typeface="Mangal"/>
+        <a:font script="Telu" typeface="Gautami"/>
+        <a:font script="Taml" typeface="Latha"/>
+        <a:font script="Syrc" typeface="Estrangelo Edessa"/>
+        <a:font script="Orya" typeface="Kalinga"/>
+        <a:font script="Mlym" typeface="Kartika"/>
+        <a:font script="Laoo" typeface="DokChampa"/>
+        <a:font script="Sinh" typeface="Iskoola Pota"/>
+        <a:font script="Mong" typeface="Mongolian Baiti"/>
+        <a:font script="Viet" typeface="Times New Roman"/>
+        <a:font script="Uigh" typeface="Microsoft Uighur"/>
+        <a:font script="Geor" typeface="Sylfaen"/>
+      </a:majorFont>
+      <a:minorFont>
+        <a:latin typeface="Arial"/>
+        <a:ea typeface=""/>
+        <a:cs typeface=""/>
+        <a:font script="Jpan" typeface="ＭＳ Ｐゴシック"/>
+        <a:font script="Hang" typeface="맑은 고딕"/>
+        <a:font script="Hans" typeface="宋体"/>
+        <a:font script="Hant" typeface="新細明體"/>
+        <a:font script="Arab" typeface="Arial"/>
+        <a:font script="Hebr" typeface="Arial"/>
+        <a:font script="Thai" typeface="Cordia New"/>
+        <a:font script="Ethi" typeface="Nyala"/>
+        <a:font script="Beng" typeface="Vrinda"/>
+        <a:font script="Gujr" typeface="Shruti"/>
+        <a:font script="Khmr" typeface="DaunPenh"/>
+        <a:font script="Knda" typeface="Tunga"/>
+        <a:font script="Guru" typeface="Raavi"/>
+        <a:font script="Cans" typeface="Euphemia"/>
+        <a:font script="Cher" typeface="Plantagenet Cherokee"/>
+        <a:font script="Yiii" typeface="Microsoft Yi Baiti"/>
+        <a:font script="Tibt" typeface="Microsoft Himalaya"/>
+        <a:font script="Thaa" typeface="MV Boli"/>
+        <a:font script="Deva" typeface="Mangal"/>
+        <a:font script="Telu" typeface="Gautami"/>
+        <a:font script="Taml" typeface="Latha"/>
+        <a:font script="Syrc" typeface="Estrangelo Edessa"/>
+        <a:font script="Orya" typeface="Kalinga"/>
+        <a:font script="Mlym" typeface="Kartika"/>
+        <a:font script="Laoo" typeface="DokChampa"/>
+        <a:font script="Sinh" typeface="Iskoola Pota"/>
+        <a:font script="Mong" typeface="Mongolian Baiti"/>
+        <a:font script="Viet" typeface="Arial"/>
+        <a:font script="Uigh" typeface="Microsoft Uighur"/>
+        <a:font script="Geor" typeface="Sylfaen"/>
+      </a:minorFont>
+    </a:fontScheme>
+    <a:fmtScheme name="Office">
+      <a:fillStyleLst>
+        <a:solidFill>
+          <a:schemeClr val="phClr"/>
+        </a:solidFill>
+        <a:gradFill rotWithShape="1">
+          <a:gsLst>
+            <a:gs pos="0">
+              <a:schemeClr val="phClr">
+                <a:tint val="50000"/>
+                <a:satMod val="300000"/>
+              </a:schemeClr>
+            </a:gs>
+            <a:gs pos="35000">
+              <a:schemeClr val="phClr">
+                <a:tint val="37000"/>
+                <a:satMod val="300000"/>
+              </a:schemeClr>
+            </a:gs>
+            <a:gs pos="100000">
+              <a:schemeClr val="phClr">
+                <a:tint val="15000"/>
+                <a:satMod val="350000"/>
+              </a:schemeClr>
+            </a:gs>
+          </a:gsLst>
+          <a:lin ang="16200000" scaled="1"/>
+        </a:gradFill>
+        <a:gradFill rotWithShape="1">
+          <a:gsLst>
+            <a:gs pos="0">
+              <a:schemeClr val="phClr">
+                <a:tint val="100000"/>
+                <a:shade val="100000"/>
+                <a:satMod val="130000"/>
+              </a:schemeClr>
+            </a:gs>
+            <a:gs pos="100000">
+              <a:schemeClr val="phClr">
+                <a:tint val="50000"/>
+                <a:shade val="100000"/>
+                <a:satMod val="350000"/>
+              </a:schemeClr>
+            </a:gs>
+          </a:gsLst>
+          <a:lin ang="16200000" scaled="0"/>
+        </a:gradFill>
+      </a:fillStyleLst>
+      <a:lnStyleLst>
+        <a:ln w="9525" cap="flat" cmpd="sng" algn="ctr">
+          <a:solidFill>
+            <a:schemeClr val="phClr">
+              <a:shade val="95000"/>
+              <a:satMod val="105000"/>
+            </a:schemeClr>
+          </a:solidFill>
+          <a:prstDash val="solid"/>
+        </a:ln>
+        <a:ln w="25400" cap="flat" cmpd="sng" algn="ctr">
+          <a:solidFill>
+            <a:schemeClr val="phClr"/>
+          </a:solidFill>
+          <a:prstDash val="solid"/>
+        </a:ln>
+        <a:ln w="38100" cap="flat" cmpd="sng" algn="ctr">
+          <a:solidFill>
+            <a:schemeClr val="phClr"/>
+          </a:solidFill>
+          <a:prstDash val="solid"/>
+        </a:ln>
+      </a:lnStyleLst>
+      <a:effectStyleLst>
+        <a:effectStyle>
+          <a:effectLst>
+            <a:outerShdw blurRad="40000" dist="20000" dir="5400000" rotWithShape="0">
+              <a:srgbClr val="000000">
+                <a:alpha val="38000"/>
+              </a:srgbClr>
+            </a:outerShdw>
+          </a:effectLst>
+        </a:effectStyle>
+        <a:effectStyle>
+          <a:effectLst>
+            <a:outerShdw blurRad="40000" dist="23000" dir="5400000" rotWithShape="0">
+              <a:srgbClr val="000000">
+                <a:alpha val="35000"/>
+              </a:srgbClr>
+            </a:outerShdw>
+          </a:effectLst>
+        </a:effectStyle>
+        <a:effectStyle>
+          <a:effectLst>
+            <a:outerShdw blurRad="40000" dist="23000" dir="5400000" rotWithShape="0">
+              <a:srgbClr val="000000">
+                <a:alpha val="35000"/>
+              </a:srgbClr>
+            </a:outerShdw>
+          </a:effectLst>
+          <a:scene3d>
+            <a:camera prst="orthographicFront">
+              <a:rot lat="0" lon="0" rev="0"/>
+            </a:camera>
+            <a:lightRig rig="threePt" dir="t">
+              <a:rot lat="0" lon="0" rev="1200000"/>
+            </a:lightRig>
+          </a:scene3d>
+          <a:sp3d>
+            <a:bevelT w="63500" h="25400"/>
+          </a:sp3d>
+        </a:effectStyle>
+      </a:effectStyleLst>
+      <a:bgFillStyleLst>
+        <a:solidFill>
+          <a:schemeClr val="phClr"/>
+        </a:solidFill>
+        <a:gradFill rotWithShape="1">
+          <a:gsLst>
+            <a:gs pos="0">
+              <a:schemeClr val="phClr">
+                <a:tint val="40000"/>
+                <a:satMod val="350000"/>
+              </a:schemeClr>
+            </a:gs>
+            <a:gs pos="40000">
+              <a:schemeClr val="phClr">
+                <a:tint val="45000"/>
+                <a:shade val="99000"/>
+                <a:satMod val="350000"/>
+              </a:schemeClr>
+            </a:gs>
+            <a:gs pos="100000">
+              <a:schemeClr val="phClr">
+                <a:shade val="20000"/>
+                <a:satMod val="255000"/>
+              </a:schemeClr>
+            </a:gs>
+          </a:gsLst>
+          <a:path path="circle">
+            <a:fillToRect l="50000" t="-80000" r="50000" b="180000"/>
+          </a:path>
+        </a:gradFill>
+        <a:gradFill rotWithShape="1">
+          <a:gsLst>
+            <a:gs pos="0">
+              <a:schemeClr val="phClr">
+                <a:tint val="80000"/>
+                <a:satMod val="300000"/>
+              </a:schemeClr>
+            </a:gs>
+            <a:gs pos="100000">
+              <a:schemeClr val="phClr">
+                <a:shade val="30000"/>
+                <a:satMod val="200000"/>
+              </a:schemeClr>
+            </a:gs>
+          </a:gsLst>
+          <a:path path="circle">
+            <a:fillToRect l="50000" t="50000" r="50000" b="50000"/>
+          </a:path>
+        </a:gradFill>
+      </a:bgFillStyleLst>
+    </a:fmtScheme>
+  </a:themeElements>
+</a:theme>
+</file>
+
+<file path=ppt/theme/theme2.xml><?xml version="1.0" encoding="utf-8"?>
+<a:theme xmlns:a="http://schemas.openxmlformats.org/drawingml/2006/main" xmlns:r="http://schemas.openxmlformats.org/officeDocument/2006/relationships" name="Simple Light">
   <a:themeElements>
     <a:clrScheme name="Simple Light">
       <a:dk1>
@@ -8527,288 +8675,5 @@
       </a:bgFillStyleLst>
     </a:fmtScheme>
   </a:themeElements>
-  <a:objectDefaults/>
-  <a:extraClrSchemeLst/>
-</a:theme>
-</file>
-
-<file path=ppt/theme/theme2.xml><?xml version="1.0" encoding="utf-8"?>
-<a:theme xmlns:a="http://schemas.openxmlformats.org/drawingml/2006/main">
-  <a:themeElements>
-    <a:clrScheme name="Default">
-      <a:dk1>
-        <a:srgbClr val="000000"/>
-      </a:dk1>
-      <a:lt1>
-        <a:srgbClr val="FFFFFF"/>
-      </a:lt1>
-      <a:dk2>
-        <a:srgbClr val="158158"/>
-      </a:dk2>
-      <a:lt2>
-        <a:srgbClr val="F3F3F3"/>
-      </a:lt2>
-      <a:accent1>
-        <a:srgbClr val="058DC7"/>
-      </a:accent1>
-      <a:accent2>
-        <a:srgbClr val="50B432"/>
-      </a:accent2>
-      <a:accent3>
-        <a:srgbClr val="ED561B"/>
-      </a:accent3>
-      <a:accent4>
-        <a:srgbClr val="EDEF00"/>
-      </a:accent4>
-      <a:accent5>
-        <a:srgbClr val="24CBE5"/>
-      </a:accent5>
-      <a:accent6>
-        <a:srgbClr val="64E572"/>
-      </a:accent6>
-      <a:hlink>
-        <a:srgbClr val="2200CC"/>
-      </a:hlink>
-      <a:folHlink>
-        <a:srgbClr val="551A8B"/>
-      </a:folHlink>
-    </a:clrScheme>
-    <a:fontScheme name="Office">
-      <a:majorFont>
-        <a:latin typeface="Arial"/>
-        <a:ea typeface=""/>
-        <a:cs typeface=""/>
-        <a:font script="Jpan" typeface="ＭＳ Ｐゴシック"/>
-        <a:font script="Hang" typeface="맑은 고딕"/>
-        <a:font script="Hans" typeface="宋体"/>
-        <a:font script="Hant" typeface="新細明體"/>
-        <a:font script="Arab" typeface="Times New Roman"/>
-        <a:font script="Hebr" typeface="Times New Roman"/>
-        <a:font script="Thai" typeface="Angsana New"/>
-        <a:font script="Ethi" typeface="Nyala"/>
-        <a:font script="Beng" typeface="Vrinda"/>
-        <a:font script="Gujr" typeface="Shruti"/>
-        <a:font script="Khmr" typeface="MoolBoran"/>
-        <a:font script="Knda" typeface="Tunga"/>
-        <a:font script="Guru" typeface="Raavi"/>
-        <a:font script="Cans" typeface="Euphemia"/>
-        <a:font script="Cher" typeface="Plantagenet Cherokee"/>
-        <a:font script="Yiii" typeface="Microsoft Yi Baiti"/>
-        <a:font script="Tibt" typeface="Microsoft Himalaya"/>
-        <a:font script="Thaa" typeface="MV Boli"/>
-        <a:font script="Deva" typeface="Mangal"/>
-        <a:font script="Telu" typeface="Gautami"/>
-        <a:font script="Taml" typeface="Latha"/>
-        <a:font script="Syrc" typeface="Estrangelo Edessa"/>
-        <a:font script="Orya" typeface="Kalinga"/>
-        <a:font script="Mlym" typeface="Kartika"/>
-        <a:font script="Laoo" typeface="DokChampa"/>
-        <a:font script="Sinh" typeface="Iskoola Pota"/>
-        <a:font script="Mong" typeface="Mongolian Baiti"/>
-        <a:font script="Viet" typeface="Times New Roman"/>
-        <a:font script="Uigh" typeface="Microsoft Uighur"/>
-        <a:font script="Geor" typeface="Sylfaen"/>
-      </a:majorFont>
-      <a:minorFont>
-        <a:latin typeface="Arial"/>
-        <a:ea typeface=""/>
-        <a:cs typeface=""/>
-        <a:font script="Jpan" typeface="ＭＳ Ｐゴシック"/>
-        <a:font script="Hang" typeface="맑은 고딕"/>
-        <a:font script="Hans" typeface="宋体"/>
-        <a:font script="Hant" typeface="新細明體"/>
-        <a:font script="Arab" typeface="Arial"/>
-        <a:font script="Hebr" typeface="Arial"/>
-        <a:font script="Thai" typeface="Cordia New"/>
-        <a:font script="Ethi" typeface="Nyala"/>
-        <a:font script="Beng" typeface="Vrinda"/>
-        <a:font script="Gujr" typeface="Shruti"/>
-        <a:font script="Khmr" typeface="DaunPenh"/>
-        <a:font script="Knda" typeface="Tunga"/>
-        <a:font script="Guru" typeface="Raavi"/>
-        <a:font script="Cans" typeface="Euphemia"/>
-        <a:font script="Cher" typeface="Plantagenet Cherokee"/>
-        <a:font script="Yiii" typeface="Microsoft Yi Baiti"/>
-        <a:font script="Tibt" typeface="Microsoft Himalaya"/>
-        <a:font script="Thaa" typeface="MV Boli"/>
-        <a:font script="Deva" typeface="Mangal"/>
-        <a:font script="Telu" typeface="Gautami"/>
-        <a:font script="Taml" typeface="Latha"/>
-        <a:font script="Syrc" typeface="Estrangelo Edessa"/>
-        <a:font script="Orya" typeface="Kalinga"/>
-        <a:font script="Mlym" typeface="Kartika"/>
-        <a:font script="Laoo" typeface="DokChampa"/>
-        <a:font script="Sinh" typeface="Iskoola Pota"/>
-        <a:font script="Mong" typeface="Mongolian Baiti"/>
-        <a:font script="Viet" typeface="Arial"/>
-        <a:font script="Uigh" typeface="Microsoft Uighur"/>
-        <a:font script="Geor" typeface="Sylfaen"/>
-      </a:minorFont>
-    </a:fontScheme>
-    <a:fmtScheme name="Office">
-      <a:fillStyleLst>
-        <a:solidFill>
-          <a:schemeClr val="phClr"/>
-        </a:solidFill>
-        <a:gradFill rotWithShape="1">
-          <a:gsLst>
-            <a:gs pos="0">
-              <a:schemeClr val="phClr">
-                <a:tint val="50000"/>
-                <a:satMod val="300000"/>
-              </a:schemeClr>
-            </a:gs>
-            <a:gs pos="35000">
-              <a:schemeClr val="phClr">
-                <a:tint val="37000"/>
-                <a:satMod val="300000"/>
-              </a:schemeClr>
-            </a:gs>
-            <a:gs pos="100000">
-              <a:schemeClr val="phClr">
-                <a:tint val="15000"/>
-                <a:satMod val="350000"/>
-              </a:schemeClr>
-            </a:gs>
-          </a:gsLst>
-          <a:lin ang="16200000" scaled="1"/>
-        </a:gradFill>
-        <a:gradFill rotWithShape="1">
-          <a:gsLst>
-            <a:gs pos="0">
-              <a:schemeClr val="phClr">
-                <a:tint val="100000"/>
-                <a:shade val="100000"/>
-                <a:satMod val="130000"/>
-              </a:schemeClr>
-            </a:gs>
-            <a:gs pos="100000">
-              <a:schemeClr val="phClr">
-                <a:tint val="50000"/>
-                <a:shade val="100000"/>
-                <a:satMod val="350000"/>
-              </a:schemeClr>
-            </a:gs>
-          </a:gsLst>
-          <a:lin ang="16200000" scaled="0"/>
-        </a:gradFill>
-      </a:fillStyleLst>
-      <a:lnStyleLst>
-        <a:ln w="9525" cap="flat" cmpd="sng" algn="ctr">
-          <a:solidFill>
-            <a:schemeClr val="phClr">
-              <a:shade val="95000"/>
-              <a:satMod val="105000"/>
-            </a:schemeClr>
-          </a:solidFill>
-          <a:prstDash val="solid"/>
-        </a:ln>
-        <a:ln w="25400" cap="flat" cmpd="sng" algn="ctr">
-          <a:solidFill>
-            <a:schemeClr val="phClr"/>
-          </a:solidFill>
-          <a:prstDash val="solid"/>
-        </a:ln>
-        <a:ln w="38100" cap="flat" cmpd="sng" algn="ctr">
-          <a:solidFill>
-            <a:schemeClr val="phClr"/>
-          </a:solidFill>
-          <a:prstDash val="solid"/>
-        </a:ln>
-      </a:lnStyleLst>
-      <a:effectStyleLst>
-        <a:effectStyle>
-          <a:effectLst>
-            <a:outerShdw blurRad="40000" dist="20000" dir="5400000" rotWithShape="0">
-              <a:srgbClr val="000000">
-                <a:alpha val="38000"/>
-              </a:srgbClr>
-            </a:outerShdw>
-          </a:effectLst>
-        </a:effectStyle>
-        <a:effectStyle>
-          <a:effectLst>
-            <a:outerShdw blurRad="40000" dist="23000" dir="5400000" rotWithShape="0">
-              <a:srgbClr val="000000">
-                <a:alpha val="35000"/>
-              </a:srgbClr>
-            </a:outerShdw>
-          </a:effectLst>
-        </a:effectStyle>
-        <a:effectStyle>
-          <a:effectLst>
-            <a:outerShdw blurRad="40000" dist="23000" dir="5400000" rotWithShape="0">
-              <a:srgbClr val="000000">
-                <a:alpha val="35000"/>
-              </a:srgbClr>
-            </a:outerShdw>
-          </a:effectLst>
-          <a:scene3d>
-            <a:camera prst="orthographicFront">
-              <a:rot lat="0" lon="0" rev="0"/>
-            </a:camera>
-            <a:lightRig rig="threePt" dir="t">
-              <a:rot lat="0" lon="0" rev="1200000"/>
-            </a:lightRig>
-          </a:scene3d>
-          <a:sp3d>
-            <a:bevelT w="63500" h="25400"/>
-          </a:sp3d>
-        </a:effectStyle>
-      </a:effectStyleLst>
-      <a:bgFillStyleLst>
-        <a:solidFill>
-          <a:schemeClr val="phClr"/>
-        </a:solidFill>
-        <a:gradFill rotWithShape="1">
-          <a:gsLst>
-            <a:gs pos="0">
-              <a:schemeClr val="phClr">
-                <a:tint val="40000"/>
-                <a:satMod val="350000"/>
-              </a:schemeClr>
-            </a:gs>
-            <a:gs pos="40000">
-              <a:schemeClr val="phClr">
-                <a:tint val="45000"/>
-                <a:shade val="99000"/>
-                <a:satMod val="350000"/>
-              </a:schemeClr>
-            </a:gs>
-            <a:gs pos="100000">
-              <a:schemeClr val="phClr">
-                <a:shade val="20000"/>
-                <a:satMod val="255000"/>
-              </a:schemeClr>
-            </a:gs>
-          </a:gsLst>
-          <a:path path="circle">
-            <a:fillToRect l="50000" t="-80000" r="50000" b="180000"/>
-          </a:path>
-        </a:gradFill>
-        <a:gradFill rotWithShape="1">
-          <a:gsLst>
-            <a:gs pos="0">
-              <a:schemeClr val="phClr">
-                <a:tint val="80000"/>
-                <a:satMod val="300000"/>
-              </a:schemeClr>
-            </a:gs>
-            <a:gs pos="100000">
-              <a:schemeClr val="phClr">
-                <a:shade val="30000"/>
-                <a:satMod val="200000"/>
-              </a:schemeClr>
-            </a:gs>
-          </a:gsLst>
-          <a:path path="circle">
-            <a:fillToRect l="50000" t="50000" r="50000" b="50000"/>
-          </a:path>
-        </a:gradFill>
-      </a:bgFillStyleLst>
-    </a:fmtScheme>
-  </a:themeElements>
-  <a:objectDefaults/>
-  <a:extraClrSchemeLst/>
 </a:theme>
 </file>